--- a/7 - Final Exam/Review.pptx
+++ b/7 - Final Exam/Review.pptx
@@ -5,36 +5,35 @@
     <p:sldMasterId id="2147483659" r:id="rId1"/>
   </p:sldMasterIdLst>
   <p:notesMasterIdLst>
-    <p:notesMasterId r:id="rId5"/>
+    <p:notesMasterId r:id="rId4"/>
   </p:notesMasterIdLst>
   <p:sldIdLst>
     <p:sldId id="256" r:id="rId2"/>
     <p:sldId id="487" r:id="rId3"/>
-    <p:sldId id="469" r:id="rId4"/>
   </p:sldIdLst>
   <p:sldSz cx="9144000" cy="5143500" type="screen16x9"/>
   <p:notesSz cx="6858000" cy="9144000"/>
   <p:embeddedFontLst>
     <p:embeddedFont>
-      <p:font typeface="Lato" panose="020F0502020204030203" pitchFamily="34" charset="0"/>
-      <p:regular r:id="rId6"/>
-      <p:bold r:id="rId7"/>
-      <p:italic r:id="rId8"/>
-      <p:boldItalic r:id="rId9"/>
+      <p:font typeface="Lato" panose="020B0604020202020204" charset="0"/>
+      <p:regular r:id="rId5"/>
+      <p:bold r:id="rId6"/>
+      <p:italic r:id="rId7"/>
+      <p:boldItalic r:id="rId8"/>
     </p:embeddedFont>
     <p:embeddedFont>
       <p:font typeface="Raleway" panose="020B0604020202020204" charset="0"/>
-      <p:regular r:id="rId10"/>
-      <p:bold r:id="rId11"/>
-      <p:italic r:id="rId12"/>
-      <p:boldItalic r:id="rId13"/>
+      <p:regular r:id="rId9"/>
+      <p:bold r:id="rId10"/>
+      <p:italic r:id="rId11"/>
+      <p:boldItalic r:id="rId12"/>
     </p:embeddedFont>
     <p:embeddedFont>
       <p:font typeface="Segoe UI" panose="020B0502040204020203" pitchFamily="34" charset="0"/>
-      <p:regular r:id="rId14"/>
-      <p:bold r:id="rId15"/>
-      <p:italic r:id="rId16"/>
-      <p:boldItalic r:id="rId17"/>
+      <p:regular r:id="rId13"/>
+      <p:bold r:id="rId14"/>
+      <p:italic r:id="rId15"/>
+      <p:boldItalic r:id="rId16"/>
     </p:embeddedFont>
   </p:embeddedFontLst>
   <p:defaultTextStyle>
@@ -1851,379 +1850,6 @@
 </file>
 
 <file path=ppt/slideLayouts/slideLayout3.xml><?xml version="1.0" encoding="utf-8"?>
-<p:sldLayout xmlns:a="http://schemas.openxmlformats.org/drawingml/2006/main" xmlns:r="http://schemas.openxmlformats.org/officeDocument/2006/relationships" xmlns:p="http://schemas.openxmlformats.org/presentationml/2006/main" matchingName="Main point">
-  <p:cSld name="Main point">
-    <p:bg>
-      <p:bgPr>
-        <a:solidFill>
-          <a:schemeClr val="lt2"/>
-        </a:solidFill>
-        <a:effectLst/>
-      </p:bgPr>
-    </p:bg>
-    <p:spTree>
-      <p:nvGrpSpPr>
-        <p:cNvPr id="1" name="Shape 44"/>
-        <p:cNvGrpSpPr/>
-        <p:nvPr/>
-      </p:nvGrpSpPr>
-      <p:grpSpPr>
-        <a:xfrm>
-          <a:off x="0" y="0"/>
-          <a:ext cx="0" cy="0"/>
-          <a:chOff x="0" y="0"/>
-          <a:chExt cx="0" cy="0"/>
-        </a:xfrm>
-      </p:grpSpPr>
-      <p:cxnSp>
-        <p:nvCxnSpPr>
-          <p:cNvPr id="45" name="Google Shape;45;p8"/>
-          <p:cNvCxnSpPr/>
-          <p:nvPr/>
-        </p:nvCxnSpPr>
-        <p:spPr>
-          <a:xfrm>
-            <a:off x="425198" y="415650"/>
-            <a:ext cx="183300" cy="0"/>
-          </a:xfrm>
-          <a:prstGeom prst="straightConnector1">
-            <a:avLst/>
-          </a:prstGeom>
-          <a:noFill/>
-          <a:ln w="19050" cap="flat" cmpd="sng">
-            <a:solidFill>
-              <a:schemeClr val="lt1"/>
-            </a:solidFill>
-            <a:prstDash val="solid"/>
-            <a:round/>
-            <a:headEnd type="none" w="sm" len="sm"/>
-            <a:tailEnd type="none" w="sm" len="sm"/>
-          </a:ln>
-        </p:spPr>
-      </p:cxnSp>
-      <p:sp>
-        <p:nvSpPr>
-          <p:cNvPr id="46" name="Google Shape;46;p8"/>
-          <p:cNvSpPr txBox="1">
-            <a:spLocks noGrp="1"/>
-          </p:cNvSpPr>
-          <p:nvPr>
-            <p:ph type="title"/>
-          </p:nvPr>
-        </p:nvSpPr>
-        <p:spPr>
-          <a:xfrm>
-            <a:off x="283103" y="712141"/>
-            <a:ext cx="6244200" cy="3835500"/>
-          </a:xfrm>
-          <a:prstGeom prst="rect">
-            <a:avLst/>
-          </a:prstGeom>
-        </p:spPr>
-        <p:txBody>
-          <a:bodyPr spcFirstLastPara="1" wrap="square" lIns="91425" tIns="91425" rIns="91425" bIns="91425" anchor="ctr" anchorCtr="0"/>
-          <a:lstStyle>
-            <a:lvl1pPr lvl="0">
-              <a:spcBef>
-                <a:spcPts val="0"/>
-              </a:spcBef>
-              <a:spcAft>
-                <a:spcPts val="0"/>
-              </a:spcAft>
-              <a:buClr>
-                <a:schemeClr val="lt1"/>
-              </a:buClr>
-              <a:buSzPts val="4800"/>
-              <a:buNone/>
-              <a:defRPr sz="4800">
-                <a:solidFill>
-                  <a:schemeClr val="lt1"/>
-                </a:solidFill>
-              </a:defRPr>
-            </a:lvl1pPr>
-            <a:lvl2pPr lvl="1">
-              <a:spcBef>
-                <a:spcPts val="0"/>
-              </a:spcBef>
-              <a:spcAft>
-                <a:spcPts val="0"/>
-              </a:spcAft>
-              <a:buClr>
-                <a:schemeClr val="lt1"/>
-              </a:buClr>
-              <a:buSzPts val="4800"/>
-              <a:buNone/>
-              <a:defRPr sz="4800">
-                <a:solidFill>
-                  <a:schemeClr val="lt1"/>
-                </a:solidFill>
-              </a:defRPr>
-            </a:lvl2pPr>
-            <a:lvl3pPr lvl="2">
-              <a:spcBef>
-                <a:spcPts val="0"/>
-              </a:spcBef>
-              <a:spcAft>
-                <a:spcPts val="0"/>
-              </a:spcAft>
-              <a:buClr>
-                <a:schemeClr val="lt1"/>
-              </a:buClr>
-              <a:buSzPts val="4800"/>
-              <a:buNone/>
-              <a:defRPr sz="4800">
-                <a:solidFill>
-                  <a:schemeClr val="lt1"/>
-                </a:solidFill>
-              </a:defRPr>
-            </a:lvl3pPr>
-            <a:lvl4pPr lvl="3">
-              <a:spcBef>
-                <a:spcPts val="0"/>
-              </a:spcBef>
-              <a:spcAft>
-                <a:spcPts val="0"/>
-              </a:spcAft>
-              <a:buClr>
-                <a:schemeClr val="lt1"/>
-              </a:buClr>
-              <a:buSzPts val="4800"/>
-              <a:buNone/>
-              <a:defRPr sz="4800">
-                <a:solidFill>
-                  <a:schemeClr val="lt1"/>
-                </a:solidFill>
-              </a:defRPr>
-            </a:lvl4pPr>
-            <a:lvl5pPr lvl="4">
-              <a:spcBef>
-                <a:spcPts val="0"/>
-              </a:spcBef>
-              <a:spcAft>
-                <a:spcPts val="0"/>
-              </a:spcAft>
-              <a:buClr>
-                <a:schemeClr val="lt1"/>
-              </a:buClr>
-              <a:buSzPts val="4800"/>
-              <a:buNone/>
-              <a:defRPr sz="4800">
-                <a:solidFill>
-                  <a:schemeClr val="lt1"/>
-                </a:solidFill>
-              </a:defRPr>
-            </a:lvl5pPr>
-            <a:lvl6pPr lvl="5">
-              <a:spcBef>
-                <a:spcPts val="0"/>
-              </a:spcBef>
-              <a:spcAft>
-                <a:spcPts val="0"/>
-              </a:spcAft>
-              <a:buClr>
-                <a:schemeClr val="lt1"/>
-              </a:buClr>
-              <a:buSzPts val="4800"/>
-              <a:buNone/>
-              <a:defRPr sz="4800">
-                <a:solidFill>
-                  <a:schemeClr val="lt1"/>
-                </a:solidFill>
-              </a:defRPr>
-            </a:lvl6pPr>
-            <a:lvl7pPr lvl="6">
-              <a:spcBef>
-                <a:spcPts val="0"/>
-              </a:spcBef>
-              <a:spcAft>
-                <a:spcPts val="0"/>
-              </a:spcAft>
-              <a:buClr>
-                <a:schemeClr val="lt1"/>
-              </a:buClr>
-              <a:buSzPts val="4800"/>
-              <a:buNone/>
-              <a:defRPr sz="4800">
-                <a:solidFill>
-                  <a:schemeClr val="lt1"/>
-                </a:solidFill>
-              </a:defRPr>
-            </a:lvl7pPr>
-            <a:lvl8pPr lvl="7">
-              <a:spcBef>
-                <a:spcPts val="0"/>
-              </a:spcBef>
-              <a:spcAft>
-                <a:spcPts val="0"/>
-              </a:spcAft>
-              <a:buClr>
-                <a:schemeClr val="lt1"/>
-              </a:buClr>
-              <a:buSzPts val="4800"/>
-              <a:buNone/>
-              <a:defRPr sz="4800">
-                <a:solidFill>
-                  <a:schemeClr val="lt1"/>
-                </a:solidFill>
-              </a:defRPr>
-            </a:lvl8pPr>
-            <a:lvl9pPr lvl="8">
-              <a:spcBef>
-                <a:spcPts val="0"/>
-              </a:spcBef>
-              <a:spcAft>
-                <a:spcPts val="0"/>
-              </a:spcAft>
-              <a:buClr>
-                <a:schemeClr val="lt1"/>
-              </a:buClr>
-              <a:buSzPts val="4800"/>
-              <a:buNone/>
-              <a:defRPr sz="4800">
-                <a:solidFill>
-                  <a:schemeClr val="lt1"/>
-                </a:solidFill>
-              </a:defRPr>
-            </a:lvl9pPr>
-          </a:lstStyle>
-          <a:p>
-            <a:r>
-              <a:rPr lang="en-US"/>
-              <a:t>Click to edit Master title style</a:t>
-            </a:r>
-            <a:endParaRPr/>
-          </a:p>
-        </p:txBody>
-      </p:sp>
-      <p:sp>
-        <p:nvSpPr>
-          <p:cNvPr id="47" name="Google Shape;47;p8"/>
-          <p:cNvSpPr txBox="1">
-            <a:spLocks noGrp="1"/>
-          </p:cNvSpPr>
-          <p:nvPr>
-            <p:ph type="sldNum" idx="12"/>
-          </p:nvPr>
-        </p:nvSpPr>
-        <p:spPr>
-          <a:xfrm>
-            <a:off x="8497999" y="4688759"/>
-            <a:ext cx="548700" cy="393600"/>
-          </a:xfrm>
-          <a:prstGeom prst="rect">
-            <a:avLst/>
-          </a:prstGeom>
-        </p:spPr>
-        <p:txBody>
-          <a:bodyPr spcFirstLastPara="1" wrap="square" lIns="91425" tIns="91425" rIns="91425" bIns="91425" anchor="ctr" anchorCtr="0">
-            <a:noAutofit/>
-          </a:bodyPr>
-          <a:lstStyle>
-            <a:lvl1pPr lvl="0">
-              <a:buNone/>
-              <a:defRPr>
-                <a:solidFill>
-                  <a:schemeClr val="lt1"/>
-                </a:solidFill>
-              </a:defRPr>
-            </a:lvl1pPr>
-            <a:lvl2pPr lvl="1">
-              <a:buNone/>
-              <a:defRPr>
-                <a:solidFill>
-                  <a:schemeClr val="lt1"/>
-                </a:solidFill>
-              </a:defRPr>
-            </a:lvl2pPr>
-            <a:lvl3pPr lvl="2">
-              <a:buNone/>
-              <a:defRPr>
-                <a:solidFill>
-                  <a:schemeClr val="lt1"/>
-                </a:solidFill>
-              </a:defRPr>
-            </a:lvl3pPr>
-            <a:lvl4pPr lvl="3">
-              <a:buNone/>
-              <a:defRPr>
-                <a:solidFill>
-                  <a:schemeClr val="lt1"/>
-                </a:solidFill>
-              </a:defRPr>
-            </a:lvl4pPr>
-            <a:lvl5pPr lvl="4">
-              <a:buNone/>
-              <a:defRPr>
-                <a:solidFill>
-                  <a:schemeClr val="lt1"/>
-                </a:solidFill>
-              </a:defRPr>
-            </a:lvl5pPr>
-            <a:lvl6pPr lvl="5">
-              <a:buNone/>
-              <a:defRPr>
-                <a:solidFill>
-                  <a:schemeClr val="lt1"/>
-                </a:solidFill>
-              </a:defRPr>
-            </a:lvl6pPr>
-            <a:lvl7pPr lvl="6">
-              <a:buNone/>
-              <a:defRPr>
-                <a:solidFill>
-                  <a:schemeClr val="lt1"/>
-                </a:solidFill>
-              </a:defRPr>
-            </a:lvl7pPr>
-            <a:lvl8pPr lvl="7">
-              <a:buNone/>
-              <a:defRPr>
-                <a:solidFill>
-                  <a:schemeClr val="lt1"/>
-                </a:solidFill>
-              </a:defRPr>
-            </a:lvl8pPr>
-            <a:lvl9pPr lvl="8">
-              <a:buNone/>
-              <a:defRPr>
-                <a:solidFill>
-                  <a:schemeClr val="lt1"/>
-                </a:solidFill>
-              </a:defRPr>
-            </a:lvl9pPr>
-          </a:lstStyle>
-          <a:p>
-            <a:pPr marL="0" lvl="0" indent="0" algn="r" rtl="0">
-              <a:spcBef>
-                <a:spcPts val="0"/>
-              </a:spcBef>
-              <a:spcAft>
-                <a:spcPts val="0"/>
-              </a:spcAft>
-              <a:buNone/>
-            </a:pPr>
-            <a:fld id="{00000000-1234-1234-1234-123412341234}" type="slidenum">
-              <a:rPr lang="en"/>
-              <a:t>‹#›</a:t>
-            </a:fld>
-            <a:endParaRPr/>
-          </a:p>
-        </p:txBody>
-      </p:sp>
-    </p:spTree>
-    <p:extLst>
-      <p:ext uri="{BB962C8B-B14F-4D97-AF65-F5344CB8AC3E}">
-        <p14:creationId xmlns:p14="http://schemas.microsoft.com/office/powerpoint/2010/main" val="2034755884"/>
-      </p:ext>
-    </p:extLst>
-  </p:cSld>
-  <p:clrMapOvr>
-    <a:masterClrMapping/>
-  </p:clrMapOvr>
-</p:sldLayout>
-</file>
-
-<file path=ppt/slideLayouts/slideLayout4.xml><?xml version="1.0" encoding="utf-8"?>
 <p:sldLayout xmlns:a="http://schemas.openxmlformats.org/drawingml/2006/main" xmlns:r="http://schemas.openxmlformats.org/officeDocument/2006/relationships" xmlns:p="http://schemas.openxmlformats.org/presentationml/2006/main" type="secHead">
   <p:cSld name="Section Header">
     <p:spTree>
@@ -3104,8 +2730,7 @@
   <p:sldLayoutIdLst>
     <p:sldLayoutId id="2147483648" r:id="rId1"/>
     <p:sldLayoutId id="2147483653" r:id="rId2"/>
-    <p:sldLayoutId id="2147483661" r:id="rId3"/>
-    <p:sldLayoutId id="2147483663" r:id="rId4"/>
+    <p:sldLayoutId id="2147483663" r:id="rId3"/>
   </p:sldLayoutIdLst>
   <p:hf sldNum="0" hdr="0" ftr="0" dt="0"/>
   <p:txStyles>
@@ -4448,130 +4073,6 @@
     <p:extLst>
       <p:ext uri="{BB962C8B-B14F-4D97-AF65-F5344CB8AC3E}">
         <p14:creationId xmlns:p14="http://schemas.microsoft.com/office/powerpoint/2010/main" val="664883470"/>
-      </p:ext>
-    </p:extLst>
-  </p:cSld>
-  <p:clrMapOvr>
-    <a:masterClrMapping/>
-  </p:clrMapOvr>
-</p:sld>
-</file>
-
-<file path=ppt/slides/slide3.xml><?xml version="1.0" encoding="utf-8"?>
-<p:sld xmlns:a="http://schemas.openxmlformats.org/drawingml/2006/main" xmlns:r="http://schemas.openxmlformats.org/officeDocument/2006/relationships" xmlns:p="http://schemas.openxmlformats.org/presentationml/2006/main">
-  <p:cSld>
-    <p:spTree>
-      <p:nvGrpSpPr>
-        <p:cNvPr id="1" name=""/>
-        <p:cNvGrpSpPr/>
-        <p:nvPr/>
-      </p:nvGrpSpPr>
-      <p:grpSpPr>
-        <a:xfrm>
-          <a:off x="0" y="0"/>
-          <a:ext cx="0" cy="0"/>
-          <a:chOff x="0" y="0"/>
-          <a:chExt cx="0" cy="0"/>
-        </a:xfrm>
-      </p:grpSpPr>
-      <p:sp>
-        <p:nvSpPr>
-          <p:cNvPr id="5" name="TextBox 4">
-            <a:extLst>
-              <a:ext uri="{FF2B5EF4-FFF2-40B4-BE49-F238E27FC236}">
-                <a16:creationId xmlns:a16="http://schemas.microsoft.com/office/drawing/2014/main" id="{D56A1567-4598-49E3-BEE3-1099198EB3AA}"/>
-              </a:ext>
-            </a:extLst>
-          </p:cNvPr>
-          <p:cNvSpPr txBox="1"/>
-          <p:nvPr/>
-        </p:nvSpPr>
-        <p:spPr>
-          <a:xfrm>
-            <a:off x="752354" y="372963"/>
-            <a:ext cx="7639292" cy="4616648"/>
-          </a:xfrm>
-          <a:prstGeom prst="rect">
-            <a:avLst/>
-          </a:prstGeom>
-          <a:noFill/>
-        </p:spPr>
-        <p:txBody>
-          <a:bodyPr wrap="square" rtlCol="0">
-            <a:spAutoFit/>
-          </a:bodyPr>
-          <a:lstStyle/>
-          <a:p>
-            <a:r>
-              <a:rPr lang="en-US" sz="4000" b="1" dirty="0">
-                <a:solidFill>
-                  <a:schemeClr val="tx1"/>
-                </a:solidFill>
-                <a:latin typeface="Raleway" panose="020B0604020202020204" charset="0"/>
-              </a:rPr>
-              <a:t>Disclaimer:</a:t>
-            </a:r>
-          </a:p>
-          <a:p>
-            <a:pPr marL="285750" indent="-285750">
-              <a:spcBef>
-                <a:spcPts val="1200"/>
-              </a:spcBef>
-              <a:buFont typeface="Arial" panose="020B0604020202020204" pitchFamily="34" charset="0"/>
-              <a:buChar char="•"/>
-            </a:pPr>
-            <a:r>
-              <a:rPr lang="en-US" sz="2800" dirty="0">
-                <a:solidFill>
-                  <a:schemeClr val="tx1"/>
-                </a:solidFill>
-                <a:latin typeface="Raleway" panose="020B0604020202020204" charset="0"/>
-              </a:rPr>
-              <a:t>By participating in the end-of-semester party, you agree that your behavior is your own responsibly and not the responsibility of UNCC or Dr. Ford.</a:t>
-            </a:r>
-          </a:p>
-          <a:p>
-            <a:pPr marL="285750" indent="-285750">
-              <a:spcBef>
-                <a:spcPts val="1200"/>
-              </a:spcBef>
-              <a:buFont typeface="Arial" panose="020B0604020202020204" pitchFamily="34" charset="0"/>
-              <a:buChar char="•"/>
-            </a:pPr>
-            <a:r>
-              <a:rPr lang="en-US" sz="2800" dirty="0">
-                <a:solidFill>
-                  <a:schemeClr val="tx1"/>
-                </a:solidFill>
-                <a:latin typeface="Raleway" panose="020B0604020202020204" charset="0"/>
-              </a:rPr>
-              <a:t>Don’t drink and drive. Uber is cheap.</a:t>
-            </a:r>
-          </a:p>
-          <a:p>
-            <a:pPr marL="285750" indent="-285750">
-              <a:spcBef>
-                <a:spcPts val="1200"/>
-              </a:spcBef>
-              <a:buFont typeface="Arial" panose="020B0604020202020204" pitchFamily="34" charset="0"/>
-              <a:buChar char="•"/>
-            </a:pPr>
-            <a:r>
-              <a:rPr lang="en-US" sz="2800" dirty="0">
-                <a:solidFill>
-                  <a:schemeClr val="tx1"/>
-                </a:solidFill>
-                <a:latin typeface="Raleway" panose="020B0604020202020204" charset="0"/>
-              </a:rPr>
-              <a:t>Dr. Ford nor UNCC are in anyway responsible for your actions should you decide to make bad decisions.</a:t>
-            </a:r>
-          </a:p>
-        </p:txBody>
-      </p:sp>
-    </p:spTree>
-    <p:extLst>
-      <p:ext uri="{BB962C8B-B14F-4D97-AF65-F5344CB8AC3E}">
-        <p14:creationId xmlns:p14="http://schemas.microsoft.com/office/powerpoint/2010/main" val="4081951888"/>
       </p:ext>
     </p:extLst>
   </p:cSld>

--- a/7 - Final Exam/Review.pptx
+++ b/7 - Final Exam/Review.pptx
@@ -3645,7 +3645,7 @@
             </a:pPr>
             <a:r>
               <a:rPr lang="en-US" dirty="0"/>
-              <a:t>Wednesday, 5/8/2019</a:t>
+              <a:t>Thursday, 11/21/19</a:t>
             </a:r>
           </a:p>
           <a:p>
@@ -3656,7 +3656,7 @@
             </a:pPr>
             <a:r>
               <a:rPr lang="en-US" dirty="0"/>
-              <a:t>6:00pm – 8:45pm</a:t>
+              <a:t>5:30pm – 8:15pm</a:t>
             </a:r>
           </a:p>
           <a:p>
@@ -3666,9 +3666,10 @@
               </a:spcBef>
             </a:pPr>
             <a:r>
-              <a:rPr lang="en-US" dirty="0"/>
-              <a:t>Packard Place</a:t>
+              <a:rPr lang="en-US"/>
+              <a:t>Center City</a:t>
             </a:r>
+            <a:endParaRPr lang="en-US" dirty="0"/>
           </a:p>
           <a:p>
             <a:r>
@@ -3721,7 +3722,7 @@
           <p:nvPr>
             <p:extLst>
               <p:ext uri="{D42A27DB-BD31-4B8C-83A1-F6EECF244321}">
-                <p14:modId xmlns:p14="http://schemas.microsoft.com/office/powerpoint/2010/main" val="2525776498"/>
+                <p14:modId xmlns:p14="http://schemas.microsoft.com/office/powerpoint/2010/main" val="2250180123"/>
               </p:ext>
             </p:extLst>
           </p:nvPr>

--- a/7 - Final Exam/Review.pptx
+++ b/7 - Final Exam/Review.pptx
@@ -15,14 +15,14 @@
   <p:notesSz cx="6858000" cy="9144000"/>
   <p:embeddedFontLst>
     <p:embeddedFont>
-      <p:font typeface="Lato" panose="020B0604020202020204" charset="0"/>
+      <p:font typeface="Lato" panose="020F0502020204030203" pitchFamily="34" charset="0"/>
       <p:regular r:id="rId5"/>
       <p:bold r:id="rId6"/>
       <p:italic r:id="rId7"/>
       <p:boldItalic r:id="rId8"/>
     </p:embeddedFont>
     <p:embeddedFont>
-      <p:font typeface="Raleway" panose="020B0604020202020204" charset="0"/>
+      <p:font typeface="Raleway" panose="020B0503030101060003" pitchFamily="34" charset="0"/>
       <p:regular r:id="rId9"/>
       <p:bold r:id="rId10"/>
       <p:italic r:id="rId11"/>
@@ -3645,7 +3645,7 @@
             </a:pPr>
             <a:r>
               <a:rPr lang="en-US" dirty="0"/>
-              <a:t>Thursday, 11/21/19</a:t>
+              <a:t>Wednesday, 5/11/22</a:t>
             </a:r>
           </a:p>
           <a:p>
@@ -3666,10 +3666,9 @@
               </a:spcBef>
             </a:pPr>
             <a:r>
-              <a:rPr lang="en-US"/>
+              <a:rPr lang="en-US" dirty="0"/>
               <a:t>Center City</a:t>
             </a:r>
-            <a:endParaRPr lang="en-US" dirty="0"/>
           </a:p>
           <a:p>
             <a:r>

--- a/7 - Final Exam/Review.pptx
+++ b/7 - Final Exam/Review.pptx
@@ -5,35 +5,36 @@
     <p:sldMasterId id="2147483659" r:id="rId1"/>
   </p:sldMasterIdLst>
   <p:notesMasterIdLst>
-    <p:notesMasterId r:id="rId4"/>
+    <p:notesMasterId r:id="rId5"/>
   </p:notesMasterIdLst>
   <p:sldIdLst>
     <p:sldId id="256" r:id="rId2"/>
-    <p:sldId id="487" r:id="rId3"/>
+    <p:sldId id="488" r:id="rId3"/>
+    <p:sldId id="487" r:id="rId4"/>
   </p:sldIdLst>
   <p:sldSz cx="9144000" cy="5143500" type="screen16x9"/>
   <p:notesSz cx="6858000" cy="9144000"/>
   <p:embeddedFontLst>
     <p:embeddedFont>
       <p:font typeface="Lato" panose="020F0502020204030203" pitchFamily="34" charset="0"/>
-      <p:regular r:id="rId5"/>
-      <p:bold r:id="rId6"/>
-      <p:italic r:id="rId7"/>
-      <p:boldItalic r:id="rId8"/>
+      <p:regular r:id="rId6"/>
+      <p:bold r:id="rId7"/>
+      <p:italic r:id="rId8"/>
+      <p:boldItalic r:id="rId9"/>
     </p:embeddedFont>
     <p:embeddedFont>
-      <p:font typeface="Raleway" panose="020B0503030101060003" pitchFamily="34" charset="0"/>
-      <p:regular r:id="rId9"/>
-      <p:bold r:id="rId10"/>
-      <p:italic r:id="rId11"/>
-      <p:boldItalic r:id="rId12"/>
+      <p:font typeface="Raleway" pitchFamily="2" charset="0"/>
+      <p:regular r:id="rId10"/>
+      <p:bold r:id="rId11"/>
+      <p:italic r:id="rId12"/>
+      <p:boldItalic r:id="rId13"/>
     </p:embeddedFont>
     <p:embeddedFont>
       <p:font typeface="Segoe UI" panose="020B0502040204020203" pitchFamily="34" charset="0"/>
-      <p:regular r:id="rId13"/>
-      <p:bold r:id="rId14"/>
-      <p:italic r:id="rId15"/>
-      <p:boldItalic r:id="rId16"/>
+      <p:regular r:id="rId14"/>
+      <p:bold r:id="rId15"/>
+      <p:italic r:id="rId16"/>
+      <p:boldItalic r:id="rId17"/>
     </p:embeddedFont>
   </p:embeddedFontLst>
   <p:defaultTextStyle>
@@ -271,6 +272,4690 @@
     </p:ext>
   </p:extLst>
 </p:presentation>
+</file>
+
+<file path=ppt/diagrams/colors1.xml><?xml version="1.0" encoding="utf-8"?>
+<dgm:colorsDef xmlns:dgm="http://schemas.openxmlformats.org/drawingml/2006/diagram" xmlns:a="http://schemas.openxmlformats.org/drawingml/2006/main" uniqueId="urn:microsoft.com/office/officeart/2005/8/colors/colorful1">
+  <dgm:title val=""/>
+  <dgm:desc val=""/>
+  <dgm:catLst>
+    <dgm:cat type="colorful" pri="10100"/>
+  </dgm:catLst>
+  <dgm:styleLbl name="node0">
+    <dgm:fillClrLst meth="repeat">
+      <a:schemeClr val="accent1"/>
+    </dgm:fillClrLst>
+    <dgm:linClrLst meth="repeat">
+      <a:schemeClr val="lt1"/>
+    </dgm:linClrLst>
+    <dgm:effectClrLst/>
+    <dgm:txLinClrLst/>
+    <dgm:txFillClrLst/>
+    <dgm:txEffectClrLst/>
+  </dgm:styleLbl>
+  <dgm:styleLbl name="node1">
+    <dgm:fillClrLst meth="repeat">
+      <a:schemeClr val="accent2"/>
+      <a:schemeClr val="accent3"/>
+      <a:schemeClr val="accent4"/>
+      <a:schemeClr val="accent5"/>
+      <a:schemeClr val="accent6"/>
+    </dgm:fillClrLst>
+    <dgm:linClrLst meth="repeat">
+      <a:schemeClr val="lt1"/>
+    </dgm:linClrLst>
+    <dgm:effectClrLst/>
+    <dgm:txLinClrLst/>
+    <dgm:txFillClrLst/>
+    <dgm:txEffectClrLst/>
+  </dgm:styleLbl>
+  <dgm:styleLbl name="alignNode1">
+    <dgm:fillClrLst meth="repeat">
+      <a:schemeClr val="accent2"/>
+      <a:schemeClr val="accent3"/>
+      <a:schemeClr val="accent4"/>
+      <a:schemeClr val="accent5"/>
+      <a:schemeClr val="accent6"/>
+    </dgm:fillClrLst>
+    <dgm:linClrLst meth="repeat">
+      <a:schemeClr val="accent2"/>
+      <a:schemeClr val="accent3"/>
+      <a:schemeClr val="accent4"/>
+      <a:schemeClr val="accent5"/>
+      <a:schemeClr val="accent6"/>
+    </dgm:linClrLst>
+    <dgm:effectClrLst/>
+    <dgm:txLinClrLst/>
+    <dgm:txFillClrLst/>
+    <dgm:txEffectClrLst/>
+  </dgm:styleLbl>
+  <dgm:styleLbl name="lnNode1">
+    <dgm:fillClrLst meth="repeat">
+      <a:schemeClr val="accent2"/>
+      <a:schemeClr val="accent3"/>
+      <a:schemeClr val="accent4"/>
+      <a:schemeClr val="accent5"/>
+      <a:schemeClr val="accent6"/>
+    </dgm:fillClrLst>
+    <dgm:linClrLst meth="repeat">
+      <a:schemeClr val="lt1"/>
+    </dgm:linClrLst>
+    <dgm:effectClrLst/>
+    <dgm:txLinClrLst/>
+    <dgm:txFillClrLst/>
+    <dgm:txEffectClrLst/>
+  </dgm:styleLbl>
+  <dgm:styleLbl name="vennNode1">
+    <dgm:fillClrLst meth="repeat">
+      <a:schemeClr val="accent2">
+        <a:alpha val="50000"/>
+      </a:schemeClr>
+      <a:schemeClr val="accent3">
+        <a:alpha val="50000"/>
+      </a:schemeClr>
+      <a:schemeClr val="accent4">
+        <a:alpha val="50000"/>
+      </a:schemeClr>
+      <a:schemeClr val="accent5">
+        <a:alpha val="50000"/>
+      </a:schemeClr>
+      <a:schemeClr val="accent6">
+        <a:alpha val="50000"/>
+      </a:schemeClr>
+    </dgm:fillClrLst>
+    <dgm:linClrLst meth="repeat">
+      <a:schemeClr val="lt1"/>
+    </dgm:linClrLst>
+    <dgm:effectClrLst/>
+    <dgm:txLinClrLst/>
+    <dgm:txFillClrLst/>
+    <dgm:txEffectClrLst/>
+  </dgm:styleLbl>
+  <dgm:styleLbl name="node2">
+    <dgm:fillClrLst>
+      <a:schemeClr val="accent2"/>
+    </dgm:fillClrLst>
+    <dgm:linClrLst meth="repeat">
+      <a:schemeClr val="lt1"/>
+    </dgm:linClrLst>
+    <dgm:effectClrLst/>
+    <dgm:txLinClrLst/>
+    <dgm:txFillClrLst/>
+    <dgm:txEffectClrLst/>
+  </dgm:styleLbl>
+  <dgm:styleLbl name="node3">
+    <dgm:fillClrLst>
+      <a:schemeClr val="accent3"/>
+    </dgm:fillClrLst>
+    <dgm:linClrLst meth="repeat">
+      <a:schemeClr val="lt1"/>
+    </dgm:linClrLst>
+    <dgm:effectClrLst/>
+    <dgm:txLinClrLst/>
+    <dgm:txFillClrLst/>
+    <dgm:txEffectClrLst/>
+  </dgm:styleLbl>
+  <dgm:styleLbl name="node4">
+    <dgm:fillClrLst>
+      <a:schemeClr val="accent4"/>
+    </dgm:fillClrLst>
+    <dgm:linClrLst meth="repeat">
+      <a:schemeClr val="lt1"/>
+    </dgm:linClrLst>
+    <dgm:effectClrLst/>
+    <dgm:txLinClrLst/>
+    <dgm:txFillClrLst/>
+    <dgm:txEffectClrLst/>
+  </dgm:styleLbl>
+  <dgm:styleLbl name="fgImgPlace1">
+    <dgm:fillClrLst meth="repeat">
+      <a:schemeClr val="accent2">
+        <a:tint val="50000"/>
+      </a:schemeClr>
+      <a:schemeClr val="accent3">
+        <a:tint val="50000"/>
+      </a:schemeClr>
+      <a:schemeClr val="accent4">
+        <a:tint val="50000"/>
+      </a:schemeClr>
+      <a:schemeClr val="accent5">
+        <a:tint val="50000"/>
+      </a:schemeClr>
+      <a:schemeClr val="accent6">
+        <a:tint val="50000"/>
+      </a:schemeClr>
+    </dgm:fillClrLst>
+    <dgm:linClrLst meth="repeat">
+      <a:schemeClr val="lt1"/>
+    </dgm:linClrLst>
+    <dgm:effectClrLst/>
+    <dgm:txLinClrLst/>
+    <dgm:txFillClrLst meth="repeat">
+      <a:schemeClr val="lt1"/>
+    </dgm:txFillClrLst>
+    <dgm:txEffectClrLst/>
+  </dgm:styleLbl>
+  <dgm:styleLbl name="alignImgPlace1">
+    <dgm:fillClrLst>
+      <a:schemeClr val="accent1">
+        <a:tint val="50000"/>
+      </a:schemeClr>
+      <a:schemeClr val="accent2">
+        <a:tint val="20000"/>
+      </a:schemeClr>
+    </dgm:fillClrLst>
+    <dgm:linClrLst meth="repeat">
+      <a:schemeClr val="lt1"/>
+    </dgm:linClrLst>
+    <dgm:effectClrLst/>
+    <dgm:txLinClrLst/>
+    <dgm:txFillClrLst meth="repeat">
+      <a:schemeClr val="lt1"/>
+    </dgm:txFillClrLst>
+    <dgm:txEffectClrLst/>
+  </dgm:styleLbl>
+  <dgm:styleLbl name="bgImgPlace1">
+    <dgm:fillClrLst>
+      <a:schemeClr val="accent1">
+        <a:tint val="50000"/>
+      </a:schemeClr>
+      <a:schemeClr val="accent2">
+        <a:tint val="20000"/>
+      </a:schemeClr>
+    </dgm:fillClrLst>
+    <dgm:linClrLst meth="repeat">
+      <a:schemeClr val="lt1"/>
+    </dgm:linClrLst>
+    <dgm:effectClrLst/>
+    <dgm:txLinClrLst/>
+    <dgm:txFillClrLst meth="repeat">
+      <a:schemeClr val="lt1"/>
+    </dgm:txFillClrLst>
+    <dgm:txEffectClrLst/>
+  </dgm:styleLbl>
+  <dgm:styleLbl name="sibTrans2D1">
+    <dgm:fillClrLst meth="repeat">
+      <a:schemeClr val="accent2"/>
+      <a:schemeClr val="accent3"/>
+      <a:schemeClr val="accent4"/>
+      <a:schemeClr val="accent5"/>
+      <a:schemeClr val="accent6"/>
+    </dgm:fillClrLst>
+    <dgm:linClrLst meth="cycle">
+      <a:schemeClr val="lt1"/>
+    </dgm:linClrLst>
+    <dgm:effectClrLst/>
+    <dgm:txLinClrLst/>
+    <dgm:txFillClrLst/>
+    <dgm:txEffectClrLst/>
+  </dgm:styleLbl>
+  <dgm:styleLbl name="fgSibTrans2D1">
+    <dgm:fillClrLst meth="repeat">
+      <a:schemeClr val="accent2"/>
+      <a:schemeClr val="accent3"/>
+      <a:schemeClr val="accent4"/>
+      <a:schemeClr val="accent5"/>
+      <a:schemeClr val="accent6"/>
+    </dgm:fillClrLst>
+    <dgm:linClrLst meth="cycle">
+      <a:schemeClr val="lt1"/>
+    </dgm:linClrLst>
+    <dgm:effectClrLst/>
+    <dgm:txLinClrLst/>
+    <dgm:txFillClrLst meth="repeat">
+      <a:schemeClr val="lt1"/>
+    </dgm:txFillClrLst>
+    <dgm:txEffectClrLst/>
+  </dgm:styleLbl>
+  <dgm:styleLbl name="bgSibTrans2D1">
+    <dgm:fillClrLst meth="repeat">
+      <a:schemeClr val="accent2"/>
+      <a:schemeClr val="accent3"/>
+      <a:schemeClr val="accent4"/>
+      <a:schemeClr val="accent5"/>
+      <a:schemeClr val="accent6"/>
+    </dgm:fillClrLst>
+    <dgm:linClrLst meth="cycle">
+      <a:schemeClr val="lt1"/>
+    </dgm:linClrLst>
+    <dgm:effectClrLst/>
+    <dgm:txLinClrLst/>
+    <dgm:txFillClrLst meth="repeat">
+      <a:schemeClr val="lt1"/>
+    </dgm:txFillClrLst>
+    <dgm:txEffectClrLst/>
+  </dgm:styleLbl>
+  <dgm:styleLbl name="sibTrans1D1">
+    <dgm:fillClrLst meth="repeat">
+      <a:schemeClr val="accent2"/>
+      <a:schemeClr val="accent3"/>
+      <a:schemeClr val="accent4"/>
+      <a:schemeClr val="accent5"/>
+      <a:schemeClr val="accent6"/>
+    </dgm:fillClrLst>
+    <dgm:linClrLst meth="repeat">
+      <a:schemeClr val="accent2"/>
+      <a:schemeClr val="accent3"/>
+      <a:schemeClr val="accent4"/>
+      <a:schemeClr val="accent5"/>
+      <a:schemeClr val="accent6"/>
+    </dgm:linClrLst>
+    <dgm:effectClrLst/>
+    <dgm:txLinClrLst/>
+    <dgm:txFillClrLst meth="repeat">
+      <a:schemeClr val="tx1"/>
+    </dgm:txFillClrLst>
+    <dgm:txEffectClrLst/>
+  </dgm:styleLbl>
+  <dgm:styleLbl name="callout">
+    <dgm:fillClrLst meth="repeat">
+      <a:schemeClr val="accent2"/>
+    </dgm:fillClrLst>
+    <dgm:linClrLst meth="repeat">
+      <a:schemeClr val="accent2">
+        <a:tint val="50000"/>
+      </a:schemeClr>
+    </dgm:linClrLst>
+    <dgm:effectClrLst/>
+    <dgm:txLinClrLst/>
+    <dgm:txFillClrLst meth="repeat">
+      <a:schemeClr val="tx1"/>
+    </dgm:txFillClrLst>
+    <dgm:txEffectClrLst/>
+  </dgm:styleLbl>
+  <dgm:styleLbl name="asst0">
+    <dgm:fillClrLst meth="repeat">
+      <a:schemeClr val="accent1"/>
+    </dgm:fillClrLst>
+    <dgm:linClrLst meth="repeat">
+      <a:schemeClr val="lt1"/>
+    </dgm:linClrLst>
+    <dgm:effectClrLst/>
+    <dgm:txLinClrLst/>
+    <dgm:txFillClrLst/>
+    <dgm:txEffectClrLst/>
+  </dgm:styleLbl>
+  <dgm:styleLbl name="asst1">
+    <dgm:fillClrLst meth="repeat">
+      <a:schemeClr val="accent2"/>
+    </dgm:fillClrLst>
+    <dgm:linClrLst meth="repeat">
+      <a:schemeClr val="lt1"/>
+    </dgm:linClrLst>
+    <dgm:effectClrLst/>
+    <dgm:txLinClrLst/>
+    <dgm:txFillClrLst/>
+    <dgm:txEffectClrLst/>
+  </dgm:styleLbl>
+  <dgm:styleLbl name="asst2">
+    <dgm:fillClrLst>
+      <a:schemeClr val="accent3"/>
+    </dgm:fillClrLst>
+    <dgm:linClrLst meth="repeat">
+      <a:schemeClr val="lt1"/>
+    </dgm:linClrLst>
+    <dgm:effectClrLst/>
+    <dgm:txLinClrLst/>
+    <dgm:txFillClrLst/>
+    <dgm:txEffectClrLst/>
+  </dgm:styleLbl>
+  <dgm:styleLbl name="asst3">
+    <dgm:fillClrLst>
+      <a:schemeClr val="accent4"/>
+    </dgm:fillClrLst>
+    <dgm:linClrLst meth="repeat">
+      <a:schemeClr val="lt1"/>
+    </dgm:linClrLst>
+    <dgm:effectClrLst/>
+    <dgm:txLinClrLst/>
+    <dgm:txFillClrLst/>
+    <dgm:txEffectClrLst/>
+  </dgm:styleLbl>
+  <dgm:styleLbl name="asst4">
+    <dgm:fillClrLst>
+      <a:schemeClr val="accent5"/>
+    </dgm:fillClrLst>
+    <dgm:linClrLst meth="repeat">
+      <a:schemeClr val="lt1"/>
+    </dgm:linClrLst>
+    <dgm:effectClrLst/>
+    <dgm:txLinClrLst/>
+    <dgm:txFillClrLst/>
+    <dgm:txEffectClrLst/>
+  </dgm:styleLbl>
+  <dgm:styleLbl name="parChTrans2D1">
+    <dgm:fillClrLst meth="repeat">
+      <a:schemeClr val="accent2"/>
+    </dgm:fillClrLst>
+    <dgm:linClrLst meth="repeat">
+      <a:schemeClr val="lt1"/>
+    </dgm:linClrLst>
+    <dgm:effectClrLst/>
+    <dgm:txLinClrLst/>
+    <dgm:txFillClrLst meth="repeat">
+      <a:schemeClr val="lt1"/>
+    </dgm:txFillClrLst>
+    <dgm:txEffectClrLst/>
+  </dgm:styleLbl>
+  <dgm:styleLbl name="parChTrans2D2">
+    <dgm:fillClrLst meth="repeat">
+      <a:schemeClr val="accent3"/>
+    </dgm:fillClrLst>
+    <dgm:linClrLst meth="repeat">
+      <a:schemeClr val="lt1"/>
+    </dgm:linClrLst>
+    <dgm:effectClrLst/>
+    <dgm:txLinClrLst/>
+    <dgm:txFillClrLst/>
+    <dgm:txEffectClrLst/>
+  </dgm:styleLbl>
+  <dgm:styleLbl name="parChTrans2D3">
+    <dgm:fillClrLst meth="repeat">
+      <a:schemeClr val="accent4"/>
+    </dgm:fillClrLst>
+    <dgm:linClrLst meth="repeat">
+      <a:schemeClr val="lt1"/>
+    </dgm:linClrLst>
+    <dgm:effectClrLst/>
+    <dgm:txLinClrLst/>
+    <dgm:txFillClrLst/>
+    <dgm:txEffectClrLst/>
+  </dgm:styleLbl>
+  <dgm:styleLbl name="parChTrans2D4">
+    <dgm:fillClrLst meth="repeat">
+      <a:schemeClr val="accent5"/>
+    </dgm:fillClrLst>
+    <dgm:linClrLst meth="repeat">
+      <a:schemeClr val="lt1"/>
+    </dgm:linClrLst>
+    <dgm:effectClrLst/>
+    <dgm:txLinClrLst/>
+    <dgm:txFillClrLst meth="repeat">
+      <a:schemeClr val="lt1"/>
+    </dgm:txFillClrLst>
+    <dgm:txEffectClrLst/>
+  </dgm:styleLbl>
+  <dgm:styleLbl name="parChTrans1D1">
+    <dgm:fillClrLst meth="repeat">
+      <a:schemeClr val="accent2"/>
+    </dgm:fillClrLst>
+    <dgm:linClrLst meth="repeat">
+      <a:schemeClr val="accent1"/>
+    </dgm:linClrLst>
+    <dgm:effectClrLst/>
+    <dgm:txLinClrLst/>
+    <dgm:txFillClrLst meth="repeat">
+      <a:schemeClr val="tx1"/>
+    </dgm:txFillClrLst>
+    <dgm:txEffectClrLst/>
+  </dgm:styleLbl>
+  <dgm:styleLbl name="parChTrans1D2">
+    <dgm:fillClrLst meth="repeat">
+      <a:schemeClr val="accent3">
+        <a:tint val="90000"/>
+      </a:schemeClr>
+    </dgm:fillClrLst>
+    <dgm:linClrLst meth="repeat">
+      <a:schemeClr val="accent2"/>
+    </dgm:linClrLst>
+    <dgm:effectClrLst/>
+    <dgm:txLinClrLst/>
+    <dgm:txFillClrLst meth="repeat">
+      <a:schemeClr val="tx1"/>
+    </dgm:txFillClrLst>
+    <dgm:txEffectClrLst/>
+  </dgm:styleLbl>
+  <dgm:styleLbl name="parChTrans1D3">
+    <dgm:fillClrLst meth="repeat">
+      <a:schemeClr val="accent4">
+        <a:tint val="70000"/>
+      </a:schemeClr>
+    </dgm:fillClrLst>
+    <dgm:linClrLst meth="repeat">
+      <a:schemeClr val="accent3"/>
+    </dgm:linClrLst>
+    <dgm:effectClrLst/>
+    <dgm:txLinClrLst/>
+    <dgm:txFillClrLst meth="repeat">
+      <a:schemeClr val="tx1"/>
+    </dgm:txFillClrLst>
+    <dgm:txEffectClrLst/>
+  </dgm:styleLbl>
+  <dgm:styleLbl name="parChTrans1D4">
+    <dgm:fillClrLst meth="repeat">
+      <a:schemeClr val="accent5">
+        <a:tint val="50000"/>
+      </a:schemeClr>
+    </dgm:fillClrLst>
+    <dgm:linClrLst meth="repeat">
+      <a:schemeClr val="accent4"/>
+    </dgm:linClrLst>
+    <dgm:effectClrLst/>
+    <dgm:txLinClrLst/>
+    <dgm:txFillClrLst meth="repeat">
+      <a:schemeClr val="tx1"/>
+    </dgm:txFillClrLst>
+    <dgm:txEffectClrLst/>
+  </dgm:styleLbl>
+  <dgm:styleLbl name="fgAcc1">
+    <dgm:fillClrLst meth="repeat">
+      <a:schemeClr val="lt1">
+        <a:alpha val="90000"/>
+      </a:schemeClr>
+    </dgm:fillClrLst>
+    <dgm:linClrLst meth="repeat">
+      <a:schemeClr val="accent2"/>
+      <a:schemeClr val="accent3"/>
+      <a:schemeClr val="accent4"/>
+      <a:schemeClr val="accent5"/>
+      <a:schemeClr val="accent6"/>
+    </dgm:linClrLst>
+    <dgm:effectClrLst/>
+    <dgm:txLinClrLst/>
+    <dgm:txFillClrLst meth="repeat">
+      <a:schemeClr val="dk1"/>
+    </dgm:txFillClrLst>
+    <dgm:txEffectClrLst/>
+  </dgm:styleLbl>
+  <dgm:styleLbl name="conFgAcc1">
+    <dgm:fillClrLst meth="repeat">
+      <a:schemeClr val="lt1">
+        <a:alpha val="90000"/>
+      </a:schemeClr>
+    </dgm:fillClrLst>
+    <dgm:linClrLst meth="repeat">
+      <a:schemeClr val="accent2"/>
+      <a:schemeClr val="accent3"/>
+      <a:schemeClr val="accent4"/>
+      <a:schemeClr val="accent5"/>
+      <a:schemeClr val="accent6"/>
+    </dgm:linClrLst>
+    <dgm:effectClrLst/>
+    <dgm:txLinClrLst/>
+    <dgm:txFillClrLst meth="repeat">
+      <a:schemeClr val="dk1"/>
+    </dgm:txFillClrLst>
+    <dgm:txEffectClrLst/>
+  </dgm:styleLbl>
+  <dgm:styleLbl name="alignAcc1">
+    <dgm:fillClrLst meth="repeat">
+      <a:schemeClr val="lt1">
+        <a:alpha val="90000"/>
+      </a:schemeClr>
+    </dgm:fillClrLst>
+    <dgm:linClrLst meth="repeat">
+      <a:schemeClr val="accent2"/>
+      <a:schemeClr val="accent3"/>
+      <a:schemeClr val="accent4"/>
+      <a:schemeClr val="accent5"/>
+      <a:schemeClr val="accent6"/>
+    </dgm:linClrLst>
+    <dgm:effectClrLst/>
+    <dgm:txLinClrLst/>
+    <dgm:txFillClrLst meth="repeat">
+      <a:schemeClr val="dk1"/>
+    </dgm:txFillClrLst>
+    <dgm:txEffectClrLst/>
+  </dgm:styleLbl>
+  <dgm:styleLbl name="trAlignAcc1">
+    <dgm:fillClrLst meth="repeat">
+      <a:schemeClr val="lt1">
+        <a:alpha val="40000"/>
+      </a:schemeClr>
+    </dgm:fillClrLst>
+    <dgm:linClrLst meth="repeat">
+      <a:schemeClr val="accent1"/>
+    </dgm:linClrLst>
+    <dgm:effectClrLst/>
+    <dgm:txLinClrLst/>
+    <dgm:txFillClrLst meth="repeat">
+      <a:schemeClr val="dk1"/>
+    </dgm:txFillClrLst>
+    <dgm:txEffectClrLst/>
+  </dgm:styleLbl>
+  <dgm:styleLbl name="bgAcc1">
+    <dgm:fillClrLst meth="repeat">
+      <a:schemeClr val="lt1">
+        <a:alpha val="90000"/>
+      </a:schemeClr>
+    </dgm:fillClrLst>
+    <dgm:linClrLst meth="repeat">
+      <a:schemeClr val="accent2"/>
+      <a:schemeClr val="accent3"/>
+      <a:schemeClr val="accent4"/>
+      <a:schemeClr val="accent5"/>
+      <a:schemeClr val="accent6"/>
+    </dgm:linClrLst>
+    <dgm:effectClrLst/>
+    <dgm:txLinClrLst/>
+    <dgm:txFillClrLst meth="repeat">
+      <a:schemeClr val="dk1"/>
+    </dgm:txFillClrLst>
+    <dgm:txEffectClrLst/>
+  </dgm:styleLbl>
+  <dgm:styleLbl name="solidFgAcc1">
+    <dgm:fillClrLst meth="repeat">
+      <a:schemeClr val="lt1"/>
+    </dgm:fillClrLst>
+    <dgm:linClrLst meth="repeat">
+      <a:schemeClr val="accent2"/>
+      <a:schemeClr val="accent3"/>
+      <a:schemeClr val="accent4"/>
+      <a:schemeClr val="accent5"/>
+      <a:schemeClr val="accent6"/>
+    </dgm:linClrLst>
+    <dgm:effectClrLst/>
+    <dgm:txLinClrLst/>
+    <dgm:txFillClrLst meth="repeat">
+      <a:schemeClr val="dk1"/>
+    </dgm:txFillClrLst>
+    <dgm:txEffectClrLst/>
+  </dgm:styleLbl>
+  <dgm:styleLbl name="solidAlignAcc1">
+    <dgm:fillClrLst meth="repeat">
+      <a:schemeClr val="lt1"/>
+    </dgm:fillClrLst>
+    <dgm:linClrLst meth="repeat">
+      <a:schemeClr val="accent2"/>
+      <a:schemeClr val="accent3"/>
+      <a:schemeClr val="accent4"/>
+      <a:schemeClr val="accent5"/>
+      <a:schemeClr val="accent6"/>
+    </dgm:linClrLst>
+    <dgm:effectClrLst/>
+    <dgm:txLinClrLst/>
+    <dgm:txFillClrLst meth="repeat">
+      <a:schemeClr val="dk1"/>
+    </dgm:txFillClrLst>
+    <dgm:txEffectClrLst/>
+  </dgm:styleLbl>
+  <dgm:styleLbl name="solidBgAcc1">
+    <dgm:fillClrLst meth="repeat">
+      <a:schemeClr val="lt1"/>
+    </dgm:fillClrLst>
+    <dgm:linClrLst meth="repeat">
+      <a:schemeClr val="accent2"/>
+      <a:schemeClr val="accent3"/>
+      <a:schemeClr val="accent4"/>
+      <a:schemeClr val="accent5"/>
+      <a:schemeClr val="accent6"/>
+    </dgm:linClrLst>
+    <dgm:effectClrLst/>
+    <dgm:txLinClrLst/>
+    <dgm:txFillClrLst meth="repeat">
+      <a:schemeClr val="dk1"/>
+    </dgm:txFillClrLst>
+    <dgm:txEffectClrLst/>
+  </dgm:styleLbl>
+  <dgm:styleLbl name="fgAccFollowNode1">
+    <dgm:fillClrLst meth="repeat">
+      <a:schemeClr val="accent2">
+        <a:tint val="40000"/>
+        <a:alpha val="90000"/>
+      </a:schemeClr>
+      <a:schemeClr val="accent3">
+        <a:tint val="40000"/>
+        <a:alpha val="90000"/>
+      </a:schemeClr>
+      <a:schemeClr val="accent4">
+        <a:tint val="40000"/>
+        <a:alpha val="90000"/>
+      </a:schemeClr>
+      <a:schemeClr val="accent5">
+        <a:tint val="40000"/>
+        <a:alpha val="90000"/>
+      </a:schemeClr>
+      <a:schemeClr val="accent6">
+        <a:tint val="40000"/>
+        <a:alpha val="90000"/>
+      </a:schemeClr>
+    </dgm:fillClrLst>
+    <dgm:linClrLst meth="repeat">
+      <a:schemeClr val="accent2">
+        <a:tint val="40000"/>
+        <a:alpha val="90000"/>
+      </a:schemeClr>
+      <a:schemeClr val="accent3">
+        <a:tint val="40000"/>
+        <a:alpha val="90000"/>
+      </a:schemeClr>
+      <a:schemeClr val="accent4">
+        <a:tint val="40000"/>
+        <a:alpha val="90000"/>
+      </a:schemeClr>
+      <a:schemeClr val="accent5">
+        <a:tint val="40000"/>
+        <a:alpha val="90000"/>
+      </a:schemeClr>
+      <a:schemeClr val="accent6">
+        <a:tint val="40000"/>
+        <a:alpha val="90000"/>
+      </a:schemeClr>
+    </dgm:linClrLst>
+    <dgm:effectClrLst/>
+    <dgm:txLinClrLst/>
+    <dgm:txFillClrLst meth="repeat">
+      <a:schemeClr val="dk1"/>
+    </dgm:txFillClrLst>
+    <dgm:txEffectClrLst/>
+  </dgm:styleLbl>
+  <dgm:styleLbl name="alignAccFollowNode1">
+    <dgm:fillClrLst meth="repeat">
+      <a:schemeClr val="accent2">
+        <a:tint val="40000"/>
+        <a:alpha val="90000"/>
+      </a:schemeClr>
+      <a:schemeClr val="accent3">
+        <a:tint val="40000"/>
+        <a:alpha val="90000"/>
+      </a:schemeClr>
+      <a:schemeClr val="accent4">
+        <a:tint val="40000"/>
+        <a:alpha val="90000"/>
+      </a:schemeClr>
+      <a:schemeClr val="accent5">
+        <a:tint val="40000"/>
+        <a:alpha val="90000"/>
+      </a:schemeClr>
+      <a:schemeClr val="accent6">
+        <a:tint val="40000"/>
+        <a:alpha val="90000"/>
+      </a:schemeClr>
+    </dgm:fillClrLst>
+    <dgm:linClrLst meth="repeat">
+      <a:schemeClr val="accent2">
+        <a:tint val="40000"/>
+        <a:alpha val="90000"/>
+      </a:schemeClr>
+      <a:schemeClr val="accent3">
+        <a:tint val="40000"/>
+        <a:alpha val="90000"/>
+      </a:schemeClr>
+      <a:schemeClr val="accent4">
+        <a:tint val="40000"/>
+        <a:alpha val="90000"/>
+      </a:schemeClr>
+      <a:schemeClr val="accent5">
+        <a:tint val="40000"/>
+        <a:alpha val="90000"/>
+      </a:schemeClr>
+      <a:schemeClr val="accent6">
+        <a:tint val="40000"/>
+        <a:alpha val="90000"/>
+      </a:schemeClr>
+    </dgm:linClrLst>
+    <dgm:effectClrLst/>
+    <dgm:txLinClrLst/>
+    <dgm:txFillClrLst meth="repeat">
+      <a:schemeClr val="dk1"/>
+    </dgm:txFillClrLst>
+    <dgm:txEffectClrLst/>
+  </dgm:styleLbl>
+  <dgm:styleLbl name="bgAccFollowNode1">
+    <dgm:fillClrLst meth="repeat">
+      <a:schemeClr val="accent2">
+        <a:tint val="40000"/>
+        <a:alpha val="90000"/>
+      </a:schemeClr>
+      <a:schemeClr val="accent3">
+        <a:tint val="40000"/>
+        <a:alpha val="90000"/>
+      </a:schemeClr>
+      <a:schemeClr val="accent4">
+        <a:tint val="40000"/>
+        <a:alpha val="90000"/>
+      </a:schemeClr>
+      <a:schemeClr val="accent5">
+        <a:tint val="40000"/>
+        <a:alpha val="90000"/>
+      </a:schemeClr>
+      <a:schemeClr val="accent6">
+        <a:tint val="40000"/>
+        <a:alpha val="90000"/>
+      </a:schemeClr>
+    </dgm:fillClrLst>
+    <dgm:linClrLst meth="repeat">
+      <a:schemeClr val="accent2">
+        <a:tint val="40000"/>
+        <a:alpha val="90000"/>
+      </a:schemeClr>
+      <a:schemeClr val="accent3">
+        <a:tint val="40000"/>
+        <a:alpha val="90000"/>
+      </a:schemeClr>
+      <a:schemeClr val="accent4">
+        <a:tint val="40000"/>
+        <a:alpha val="90000"/>
+      </a:schemeClr>
+      <a:schemeClr val="accent5">
+        <a:tint val="40000"/>
+        <a:alpha val="90000"/>
+      </a:schemeClr>
+      <a:schemeClr val="accent6">
+        <a:tint val="40000"/>
+        <a:alpha val="90000"/>
+      </a:schemeClr>
+    </dgm:linClrLst>
+    <dgm:effectClrLst/>
+    <dgm:txLinClrLst/>
+    <dgm:txFillClrLst meth="repeat">
+      <a:schemeClr val="dk1"/>
+    </dgm:txFillClrLst>
+    <dgm:txEffectClrLst/>
+  </dgm:styleLbl>
+  <dgm:styleLbl name="fgAcc0">
+    <dgm:fillClrLst meth="repeat">
+      <a:schemeClr val="lt1">
+        <a:alpha val="90000"/>
+      </a:schemeClr>
+    </dgm:fillClrLst>
+    <dgm:linClrLst>
+      <a:schemeClr val="accent1"/>
+    </dgm:linClrLst>
+    <dgm:effectClrLst/>
+    <dgm:txLinClrLst/>
+    <dgm:txFillClrLst meth="repeat">
+      <a:schemeClr val="dk1"/>
+    </dgm:txFillClrLst>
+    <dgm:txEffectClrLst/>
+  </dgm:styleLbl>
+  <dgm:styleLbl name="fgAcc2">
+    <dgm:fillClrLst meth="repeat">
+      <a:schemeClr val="lt1">
+        <a:alpha val="90000"/>
+      </a:schemeClr>
+    </dgm:fillClrLst>
+    <dgm:linClrLst>
+      <a:schemeClr val="accent2"/>
+    </dgm:linClrLst>
+    <dgm:effectClrLst/>
+    <dgm:txLinClrLst/>
+    <dgm:txFillClrLst meth="repeat">
+      <a:schemeClr val="dk1"/>
+    </dgm:txFillClrLst>
+    <dgm:txEffectClrLst/>
+  </dgm:styleLbl>
+  <dgm:styleLbl name="fgAcc3">
+    <dgm:fillClrLst meth="repeat">
+      <a:schemeClr val="lt1">
+        <a:alpha val="90000"/>
+      </a:schemeClr>
+    </dgm:fillClrLst>
+    <dgm:linClrLst>
+      <a:schemeClr val="accent3"/>
+    </dgm:linClrLst>
+    <dgm:effectClrLst/>
+    <dgm:txLinClrLst/>
+    <dgm:txFillClrLst meth="repeat">
+      <a:schemeClr val="dk1"/>
+    </dgm:txFillClrLst>
+    <dgm:txEffectClrLst/>
+  </dgm:styleLbl>
+  <dgm:styleLbl name="fgAcc4">
+    <dgm:fillClrLst meth="repeat">
+      <a:schemeClr val="lt1">
+        <a:alpha val="90000"/>
+      </a:schemeClr>
+    </dgm:fillClrLst>
+    <dgm:linClrLst>
+      <a:schemeClr val="accent4"/>
+    </dgm:linClrLst>
+    <dgm:effectClrLst/>
+    <dgm:txLinClrLst/>
+    <dgm:txFillClrLst meth="repeat">
+      <a:schemeClr val="dk1"/>
+    </dgm:txFillClrLst>
+    <dgm:txEffectClrLst/>
+  </dgm:styleLbl>
+  <dgm:styleLbl name="bgShp">
+    <dgm:fillClrLst meth="repeat">
+      <a:schemeClr val="accent2">
+        <a:tint val="40000"/>
+      </a:schemeClr>
+    </dgm:fillClrLst>
+    <dgm:linClrLst meth="repeat">
+      <a:schemeClr val="dk1"/>
+    </dgm:linClrLst>
+    <dgm:effectClrLst/>
+    <dgm:txLinClrLst/>
+    <dgm:txFillClrLst meth="repeat">
+      <a:schemeClr val="dk1"/>
+    </dgm:txFillClrLst>
+    <dgm:txEffectClrLst/>
+  </dgm:styleLbl>
+  <dgm:styleLbl name="dkBgShp">
+    <dgm:fillClrLst meth="repeat">
+      <a:schemeClr val="accent2">
+        <a:shade val="90000"/>
+      </a:schemeClr>
+    </dgm:fillClrLst>
+    <dgm:linClrLst meth="repeat">
+      <a:schemeClr val="dk1"/>
+    </dgm:linClrLst>
+    <dgm:effectClrLst/>
+    <dgm:txLinClrLst/>
+    <dgm:txFillClrLst meth="repeat">
+      <a:schemeClr val="lt1"/>
+    </dgm:txFillClrLst>
+    <dgm:txEffectClrLst/>
+  </dgm:styleLbl>
+  <dgm:styleLbl name="trBgShp">
+    <dgm:fillClrLst meth="repeat">
+      <a:schemeClr val="accent1">
+        <a:tint val="50000"/>
+        <a:alpha val="40000"/>
+      </a:schemeClr>
+    </dgm:fillClrLst>
+    <dgm:linClrLst meth="repeat">
+      <a:schemeClr val="accent2"/>
+    </dgm:linClrLst>
+    <dgm:effectClrLst/>
+    <dgm:txLinClrLst/>
+    <dgm:txFillClrLst meth="repeat">
+      <a:schemeClr val="lt1"/>
+    </dgm:txFillClrLst>
+    <dgm:txEffectClrLst/>
+  </dgm:styleLbl>
+  <dgm:styleLbl name="fgShp">
+    <dgm:fillClrLst meth="repeat">
+      <a:schemeClr val="accent2">
+        <a:tint val="40000"/>
+      </a:schemeClr>
+    </dgm:fillClrLst>
+    <dgm:linClrLst meth="repeat">
+      <a:schemeClr val="lt1"/>
+    </dgm:linClrLst>
+    <dgm:effectClrLst/>
+    <dgm:txLinClrLst/>
+    <dgm:txFillClrLst meth="repeat">
+      <a:schemeClr val="dk1"/>
+    </dgm:txFillClrLst>
+    <dgm:txEffectClrLst/>
+  </dgm:styleLbl>
+  <dgm:styleLbl name="revTx">
+    <dgm:fillClrLst meth="repeat">
+      <a:schemeClr val="lt1">
+        <a:alpha val="0"/>
+      </a:schemeClr>
+    </dgm:fillClrLst>
+    <dgm:linClrLst meth="repeat">
+      <a:schemeClr val="dk1">
+        <a:alpha val="0"/>
+      </a:schemeClr>
+    </dgm:linClrLst>
+    <dgm:effectClrLst/>
+    <dgm:txLinClrLst/>
+    <dgm:txFillClrLst meth="repeat">
+      <a:schemeClr val="tx1"/>
+    </dgm:txFillClrLst>
+    <dgm:txEffectClrLst/>
+  </dgm:styleLbl>
+</dgm:colorsDef>
+</file>
+
+<file path=ppt/diagrams/data1.xml><?xml version="1.0" encoding="utf-8"?>
+<dgm:dataModel xmlns:dgm="http://schemas.openxmlformats.org/drawingml/2006/diagram" xmlns:a="http://schemas.openxmlformats.org/drawingml/2006/main">
+  <dgm:ptLst>
+    <dgm:pt modelId="{F380DE40-B004-44A1-A5F0-E6BBD7F0EFC8}" type="doc">
+      <dgm:prSet loTypeId="urn:microsoft.com/office/officeart/2005/8/layout/default" loCatId="list" qsTypeId="urn:microsoft.com/office/officeart/2005/8/quickstyle/simple1" qsCatId="simple" csTypeId="urn:microsoft.com/office/officeart/2005/8/colors/colorful1" csCatId="colorful" phldr="1"/>
+      <dgm:spPr/>
+      <dgm:t>
+        <a:bodyPr/>
+        <a:lstStyle/>
+        <a:p>
+          <a:endParaRPr lang="en-US"/>
+        </a:p>
+      </dgm:t>
+    </dgm:pt>
+    <dgm:pt modelId="{FB2E585C-A3AA-406F-9EC3-66E0BD70582D}">
+      <dgm:prSet phldrT="[Text]" phldr="0"/>
+      <dgm:spPr/>
+      <dgm:t>
+        <a:bodyPr/>
+        <a:lstStyle/>
+        <a:p>
+          <a:pPr algn="ctr"/>
+          <a:r>
+            <a:rPr lang="en-US" dirty="0"/>
+            <a:t>Data Platform</a:t>
+          </a:r>
+        </a:p>
+      </dgm:t>
+    </dgm:pt>
+    <dgm:pt modelId="{E36C1B7A-E804-4427-AFA3-B148B0A34A5E}" type="parTrans" cxnId="{B90B58E6-2D7B-45B5-8B00-BB658F2D8D51}">
+      <dgm:prSet/>
+      <dgm:spPr/>
+      <dgm:t>
+        <a:bodyPr/>
+        <a:lstStyle/>
+        <a:p>
+          <a:endParaRPr lang="en-US"/>
+        </a:p>
+      </dgm:t>
+    </dgm:pt>
+    <dgm:pt modelId="{BAD14C3A-FAEA-4A40-A398-9DE0CD762DCC}" type="sibTrans" cxnId="{B90B58E6-2D7B-45B5-8B00-BB658F2D8D51}">
+      <dgm:prSet/>
+      <dgm:spPr/>
+      <dgm:t>
+        <a:bodyPr/>
+        <a:lstStyle/>
+        <a:p>
+          <a:endParaRPr lang="en-US"/>
+        </a:p>
+      </dgm:t>
+    </dgm:pt>
+    <dgm:pt modelId="{712B5DF3-7010-428A-82F5-53CEFCE2638E}">
+      <dgm:prSet phldrT="[Text]" phldr="0"/>
+      <dgm:spPr/>
+      <dgm:t>
+        <a:bodyPr/>
+        <a:lstStyle/>
+        <a:p>
+          <a:pPr algn="l"/>
+          <a:r>
+            <a:rPr lang="en-US" dirty="0"/>
+            <a:t>Explore data storage solutions</a:t>
+          </a:r>
+        </a:p>
+      </dgm:t>
+    </dgm:pt>
+    <dgm:pt modelId="{2E2B2FA8-3928-4910-8CB6-C61D1A92F511}" type="parTrans" cxnId="{5C79888B-051A-44F9-BEE1-47C7B1D0BEF0}">
+      <dgm:prSet/>
+      <dgm:spPr/>
+      <dgm:t>
+        <a:bodyPr/>
+        <a:lstStyle/>
+        <a:p>
+          <a:endParaRPr lang="en-US"/>
+        </a:p>
+      </dgm:t>
+    </dgm:pt>
+    <dgm:pt modelId="{EBCD1B03-513D-4C6C-90E7-D3284A12F609}" type="sibTrans" cxnId="{5C79888B-051A-44F9-BEE1-47C7B1D0BEF0}">
+      <dgm:prSet/>
+      <dgm:spPr/>
+      <dgm:t>
+        <a:bodyPr/>
+        <a:lstStyle/>
+        <a:p>
+          <a:endParaRPr lang="en-US"/>
+        </a:p>
+      </dgm:t>
+    </dgm:pt>
+    <dgm:pt modelId="{69CE8C10-1F58-4AEC-8FB6-335B4529C0ED}">
+      <dgm:prSet phldrT="[Text]" phldr="0"/>
+      <dgm:spPr/>
+      <dgm:t>
+        <a:bodyPr/>
+        <a:lstStyle/>
+        <a:p>
+          <a:pPr algn="l"/>
+          <a:r>
+            <a:rPr lang="en-US" dirty="0"/>
+            <a:t>Understand data lake-centric design and medallion architecture</a:t>
+          </a:r>
+        </a:p>
+      </dgm:t>
+    </dgm:pt>
+    <dgm:pt modelId="{E596C08D-061B-487F-A8C2-554D85DB7D58}" type="parTrans" cxnId="{48832CAC-8AF8-4E9A-8F8F-0F7A43C3837D}">
+      <dgm:prSet/>
+      <dgm:spPr/>
+      <dgm:t>
+        <a:bodyPr/>
+        <a:lstStyle/>
+        <a:p>
+          <a:endParaRPr lang="en-US"/>
+        </a:p>
+      </dgm:t>
+    </dgm:pt>
+    <dgm:pt modelId="{BD80F714-345C-4754-806F-A4C741E74A63}" type="sibTrans" cxnId="{48832CAC-8AF8-4E9A-8F8F-0F7A43C3837D}">
+      <dgm:prSet/>
+      <dgm:spPr/>
+      <dgm:t>
+        <a:bodyPr/>
+        <a:lstStyle/>
+        <a:p>
+          <a:endParaRPr lang="en-US"/>
+        </a:p>
+      </dgm:t>
+    </dgm:pt>
+    <dgm:pt modelId="{83D5AF02-802D-4C40-B52D-F416E92B55EC}">
+      <dgm:prSet phldrT="[Text]" phldr="0"/>
+      <dgm:spPr/>
+      <dgm:t>
+        <a:bodyPr/>
+        <a:lstStyle/>
+        <a:p>
+          <a:pPr algn="ctr"/>
+          <a:r>
+            <a:rPr lang="en-US" dirty="0"/>
+            <a:t>Distributed Computing</a:t>
+          </a:r>
+        </a:p>
+      </dgm:t>
+    </dgm:pt>
+    <dgm:pt modelId="{71F2349B-828F-4A16-8C52-27CDA4329109}" type="parTrans" cxnId="{F1E882C3-8C89-4214-9754-290AB67360C5}">
+      <dgm:prSet/>
+      <dgm:spPr/>
+      <dgm:t>
+        <a:bodyPr/>
+        <a:lstStyle/>
+        <a:p>
+          <a:endParaRPr lang="en-US"/>
+        </a:p>
+      </dgm:t>
+    </dgm:pt>
+    <dgm:pt modelId="{852CBFA3-937E-4F01-A1E5-46793ECA39A1}" type="sibTrans" cxnId="{F1E882C3-8C89-4214-9754-290AB67360C5}">
+      <dgm:prSet/>
+      <dgm:spPr/>
+      <dgm:t>
+        <a:bodyPr/>
+        <a:lstStyle/>
+        <a:p>
+          <a:endParaRPr lang="en-US"/>
+        </a:p>
+      </dgm:t>
+    </dgm:pt>
+    <dgm:pt modelId="{EABA2467-003C-444A-BCFD-6518F779D93A}">
+      <dgm:prSet phldrT="[Text]" phldr="0"/>
+      <dgm:spPr/>
+      <dgm:t>
+        <a:bodyPr/>
+        <a:lstStyle/>
+        <a:p>
+          <a:pPr algn="l"/>
+          <a:r>
+            <a:rPr lang="en-US" dirty="0"/>
+            <a:t>Create </a:t>
+          </a:r>
+          <a:r>
+            <a:rPr lang="en-US" dirty="0" err="1"/>
+            <a:t>Dockerfiles</a:t>
+          </a:r>
+          <a:r>
+            <a:rPr lang="en-US" dirty="0"/>
+            <a:t> and build Docker images</a:t>
+          </a:r>
+        </a:p>
+      </dgm:t>
+    </dgm:pt>
+    <dgm:pt modelId="{1D9340F1-5880-4F88-B96F-B2B3E90E513C}" type="parTrans" cxnId="{8AB293E2-D550-45A1-97D4-6C77F1C570E6}">
+      <dgm:prSet/>
+      <dgm:spPr/>
+      <dgm:t>
+        <a:bodyPr/>
+        <a:lstStyle/>
+        <a:p>
+          <a:endParaRPr lang="en-US"/>
+        </a:p>
+      </dgm:t>
+    </dgm:pt>
+    <dgm:pt modelId="{7B175822-9B72-4CCF-9934-2636D69D88D3}" type="sibTrans" cxnId="{8AB293E2-D550-45A1-97D4-6C77F1C570E6}">
+      <dgm:prSet/>
+      <dgm:spPr/>
+      <dgm:t>
+        <a:bodyPr/>
+        <a:lstStyle/>
+        <a:p>
+          <a:endParaRPr lang="en-US"/>
+        </a:p>
+      </dgm:t>
+    </dgm:pt>
+    <dgm:pt modelId="{CEE8FF8B-D357-4DEB-80BC-B94B691DAB5E}">
+      <dgm:prSet phldrT="[Text]" phldr="0"/>
+      <dgm:spPr/>
+      <dgm:t>
+        <a:bodyPr/>
+        <a:lstStyle/>
+        <a:p>
+          <a:pPr algn="l"/>
+          <a:r>
+            <a:rPr lang="en-US" dirty="0"/>
+            <a:t>Push and pull from container registries</a:t>
+          </a:r>
+        </a:p>
+      </dgm:t>
+    </dgm:pt>
+    <dgm:pt modelId="{7970E5C9-246A-46E3-B429-209777172924}" type="parTrans" cxnId="{D7E97EBF-D8A5-46CB-B290-1FF1BE6A31D2}">
+      <dgm:prSet/>
+      <dgm:spPr/>
+      <dgm:t>
+        <a:bodyPr/>
+        <a:lstStyle/>
+        <a:p>
+          <a:endParaRPr lang="en-US"/>
+        </a:p>
+      </dgm:t>
+    </dgm:pt>
+    <dgm:pt modelId="{9D43CB03-CA37-43EA-8AFA-580877FABC06}" type="sibTrans" cxnId="{D7E97EBF-D8A5-46CB-B290-1FF1BE6A31D2}">
+      <dgm:prSet/>
+      <dgm:spPr/>
+      <dgm:t>
+        <a:bodyPr/>
+        <a:lstStyle/>
+        <a:p>
+          <a:endParaRPr lang="en-US"/>
+        </a:p>
+      </dgm:t>
+    </dgm:pt>
+    <dgm:pt modelId="{5B5872FC-66BA-456D-A6C3-1915186C774A}">
+      <dgm:prSet phldrT="[Text]" phldr="0"/>
+      <dgm:spPr/>
+      <dgm:t>
+        <a:bodyPr/>
+        <a:lstStyle/>
+        <a:p>
+          <a:pPr algn="ctr"/>
+          <a:r>
+            <a:rPr lang="en-US" dirty="0"/>
+            <a:t>Machine Learning / AI</a:t>
+          </a:r>
+        </a:p>
+      </dgm:t>
+    </dgm:pt>
+    <dgm:pt modelId="{25B4FE7A-A9C4-4A5E-B22A-D5D61593B665}" type="parTrans" cxnId="{B0DE3FC2-F418-410F-B2E2-9462E76858F6}">
+      <dgm:prSet/>
+      <dgm:spPr/>
+      <dgm:t>
+        <a:bodyPr/>
+        <a:lstStyle/>
+        <a:p>
+          <a:endParaRPr lang="en-US"/>
+        </a:p>
+      </dgm:t>
+    </dgm:pt>
+    <dgm:pt modelId="{F535EF59-3D32-4480-AB04-451BE2BA6DFC}" type="sibTrans" cxnId="{B0DE3FC2-F418-410F-B2E2-9462E76858F6}">
+      <dgm:prSet/>
+      <dgm:spPr/>
+      <dgm:t>
+        <a:bodyPr/>
+        <a:lstStyle/>
+        <a:p>
+          <a:endParaRPr lang="en-US"/>
+        </a:p>
+      </dgm:t>
+    </dgm:pt>
+    <dgm:pt modelId="{8E936134-201D-476E-B86A-8E4D59612B94}">
+      <dgm:prSet phldrT="[Text]" phldr="0"/>
+      <dgm:spPr/>
+      <dgm:t>
+        <a:bodyPr/>
+        <a:lstStyle/>
+        <a:p>
+          <a:pPr algn="ctr"/>
+          <a:r>
+            <a:rPr lang="en-US" dirty="0"/>
+            <a:t>DevOps, Security, etc.</a:t>
+          </a:r>
+        </a:p>
+      </dgm:t>
+    </dgm:pt>
+    <dgm:pt modelId="{C8E203FE-C48B-42B2-B0FA-8D3BBFE03A78}" type="parTrans" cxnId="{9F04AEFC-D642-47C2-BE5A-F260D96E4AB4}">
+      <dgm:prSet/>
+      <dgm:spPr/>
+      <dgm:t>
+        <a:bodyPr/>
+        <a:lstStyle/>
+        <a:p>
+          <a:endParaRPr lang="en-US"/>
+        </a:p>
+      </dgm:t>
+    </dgm:pt>
+    <dgm:pt modelId="{04912C30-D5BB-4F5F-9D7F-6FE6F038623F}" type="sibTrans" cxnId="{9F04AEFC-D642-47C2-BE5A-F260D96E4AB4}">
+      <dgm:prSet/>
+      <dgm:spPr/>
+      <dgm:t>
+        <a:bodyPr/>
+        <a:lstStyle/>
+        <a:p>
+          <a:endParaRPr lang="en-US"/>
+        </a:p>
+      </dgm:t>
+    </dgm:pt>
+    <dgm:pt modelId="{B3D3CC84-56C4-4D17-B838-431658CC3ACC}">
+      <dgm:prSet phldrT="[Text]" phldr="0"/>
+      <dgm:spPr/>
+      <dgm:t>
+        <a:bodyPr/>
+        <a:lstStyle/>
+        <a:p>
+          <a:pPr algn="l"/>
+          <a:r>
+            <a:rPr lang="en-US" dirty="0"/>
+            <a:t>Use Terraform to design and deploy Infrastructure as Code</a:t>
+          </a:r>
+        </a:p>
+      </dgm:t>
+    </dgm:pt>
+    <dgm:pt modelId="{E809BAAC-9C57-42CD-8DA6-13E0244A5755}" type="parTrans" cxnId="{754262CE-E820-41FD-9082-F93843EE52D8}">
+      <dgm:prSet/>
+      <dgm:spPr/>
+      <dgm:t>
+        <a:bodyPr/>
+        <a:lstStyle/>
+        <a:p>
+          <a:endParaRPr lang="en-US"/>
+        </a:p>
+      </dgm:t>
+    </dgm:pt>
+    <dgm:pt modelId="{D7162FAC-ED2A-4713-A257-CDC9ABEC840E}" type="sibTrans" cxnId="{754262CE-E820-41FD-9082-F93843EE52D8}">
+      <dgm:prSet/>
+      <dgm:spPr/>
+      <dgm:t>
+        <a:bodyPr/>
+        <a:lstStyle/>
+        <a:p>
+          <a:endParaRPr lang="en-US"/>
+        </a:p>
+      </dgm:t>
+    </dgm:pt>
+    <dgm:pt modelId="{254E1A88-57B1-4E74-8EBE-15ABF9D88055}">
+      <dgm:prSet phldrT="[Text]" phldr="0"/>
+      <dgm:spPr/>
+      <dgm:t>
+        <a:bodyPr/>
+        <a:lstStyle/>
+        <a:p>
+          <a:pPr algn="l"/>
+          <a:r>
+            <a:rPr lang="en-US" dirty="0"/>
+            <a:t>Understand cloud security and compliance options and tools</a:t>
+          </a:r>
+        </a:p>
+      </dgm:t>
+    </dgm:pt>
+    <dgm:pt modelId="{D0DCB45D-5079-48EC-8514-387E8BD00F48}" type="parTrans" cxnId="{62C47CFC-ABDA-4F70-BB5A-451816E2F7FB}">
+      <dgm:prSet/>
+      <dgm:spPr/>
+      <dgm:t>
+        <a:bodyPr/>
+        <a:lstStyle/>
+        <a:p>
+          <a:endParaRPr lang="en-US"/>
+        </a:p>
+      </dgm:t>
+    </dgm:pt>
+    <dgm:pt modelId="{D04BFCAD-2967-41E6-88A9-3966F5E84E1D}" type="sibTrans" cxnId="{62C47CFC-ABDA-4F70-BB5A-451816E2F7FB}">
+      <dgm:prSet/>
+      <dgm:spPr/>
+      <dgm:t>
+        <a:bodyPr/>
+        <a:lstStyle/>
+        <a:p>
+          <a:endParaRPr lang="en-US"/>
+        </a:p>
+      </dgm:t>
+    </dgm:pt>
+    <dgm:pt modelId="{F5B1A2F4-CDBF-4D24-8E4B-355AA33D4AF5}">
+      <dgm:prSet phldrT="[Text]" phldr="0"/>
+      <dgm:spPr/>
+      <dgm:t>
+        <a:bodyPr/>
+        <a:lstStyle/>
+        <a:p>
+          <a:pPr algn="l"/>
+          <a:r>
+            <a:rPr lang="en-US" dirty="0"/>
+            <a:t>Azure Storage</a:t>
+          </a:r>
+        </a:p>
+      </dgm:t>
+    </dgm:pt>
+    <dgm:pt modelId="{AD8271E6-71BF-4C62-B6AD-34FF94D48F98}" type="parTrans" cxnId="{E4212F37-431E-4488-A111-DE3E4FB60D53}">
+      <dgm:prSet/>
+      <dgm:spPr/>
+      <dgm:t>
+        <a:bodyPr/>
+        <a:lstStyle/>
+        <a:p>
+          <a:endParaRPr lang="en-US"/>
+        </a:p>
+      </dgm:t>
+    </dgm:pt>
+    <dgm:pt modelId="{876DE428-4762-43BA-A757-7C648CC16C3C}" type="sibTrans" cxnId="{E4212F37-431E-4488-A111-DE3E4FB60D53}">
+      <dgm:prSet/>
+      <dgm:spPr/>
+      <dgm:t>
+        <a:bodyPr/>
+        <a:lstStyle/>
+        <a:p>
+          <a:endParaRPr lang="en-US"/>
+        </a:p>
+      </dgm:t>
+    </dgm:pt>
+    <dgm:pt modelId="{2592CA12-BBA7-45D6-920C-A7EF7F09CB5C}">
+      <dgm:prSet phldrT="[Text]" phldr="0"/>
+      <dgm:spPr/>
+      <dgm:t>
+        <a:bodyPr/>
+        <a:lstStyle/>
+        <a:p>
+          <a:pPr algn="l"/>
+          <a:r>
+            <a:rPr lang="en-US" dirty="0"/>
+            <a:t>Create basic architecture diagrams</a:t>
+          </a:r>
+        </a:p>
+      </dgm:t>
+    </dgm:pt>
+    <dgm:pt modelId="{0CBCBABA-7F5A-436B-8E4D-949341975C9A}" type="parTrans" cxnId="{462604C9-B92E-4D1A-8783-3F23831B63D4}">
+      <dgm:prSet/>
+      <dgm:spPr/>
+      <dgm:t>
+        <a:bodyPr/>
+        <a:lstStyle/>
+        <a:p>
+          <a:endParaRPr lang="en-US"/>
+        </a:p>
+      </dgm:t>
+    </dgm:pt>
+    <dgm:pt modelId="{2F24B2D2-31E9-4819-BECE-6E9D5925E044}" type="sibTrans" cxnId="{462604C9-B92E-4D1A-8783-3F23831B63D4}">
+      <dgm:prSet/>
+      <dgm:spPr/>
+      <dgm:t>
+        <a:bodyPr/>
+        <a:lstStyle/>
+        <a:p>
+          <a:endParaRPr lang="en-US"/>
+        </a:p>
+      </dgm:t>
+    </dgm:pt>
+    <dgm:pt modelId="{AD65C654-A63F-4FF4-AAF3-5B7FB128007C}">
+      <dgm:prSet phldrT="[Text]" phldr="0"/>
+      <dgm:spPr/>
+      <dgm:t>
+        <a:bodyPr/>
+        <a:lstStyle/>
+        <a:p>
+          <a:pPr algn="l"/>
+          <a:r>
+            <a:rPr lang="en-US"/>
+            <a:t>RBAC / ACLs</a:t>
+          </a:r>
+          <a:endParaRPr lang="en-US" dirty="0"/>
+        </a:p>
+      </dgm:t>
+    </dgm:pt>
+    <dgm:pt modelId="{F549335F-EA69-4D54-970F-12442CE63682}" type="parTrans" cxnId="{57340465-7BCE-43EB-B6DB-435170C23804}">
+      <dgm:prSet/>
+      <dgm:spPr/>
+      <dgm:t>
+        <a:bodyPr/>
+        <a:lstStyle/>
+        <a:p>
+          <a:endParaRPr lang="en-US"/>
+        </a:p>
+      </dgm:t>
+    </dgm:pt>
+    <dgm:pt modelId="{CC493BA9-FDB1-4B9B-B583-34336848F701}" type="sibTrans" cxnId="{57340465-7BCE-43EB-B6DB-435170C23804}">
+      <dgm:prSet/>
+      <dgm:spPr/>
+      <dgm:t>
+        <a:bodyPr/>
+        <a:lstStyle/>
+        <a:p>
+          <a:endParaRPr lang="en-US"/>
+        </a:p>
+      </dgm:t>
+    </dgm:pt>
+    <dgm:pt modelId="{F3EBB9B1-9F15-41E0-B8B6-D25F43C02F21}">
+      <dgm:prSet phldrT="[Text]" phldr="0"/>
+      <dgm:spPr/>
+      <dgm:t>
+        <a:bodyPr/>
+        <a:lstStyle/>
+        <a:p>
+          <a:pPr algn="l"/>
+          <a:r>
+            <a:rPr lang="en-US" dirty="0"/>
+            <a:t>Azure Defender + Azure Blueprints</a:t>
+          </a:r>
+        </a:p>
+      </dgm:t>
+    </dgm:pt>
+    <dgm:pt modelId="{DA13E1D8-7B9F-4966-BCF8-B6B5DC547ECF}" type="parTrans" cxnId="{DB3FD232-4AC9-49FF-A675-ED15B1EE8C12}">
+      <dgm:prSet/>
+      <dgm:spPr/>
+      <dgm:t>
+        <a:bodyPr/>
+        <a:lstStyle/>
+        <a:p>
+          <a:endParaRPr lang="en-US"/>
+        </a:p>
+      </dgm:t>
+    </dgm:pt>
+    <dgm:pt modelId="{AA4D0C8E-61D2-49EA-834D-3A0E49189B8A}" type="sibTrans" cxnId="{DB3FD232-4AC9-49FF-A675-ED15B1EE8C12}">
+      <dgm:prSet/>
+      <dgm:spPr/>
+      <dgm:t>
+        <a:bodyPr/>
+        <a:lstStyle/>
+        <a:p>
+          <a:endParaRPr lang="en-US"/>
+        </a:p>
+      </dgm:t>
+    </dgm:pt>
+    <dgm:pt modelId="{A4FA2BA0-D1CC-4610-A4DE-075BB7101994}">
+      <dgm:prSet phldrT="[Text]" phldr="0"/>
+      <dgm:spPr/>
+      <dgm:t>
+        <a:bodyPr/>
+        <a:lstStyle/>
+        <a:p>
+          <a:pPr algn="l"/>
+          <a:r>
+            <a:rPr lang="en-US" dirty="0"/>
+            <a:t>Azure SQL Databases</a:t>
+          </a:r>
+        </a:p>
+      </dgm:t>
+    </dgm:pt>
+    <dgm:pt modelId="{BC0C71D7-687B-43F1-B5AD-F52B08973FBC}" type="parTrans" cxnId="{F2962882-40A9-4866-9B90-4C676644DA71}">
+      <dgm:prSet/>
+      <dgm:spPr/>
+      <dgm:t>
+        <a:bodyPr/>
+        <a:lstStyle/>
+        <a:p>
+          <a:endParaRPr lang="en-US"/>
+        </a:p>
+      </dgm:t>
+    </dgm:pt>
+    <dgm:pt modelId="{5266977A-69FD-4254-8911-A7782812431A}" type="sibTrans" cxnId="{F2962882-40A9-4866-9B90-4C676644DA71}">
+      <dgm:prSet/>
+      <dgm:spPr/>
+      <dgm:t>
+        <a:bodyPr/>
+        <a:lstStyle/>
+        <a:p>
+          <a:endParaRPr lang="en-US"/>
+        </a:p>
+      </dgm:t>
+    </dgm:pt>
+    <dgm:pt modelId="{AA628E68-9562-44D9-AC50-7077675A5CB5}">
+      <dgm:prSet phldrT="[Text]" phldr="0"/>
+      <dgm:spPr/>
+      <dgm:t>
+        <a:bodyPr/>
+        <a:lstStyle/>
+        <a:p>
+          <a:pPr algn="l"/>
+          <a:r>
+            <a:rPr lang="en-US" dirty="0"/>
+            <a:t>Data Warehouses (Azure Synapse)</a:t>
+          </a:r>
+        </a:p>
+      </dgm:t>
+    </dgm:pt>
+    <dgm:pt modelId="{5743469F-4AAC-41FC-9E9B-CD68922CC1E7}" type="parTrans" cxnId="{B5398837-FA8B-48A2-BA6B-D2038D48A869}">
+      <dgm:prSet/>
+      <dgm:spPr/>
+      <dgm:t>
+        <a:bodyPr/>
+        <a:lstStyle/>
+        <a:p>
+          <a:endParaRPr lang="en-US"/>
+        </a:p>
+      </dgm:t>
+    </dgm:pt>
+    <dgm:pt modelId="{D8784947-5354-4249-B697-0BC4D6ACFACE}" type="sibTrans" cxnId="{B5398837-FA8B-48A2-BA6B-D2038D48A869}">
+      <dgm:prSet/>
+      <dgm:spPr/>
+      <dgm:t>
+        <a:bodyPr/>
+        <a:lstStyle/>
+        <a:p>
+          <a:endParaRPr lang="en-US"/>
+        </a:p>
+      </dgm:t>
+    </dgm:pt>
+    <dgm:pt modelId="{DC0F8EDF-9F15-4F75-A641-0FF7125CFFEF}">
+      <dgm:prSet phldrT="[Text]" phldr="0"/>
+      <dgm:spPr/>
+      <dgm:t>
+        <a:bodyPr/>
+        <a:lstStyle/>
+        <a:p>
+          <a:pPr algn="l"/>
+          <a:r>
+            <a:rPr lang="en-US" dirty="0"/>
+            <a:t>Create data pipelines to get data into the cloud</a:t>
+          </a:r>
+        </a:p>
+      </dgm:t>
+    </dgm:pt>
+    <dgm:pt modelId="{F0DD10F4-E874-4DA6-9FF3-8EB742BF846D}" type="parTrans" cxnId="{4A9F14AF-BF3F-49F1-A459-C6A4651E2CFC}">
+      <dgm:prSet/>
+      <dgm:spPr/>
+      <dgm:t>
+        <a:bodyPr/>
+        <a:lstStyle/>
+        <a:p>
+          <a:endParaRPr lang="en-US"/>
+        </a:p>
+      </dgm:t>
+    </dgm:pt>
+    <dgm:pt modelId="{8FBE2570-9E1D-4D2B-8FB3-4769645992D8}" type="sibTrans" cxnId="{4A9F14AF-BF3F-49F1-A459-C6A4651E2CFC}">
+      <dgm:prSet/>
+      <dgm:spPr/>
+      <dgm:t>
+        <a:bodyPr/>
+        <a:lstStyle/>
+        <a:p>
+          <a:endParaRPr lang="en-US"/>
+        </a:p>
+      </dgm:t>
+    </dgm:pt>
+    <dgm:pt modelId="{243D106C-3D27-4BF0-932E-8D4BFCB18E07}">
+      <dgm:prSet phldrT="[Text]" phldr="0"/>
+      <dgm:spPr/>
+      <dgm:t>
+        <a:bodyPr/>
+        <a:lstStyle/>
+        <a:p>
+          <a:pPr algn="l"/>
+          <a:r>
+            <a:rPr lang="en-US" dirty="0"/>
+            <a:t>Azure Data Factory</a:t>
+          </a:r>
+        </a:p>
+      </dgm:t>
+    </dgm:pt>
+    <dgm:pt modelId="{4101219A-B063-458D-864E-A387B5E14D91}" type="parTrans" cxnId="{87F3E890-7C9D-49C1-BDF2-32CFB18122B4}">
+      <dgm:prSet/>
+      <dgm:spPr/>
+      <dgm:t>
+        <a:bodyPr/>
+        <a:lstStyle/>
+        <a:p>
+          <a:endParaRPr lang="en-US"/>
+        </a:p>
+      </dgm:t>
+    </dgm:pt>
+    <dgm:pt modelId="{2311BB31-481A-4768-8425-7D9500496BD2}" type="sibTrans" cxnId="{87F3E890-7C9D-49C1-BDF2-32CFB18122B4}">
+      <dgm:prSet/>
+      <dgm:spPr/>
+      <dgm:t>
+        <a:bodyPr/>
+        <a:lstStyle/>
+        <a:p>
+          <a:endParaRPr lang="en-US"/>
+        </a:p>
+      </dgm:t>
+    </dgm:pt>
+    <dgm:pt modelId="{0BD3F884-BEAE-4A60-802E-1ACA0912B203}">
+      <dgm:prSet phldrT="[Text]" phldr="0"/>
+      <dgm:spPr/>
+      <dgm:t>
+        <a:bodyPr/>
+        <a:lstStyle/>
+        <a:p>
+          <a:pPr algn="l"/>
+          <a:r>
+            <a:rPr lang="en-US" dirty="0"/>
+            <a:t>Azure Storage SDK</a:t>
+          </a:r>
+        </a:p>
+      </dgm:t>
+    </dgm:pt>
+    <dgm:pt modelId="{34C46368-AF97-4F3A-86DE-BFF4F469D49F}" type="parTrans" cxnId="{4BC1E0C8-30DE-49E1-A162-523EB1B2043A}">
+      <dgm:prSet/>
+      <dgm:spPr/>
+      <dgm:t>
+        <a:bodyPr/>
+        <a:lstStyle/>
+        <a:p>
+          <a:endParaRPr lang="en-US"/>
+        </a:p>
+      </dgm:t>
+    </dgm:pt>
+    <dgm:pt modelId="{8EE198A8-0CBB-4B67-8840-71EB72E513A6}" type="sibTrans" cxnId="{4BC1E0C8-30DE-49E1-A162-523EB1B2043A}">
+      <dgm:prSet/>
+      <dgm:spPr/>
+      <dgm:t>
+        <a:bodyPr/>
+        <a:lstStyle/>
+        <a:p>
+          <a:endParaRPr lang="en-US"/>
+        </a:p>
+      </dgm:t>
+    </dgm:pt>
+    <dgm:pt modelId="{A8F1CCC8-3C0D-45FB-B6F8-5A1C2ECD9D78}">
+      <dgm:prSet phldrT="[Text]" phldr="0"/>
+      <dgm:spPr/>
+      <dgm:t>
+        <a:bodyPr/>
+        <a:lstStyle/>
+        <a:p>
+          <a:pPr algn="l"/>
+          <a:r>
+            <a:rPr lang="en-US" dirty="0"/>
+            <a:t>Use GitHub Actions to orchestrate architecture deployment</a:t>
+          </a:r>
+        </a:p>
+      </dgm:t>
+    </dgm:pt>
+    <dgm:pt modelId="{F19D1AE3-B801-428C-8EA3-95E9D6F684B2}" type="parTrans" cxnId="{C04531B5-5573-4A52-A674-5F737CFE4C83}">
+      <dgm:prSet/>
+      <dgm:spPr/>
+      <dgm:t>
+        <a:bodyPr/>
+        <a:lstStyle/>
+        <a:p>
+          <a:endParaRPr lang="en-US"/>
+        </a:p>
+      </dgm:t>
+    </dgm:pt>
+    <dgm:pt modelId="{6267DF06-8F65-426C-A342-F0594D7334AC}" type="sibTrans" cxnId="{C04531B5-5573-4A52-A674-5F737CFE4C83}">
+      <dgm:prSet/>
+      <dgm:spPr/>
+      <dgm:t>
+        <a:bodyPr/>
+        <a:lstStyle/>
+        <a:p>
+          <a:endParaRPr lang="en-US"/>
+        </a:p>
+      </dgm:t>
+    </dgm:pt>
+    <dgm:pt modelId="{AA80B9C1-2179-4A62-ACC4-9F5EA694B70B}">
+      <dgm:prSet phldrT="[Text]" phldr="0"/>
+      <dgm:spPr/>
+      <dgm:t>
+        <a:bodyPr/>
+        <a:lstStyle/>
+        <a:p>
+          <a:pPr algn="l"/>
+          <a:r>
+            <a:rPr lang="en-US" dirty="0"/>
+            <a:t>Orchestrate containers in Kubernetes</a:t>
+          </a:r>
+        </a:p>
+      </dgm:t>
+    </dgm:pt>
+    <dgm:pt modelId="{D7BB243A-5775-4CF6-9053-822C5E5441DB}" type="parTrans" cxnId="{EAD49904-EF65-4129-A7E9-1EFCB007FCB4}">
+      <dgm:prSet/>
+      <dgm:spPr/>
+      <dgm:t>
+        <a:bodyPr/>
+        <a:lstStyle/>
+        <a:p>
+          <a:endParaRPr lang="en-US"/>
+        </a:p>
+      </dgm:t>
+    </dgm:pt>
+    <dgm:pt modelId="{0439C7DD-2EE9-4F6E-965F-E205D7F7AD5E}" type="sibTrans" cxnId="{EAD49904-EF65-4129-A7E9-1EFCB007FCB4}">
+      <dgm:prSet/>
+      <dgm:spPr/>
+      <dgm:t>
+        <a:bodyPr/>
+        <a:lstStyle/>
+        <a:p>
+          <a:endParaRPr lang="en-US"/>
+        </a:p>
+      </dgm:t>
+    </dgm:pt>
+    <dgm:pt modelId="{D511AE60-EC9B-4D13-A15F-A48CD7F0FFCF}">
+      <dgm:prSet phldrT="[Text]" phldr="0"/>
+      <dgm:spPr/>
+      <dgm:t>
+        <a:bodyPr/>
+        <a:lstStyle/>
+        <a:p>
+          <a:pPr algn="l"/>
+          <a:r>
+            <a:rPr lang="en-US" dirty="0"/>
+            <a:t>Utilize Apache Spark for distributed data preparation and ML</a:t>
+          </a:r>
+        </a:p>
+      </dgm:t>
+    </dgm:pt>
+    <dgm:pt modelId="{BBFF67C1-9C26-4215-A2AB-F4853EBCA7BF}" type="parTrans" cxnId="{00E1A92F-EEDD-4645-A686-09BA9B4EF52F}">
+      <dgm:prSet/>
+      <dgm:spPr/>
+      <dgm:t>
+        <a:bodyPr/>
+        <a:lstStyle/>
+        <a:p>
+          <a:endParaRPr lang="en-US"/>
+        </a:p>
+      </dgm:t>
+    </dgm:pt>
+    <dgm:pt modelId="{4760492D-3F05-4899-9936-DC3BAA44E767}" type="sibTrans" cxnId="{00E1A92F-EEDD-4645-A686-09BA9B4EF52F}">
+      <dgm:prSet/>
+      <dgm:spPr/>
+      <dgm:t>
+        <a:bodyPr/>
+        <a:lstStyle/>
+        <a:p>
+          <a:endParaRPr lang="en-US"/>
+        </a:p>
+      </dgm:t>
+    </dgm:pt>
+    <dgm:pt modelId="{B296EA44-76A4-4C01-B27D-F6437D60CD34}">
+      <dgm:prSet phldrT="[Text]" phldr="0"/>
+      <dgm:spPr/>
+      <dgm:t>
+        <a:bodyPr/>
+        <a:lstStyle/>
+        <a:p>
+          <a:pPr algn="l"/>
+          <a:r>
+            <a:rPr lang="en-US" dirty="0"/>
+            <a:t>Databricks (Spark SQL + </a:t>
+          </a:r>
+          <a:r>
+            <a:rPr lang="en-US" dirty="0" err="1"/>
+            <a:t>MLlib</a:t>
+          </a:r>
+          <a:r>
+            <a:rPr lang="en-US" dirty="0"/>
+            <a:t>)</a:t>
+          </a:r>
+        </a:p>
+      </dgm:t>
+    </dgm:pt>
+    <dgm:pt modelId="{F40A0CB5-634B-4E26-B196-AC32BBF8E9C3}" type="parTrans" cxnId="{19CD79C0-5969-43D5-8D2A-A58ECA4DAB5B}">
+      <dgm:prSet/>
+      <dgm:spPr/>
+      <dgm:t>
+        <a:bodyPr/>
+        <a:lstStyle/>
+        <a:p>
+          <a:endParaRPr lang="en-US"/>
+        </a:p>
+      </dgm:t>
+    </dgm:pt>
+    <dgm:pt modelId="{848BA754-CF0B-4006-A70D-8D22CA7F190E}" type="sibTrans" cxnId="{19CD79C0-5969-43D5-8D2A-A58ECA4DAB5B}">
+      <dgm:prSet/>
+      <dgm:spPr/>
+      <dgm:t>
+        <a:bodyPr/>
+        <a:lstStyle/>
+        <a:p>
+          <a:endParaRPr lang="en-US"/>
+        </a:p>
+      </dgm:t>
+    </dgm:pt>
+    <dgm:pt modelId="{4220455F-CF1C-4436-A9B6-D518B15DEF85}">
+      <dgm:prSet phldrT="[Text]" phldr="0"/>
+      <dgm:spPr/>
+      <dgm:t>
+        <a:bodyPr/>
+        <a:lstStyle/>
+        <a:p>
+          <a:pPr algn="l"/>
+          <a:r>
+            <a:rPr lang="en-US" dirty="0"/>
+            <a:t>Azure Container Registry</a:t>
+          </a:r>
+        </a:p>
+      </dgm:t>
+    </dgm:pt>
+    <dgm:pt modelId="{55A61E59-3711-4470-BE75-90F3E1DE062A}" type="parTrans" cxnId="{6914655C-6F88-4F44-A604-30DED5FB61C6}">
+      <dgm:prSet/>
+      <dgm:spPr/>
+      <dgm:t>
+        <a:bodyPr/>
+        <a:lstStyle/>
+        <a:p>
+          <a:endParaRPr lang="en-US"/>
+        </a:p>
+      </dgm:t>
+    </dgm:pt>
+    <dgm:pt modelId="{55F3672B-8797-4CE5-8735-0280F532931F}" type="sibTrans" cxnId="{6914655C-6F88-4F44-A604-30DED5FB61C6}">
+      <dgm:prSet/>
+      <dgm:spPr/>
+      <dgm:t>
+        <a:bodyPr/>
+        <a:lstStyle/>
+        <a:p>
+          <a:endParaRPr lang="en-US"/>
+        </a:p>
+      </dgm:t>
+    </dgm:pt>
+    <dgm:pt modelId="{11BD6291-F9A3-4DDE-8967-C13F0D15AA80}">
+      <dgm:prSet phldrT="[Text]" phldr="0"/>
+      <dgm:spPr/>
+      <dgm:t>
+        <a:bodyPr/>
+        <a:lstStyle/>
+        <a:p>
+          <a:pPr algn="l"/>
+          <a:r>
+            <a:rPr lang="en-US" dirty="0"/>
+            <a:t>Azure Kubernetes Service (+ </a:t>
+          </a:r>
+          <a:r>
+            <a:rPr lang="en-US" dirty="0" err="1"/>
+            <a:t>kubectl</a:t>
+          </a:r>
+          <a:r>
+            <a:rPr lang="en-US" dirty="0"/>
+            <a:t>)</a:t>
+          </a:r>
+        </a:p>
+      </dgm:t>
+    </dgm:pt>
+    <dgm:pt modelId="{557303EC-EE34-4466-B2BD-77132CA674DD}" type="parTrans" cxnId="{B0E6AC86-728B-4984-9299-92ED2040777D}">
+      <dgm:prSet/>
+      <dgm:spPr/>
+      <dgm:t>
+        <a:bodyPr/>
+        <a:lstStyle/>
+        <a:p>
+          <a:endParaRPr lang="en-US"/>
+        </a:p>
+      </dgm:t>
+    </dgm:pt>
+    <dgm:pt modelId="{2FE499EE-DB38-4917-A3F8-5090062AC442}" type="sibTrans" cxnId="{B0E6AC86-728B-4984-9299-92ED2040777D}">
+      <dgm:prSet/>
+      <dgm:spPr/>
+      <dgm:t>
+        <a:bodyPr/>
+        <a:lstStyle/>
+        <a:p>
+          <a:endParaRPr lang="en-US"/>
+        </a:p>
+      </dgm:t>
+    </dgm:pt>
+    <dgm:pt modelId="{FEEF5CE5-3347-471D-91D1-01A9768C7114}">
+      <dgm:prSet phldrT="[Text]" phldr="0"/>
+      <dgm:spPr/>
+      <dgm:t>
+        <a:bodyPr/>
+        <a:lstStyle/>
+        <a:p>
+          <a:pPr algn="l"/>
+          <a:r>
+            <a:rPr lang="en-US" dirty="0"/>
+            <a:t>Docker Hub</a:t>
+          </a:r>
+        </a:p>
+      </dgm:t>
+    </dgm:pt>
+    <dgm:pt modelId="{7C42BD95-9B4E-4F14-B0A5-3A546ACDEBCF}" type="parTrans" cxnId="{6790E2BB-D51A-4DE1-882E-69C0C0DA63FF}">
+      <dgm:prSet/>
+      <dgm:spPr/>
+      <dgm:t>
+        <a:bodyPr/>
+        <a:lstStyle/>
+        <a:p>
+          <a:endParaRPr lang="en-US"/>
+        </a:p>
+      </dgm:t>
+    </dgm:pt>
+    <dgm:pt modelId="{29B5D41D-0D3E-4AC0-96D6-35B8E1AE42C5}" type="sibTrans" cxnId="{6790E2BB-D51A-4DE1-882E-69C0C0DA63FF}">
+      <dgm:prSet/>
+      <dgm:spPr/>
+      <dgm:t>
+        <a:bodyPr/>
+        <a:lstStyle/>
+        <a:p>
+          <a:endParaRPr lang="en-US"/>
+        </a:p>
+      </dgm:t>
+    </dgm:pt>
+    <dgm:pt modelId="{2BB8BC78-CA02-4157-A9EC-98E98863C0E3}">
+      <dgm:prSet phldrT="[Text]" phldr="0"/>
+      <dgm:spPr/>
+      <dgm:t>
+        <a:bodyPr/>
+        <a:lstStyle/>
+        <a:p>
+          <a:pPr algn="l"/>
+          <a:r>
+            <a:rPr lang="en-US" dirty="0"/>
+            <a:t>Understand the cloud ML life cycle for model management</a:t>
+          </a:r>
+        </a:p>
+      </dgm:t>
+    </dgm:pt>
+    <dgm:pt modelId="{12FCE6E5-CACF-428F-A698-6951B0972874}" type="parTrans" cxnId="{4BE49B95-BC1F-46B8-A6EA-38E3E2FFB8F3}">
+      <dgm:prSet/>
+      <dgm:spPr/>
+      <dgm:t>
+        <a:bodyPr/>
+        <a:lstStyle/>
+        <a:p>
+          <a:endParaRPr lang="en-US"/>
+        </a:p>
+      </dgm:t>
+    </dgm:pt>
+    <dgm:pt modelId="{499FB6C9-6607-453F-BCFC-0E8E350F6AD2}" type="sibTrans" cxnId="{4BE49B95-BC1F-46B8-A6EA-38E3E2FFB8F3}">
+      <dgm:prSet/>
+      <dgm:spPr/>
+      <dgm:t>
+        <a:bodyPr/>
+        <a:lstStyle/>
+        <a:p>
+          <a:endParaRPr lang="en-US"/>
+        </a:p>
+      </dgm:t>
+    </dgm:pt>
+    <dgm:pt modelId="{6C0F5E92-0368-4229-A8DD-BBE98CD27283}">
+      <dgm:prSet phldrT="[Text]" phldr="0"/>
+      <dgm:spPr/>
+      <dgm:t>
+        <a:bodyPr/>
+        <a:lstStyle/>
+        <a:p>
+          <a:pPr algn="l"/>
+          <a:r>
+            <a:rPr lang="en-US" dirty="0"/>
+            <a:t>Use </a:t>
+          </a:r>
+          <a:r>
+            <a:rPr lang="en-US" dirty="0" err="1"/>
+            <a:t>AutoML</a:t>
+          </a:r>
+          <a:r>
+            <a:rPr lang="en-US" dirty="0"/>
+            <a:t> to train multiple models</a:t>
+          </a:r>
+        </a:p>
+      </dgm:t>
+    </dgm:pt>
+    <dgm:pt modelId="{A300B6AD-64D3-4F99-8464-63EBCC1645B0}" type="parTrans" cxnId="{697CC10D-AA9E-4BF8-BD8F-E6D31C8E8F75}">
+      <dgm:prSet/>
+      <dgm:spPr/>
+      <dgm:t>
+        <a:bodyPr/>
+        <a:lstStyle/>
+        <a:p>
+          <a:endParaRPr lang="en-US"/>
+        </a:p>
+      </dgm:t>
+    </dgm:pt>
+    <dgm:pt modelId="{B0D8A55B-F586-4199-B733-B682B852EEEA}" type="sibTrans" cxnId="{697CC10D-AA9E-4BF8-BD8F-E6D31C8E8F75}">
+      <dgm:prSet/>
+      <dgm:spPr/>
+      <dgm:t>
+        <a:bodyPr/>
+        <a:lstStyle/>
+        <a:p>
+          <a:endParaRPr lang="en-US"/>
+        </a:p>
+      </dgm:t>
+    </dgm:pt>
+    <dgm:pt modelId="{D0B7C232-4EE8-45BD-9762-748ACDBB1286}">
+      <dgm:prSet phldrT="[Text]" phldr="0"/>
+      <dgm:spPr/>
+      <dgm:t>
+        <a:bodyPr/>
+        <a:lstStyle/>
+        <a:p>
+          <a:pPr algn="l"/>
+          <a:r>
+            <a:rPr lang="en-US" dirty="0"/>
+            <a:t>Deploy a model as a real-time API endpoint</a:t>
+          </a:r>
+        </a:p>
+      </dgm:t>
+    </dgm:pt>
+    <dgm:pt modelId="{A62BC256-C77D-4D1E-9F14-AD7517EE3DD1}" type="parTrans" cxnId="{CF5AD5BD-BFDD-4F52-ACC6-D37EFC5FB32A}">
+      <dgm:prSet/>
+      <dgm:spPr/>
+      <dgm:t>
+        <a:bodyPr/>
+        <a:lstStyle/>
+        <a:p>
+          <a:endParaRPr lang="en-US"/>
+        </a:p>
+      </dgm:t>
+    </dgm:pt>
+    <dgm:pt modelId="{FF33D16E-F3F8-4F71-8D07-8911A8028C08}" type="sibTrans" cxnId="{CF5AD5BD-BFDD-4F52-ACC6-D37EFC5FB32A}">
+      <dgm:prSet/>
+      <dgm:spPr/>
+      <dgm:t>
+        <a:bodyPr/>
+        <a:lstStyle/>
+        <a:p>
+          <a:endParaRPr lang="en-US"/>
+        </a:p>
+      </dgm:t>
+    </dgm:pt>
+    <dgm:pt modelId="{0D17077E-036C-422D-84FB-8AA137184298}">
+      <dgm:prSet phldrT="[Text]" phldr="0"/>
+      <dgm:spPr/>
+      <dgm:t>
+        <a:bodyPr/>
+        <a:lstStyle/>
+        <a:p>
+          <a:pPr algn="l"/>
+          <a:r>
+            <a:rPr lang="en-US" dirty="0"/>
+            <a:t>Azure ML Studio (+ SDK)</a:t>
+          </a:r>
+        </a:p>
+      </dgm:t>
+    </dgm:pt>
+    <dgm:pt modelId="{0A58FAAB-4856-4073-A104-0F412D002172}" type="parTrans" cxnId="{1F2A4655-A1EE-4302-BA16-5BA8B7A697AB}">
+      <dgm:prSet/>
+      <dgm:spPr/>
+      <dgm:t>
+        <a:bodyPr/>
+        <a:lstStyle/>
+        <a:p>
+          <a:endParaRPr lang="en-US"/>
+        </a:p>
+      </dgm:t>
+    </dgm:pt>
+    <dgm:pt modelId="{4C44C628-C58E-442A-B738-309474E86D7E}" type="sibTrans" cxnId="{1F2A4655-A1EE-4302-BA16-5BA8B7A697AB}">
+      <dgm:prSet/>
+      <dgm:spPr/>
+      <dgm:t>
+        <a:bodyPr/>
+        <a:lstStyle/>
+        <a:p>
+          <a:endParaRPr lang="en-US"/>
+        </a:p>
+      </dgm:t>
+    </dgm:pt>
+    <dgm:pt modelId="{0ED2EF8A-A277-4AE6-94F5-0C0C230E79A1}">
+      <dgm:prSet phldrT="[Text]" phldr="0"/>
+      <dgm:spPr/>
+      <dgm:t>
+        <a:bodyPr/>
+        <a:lstStyle/>
+        <a:p>
+          <a:pPr algn="l"/>
+          <a:r>
+            <a:rPr lang="en-US" dirty="0"/>
+            <a:t>Utilize deployed AI model endpoints</a:t>
+          </a:r>
+        </a:p>
+      </dgm:t>
+    </dgm:pt>
+    <dgm:pt modelId="{38433351-17B7-4CFD-8A31-12CEC9137D7C}" type="parTrans" cxnId="{0DDBC836-2286-4BDD-AAD6-C21D8729AE94}">
+      <dgm:prSet/>
+      <dgm:spPr/>
+      <dgm:t>
+        <a:bodyPr/>
+        <a:lstStyle/>
+        <a:p>
+          <a:endParaRPr lang="en-US"/>
+        </a:p>
+      </dgm:t>
+    </dgm:pt>
+    <dgm:pt modelId="{F23E8E32-C1C5-41BA-8811-93BAD7AFE94C}" type="sibTrans" cxnId="{0DDBC836-2286-4BDD-AAD6-C21D8729AE94}">
+      <dgm:prSet/>
+      <dgm:spPr/>
+      <dgm:t>
+        <a:bodyPr/>
+        <a:lstStyle/>
+        <a:p>
+          <a:endParaRPr lang="en-US"/>
+        </a:p>
+      </dgm:t>
+    </dgm:pt>
+    <dgm:pt modelId="{346F2D11-56FC-4369-A63F-6DA072EF34CB}">
+      <dgm:prSet phldrT="[Text]" phldr="0"/>
+      <dgm:spPr/>
+      <dgm:t>
+        <a:bodyPr/>
+        <a:lstStyle/>
+        <a:p>
+          <a:pPr algn="l"/>
+          <a:r>
+            <a:rPr lang="en-US" dirty="0"/>
+            <a:t>Azure AI Foundry</a:t>
+          </a:r>
+        </a:p>
+      </dgm:t>
+    </dgm:pt>
+    <dgm:pt modelId="{1F1CB762-8195-4B94-93AA-34DE024B56F8}" type="parTrans" cxnId="{98FCB557-BD10-45DE-B084-88D3A145EF50}">
+      <dgm:prSet/>
+      <dgm:spPr/>
+      <dgm:t>
+        <a:bodyPr/>
+        <a:lstStyle/>
+        <a:p>
+          <a:endParaRPr lang="en-US"/>
+        </a:p>
+      </dgm:t>
+    </dgm:pt>
+    <dgm:pt modelId="{AD23991F-AB2D-4D8C-AA01-97FA859B94A4}" type="sibTrans" cxnId="{98FCB557-BD10-45DE-B084-88D3A145EF50}">
+      <dgm:prSet/>
+      <dgm:spPr/>
+      <dgm:t>
+        <a:bodyPr/>
+        <a:lstStyle/>
+        <a:p>
+          <a:endParaRPr lang="en-US"/>
+        </a:p>
+      </dgm:t>
+    </dgm:pt>
+    <dgm:pt modelId="{6F9CF669-A0D9-4362-A9C0-37FCA234657A}">
+      <dgm:prSet phldrT="[Text]" phldr="0"/>
+      <dgm:spPr/>
+      <dgm:t>
+        <a:bodyPr/>
+        <a:lstStyle/>
+        <a:p>
+          <a:pPr algn="l"/>
+          <a:r>
+            <a:rPr lang="en-US" dirty="0"/>
+            <a:t>Customize agent behavior using system prompts</a:t>
+          </a:r>
+        </a:p>
+      </dgm:t>
+    </dgm:pt>
+    <dgm:pt modelId="{492945AE-46C1-4DBF-949D-DE07408EB780}" type="parTrans" cxnId="{B827CBB4-87B9-45CE-AD27-88E2CF0C8BA0}">
+      <dgm:prSet/>
+      <dgm:spPr/>
+      <dgm:t>
+        <a:bodyPr/>
+        <a:lstStyle/>
+        <a:p>
+          <a:endParaRPr lang="en-US"/>
+        </a:p>
+      </dgm:t>
+    </dgm:pt>
+    <dgm:pt modelId="{F19B8798-F375-44A2-B8E1-A0B44EA326D1}" type="sibTrans" cxnId="{B827CBB4-87B9-45CE-AD27-88E2CF0C8BA0}">
+      <dgm:prSet/>
+      <dgm:spPr/>
+      <dgm:t>
+        <a:bodyPr/>
+        <a:lstStyle/>
+        <a:p>
+          <a:endParaRPr lang="en-US"/>
+        </a:p>
+      </dgm:t>
+    </dgm:pt>
+    <dgm:pt modelId="{8B697CEB-662E-4162-8E32-A62ED7E6377C}">
+      <dgm:prSet phldrT="[Text]" phldr="0"/>
+      <dgm:spPr/>
+      <dgm:t>
+        <a:bodyPr/>
+        <a:lstStyle/>
+        <a:p>
+          <a:pPr algn="l"/>
+          <a:r>
+            <a:rPr lang="en-US" dirty="0"/>
+            <a:t>Compare AI models (size, performance, architecture, licensing)</a:t>
+          </a:r>
+        </a:p>
+      </dgm:t>
+    </dgm:pt>
+    <dgm:pt modelId="{3BA2D548-982F-47AC-A37E-62610B818192}" type="parTrans" cxnId="{62CE009F-BADF-46C5-87DD-11F58B01AEB3}">
+      <dgm:prSet/>
+      <dgm:spPr/>
+      <dgm:t>
+        <a:bodyPr/>
+        <a:lstStyle/>
+        <a:p>
+          <a:endParaRPr lang="en-US"/>
+        </a:p>
+      </dgm:t>
+    </dgm:pt>
+    <dgm:pt modelId="{04DD075C-87CC-41B2-AE9E-ED6D442C8E6B}" type="sibTrans" cxnId="{62CE009F-BADF-46C5-87DD-11F58B01AEB3}">
+      <dgm:prSet/>
+      <dgm:spPr/>
+      <dgm:t>
+        <a:bodyPr/>
+        <a:lstStyle/>
+        <a:p>
+          <a:endParaRPr lang="en-US"/>
+        </a:p>
+      </dgm:t>
+    </dgm:pt>
+    <dgm:pt modelId="{C3DAB90A-0E6D-470F-BD4A-95F88E847D18}">
+      <dgm:prSet phldrT="[Text]" phldr="0"/>
+      <dgm:spPr/>
+      <dgm:t>
+        <a:bodyPr/>
+        <a:lstStyle/>
+        <a:p>
+          <a:pPr algn="l"/>
+          <a:r>
+            <a:rPr lang="en-US" dirty="0"/>
+            <a:t>Estimate cloud costs for deployed services</a:t>
+          </a:r>
+        </a:p>
+      </dgm:t>
+    </dgm:pt>
+    <dgm:pt modelId="{E912C795-F4F4-4779-8E92-46C866BB2267}" type="parTrans" cxnId="{1DB6B1EB-064B-480C-B1FB-1FDD4284FA71}">
+      <dgm:prSet/>
+      <dgm:spPr/>
+      <dgm:t>
+        <a:bodyPr/>
+        <a:lstStyle/>
+        <a:p>
+          <a:endParaRPr lang="en-US"/>
+        </a:p>
+      </dgm:t>
+    </dgm:pt>
+    <dgm:pt modelId="{39D821A3-7086-4973-9D7B-CF1A87E5EC53}" type="sibTrans" cxnId="{1DB6B1EB-064B-480C-B1FB-1FDD4284FA71}">
+      <dgm:prSet/>
+      <dgm:spPr/>
+      <dgm:t>
+        <a:bodyPr/>
+        <a:lstStyle/>
+        <a:p>
+          <a:endParaRPr lang="en-US"/>
+        </a:p>
+      </dgm:t>
+    </dgm:pt>
+    <dgm:pt modelId="{142219EC-7604-4374-A9DB-6DD05AA3EB05}">
+      <dgm:prSet phldrT="[Text]" phldr="0"/>
+      <dgm:spPr/>
+      <dgm:t>
+        <a:bodyPr/>
+        <a:lstStyle/>
+        <a:p>
+          <a:pPr algn="l"/>
+          <a:r>
+            <a:rPr lang="en-US" dirty="0"/>
+            <a:t>Azure Calculator</a:t>
+          </a:r>
+        </a:p>
+      </dgm:t>
+    </dgm:pt>
+    <dgm:pt modelId="{757430C6-03CB-4627-9C95-15B6558D61BB}" type="parTrans" cxnId="{3F059A33-497D-49C5-9DF3-99A11CCAE43A}">
+      <dgm:prSet/>
+      <dgm:spPr/>
+      <dgm:t>
+        <a:bodyPr/>
+        <a:lstStyle/>
+        <a:p>
+          <a:endParaRPr lang="en-US"/>
+        </a:p>
+      </dgm:t>
+    </dgm:pt>
+    <dgm:pt modelId="{89B37988-6E6A-49E0-A405-707F5D64C605}" type="sibTrans" cxnId="{3F059A33-497D-49C5-9DF3-99A11CCAE43A}">
+      <dgm:prSet/>
+      <dgm:spPr/>
+      <dgm:t>
+        <a:bodyPr/>
+        <a:lstStyle/>
+        <a:p>
+          <a:endParaRPr lang="en-US"/>
+        </a:p>
+      </dgm:t>
+    </dgm:pt>
+    <dgm:pt modelId="{DB0C31D2-F4C6-44F4-8684-DAC848DA8DE0}">
+      <dgm:prSet phldrT="[Text]" phldr="0"/>
+      <dgm:spPr/>
+      <dgm:t>
+        <a:bodyPr/>
+        <a:lstStyle/>
+        <a:p>
+          <a:pPr algn="l"/>
+          <a:r>
+            <a:rPr lang="en-US" dirty="0"/>
+            <a:t>Azure OpenAI</a:t>
+          </a:r>
+        </a:p>
+      </dgm:t>
+    </dgm:pt>
+    <dgm:pt modelId="{1625169A-B956-4B7F-ADBF-EFD1326B030B}" type="parTrans" cxnId="{9E8A9792-7449-4867-AA62-6249D7E0C72C}">
+      <dgm:prSet/>
+      <dgm:spPr/>
+      <dgm:t>
+        <a:bodyPr/>
+        <a:lstStyle/>
+        <a:p>
+          <a:endParaRPr lang="en-US"/>
+        </a:p>
+      </dgm:t>
+    </dgm:pt>
+    <dgm:pt modelId="{FFD105D5-C086-40C3-AF04-A0137816AEE2}" type="sibTrans" cxnId="{9E8A9792-7449-4867-AA62-6249D7E0C72C}">
+      <dgm:prSet/>
+      <dgm:spPr/>
+      <dgm:t>
+        <a:bodyPr/>
+        <a:lstStyle/>
+        <a:p>
+          <a:endParaRPr lang="en-US"/>
+        </a:p>
+      </dgm:t>
+    </dgm:pt>
+    <dgm:pt modelId="{CA3DBC75-DCBA-42AD-8220-F30D3572EF4A}">
+      <dgm:prSet phldrT="[Text]" phldr="0"/>
+      <dgm:spPr/>
+      <dgm:t>
+        <a:bodyPr/>
+        <a:lstStyle/>
+        <a:p>
+          <a:pPr algn="l"/>
+          <a:r>
+            <a:rPr lang="en-US" dirty="0"/>
+            <a:t>Hugging Face, </a:t>
+          </a:r>
+          <a:r>
+            <a:rPr lang="en-US" dirty="0" err="1"/>
+            <a:t>Ollama</a:t>
+          </a:r>
+          <a:r>
+            <a:rPr lang="en-US" dirty="0"/>
+            <a:t>, etc.</a:t>
+          </a:r>
+        </a:p>
+      </dgm:t>
+    </dgm:pt>
+    <dgm:pt modelId="{F6798128-B205-43FB-B817-863C4B72C942}" type="parTrans" cxnId="{5C2FDBAE-8936-4741-B1C7-738E0B5B95E5}">
+      <dgm:prSet/>
+      <dgm:spPr/>
+      <dgm:t>
+        <a:bodyPr/>
+        <a:lstStyle/>
+        <a:p>
+          <a:endParaRPr lang="en-US"/>
+        </a:p>
+      </dgm:t>
+    </dgm:pt>
+    <dgm:pt modelId="{BDB13328-8345-4DBB-9B76-3E408408A378}" type="sibTrans" cxnId="{5C2FDBAE-8936-4741-B1C7-738E0B5B95E5}">
+      <dgm:prSet/>
+      <dgm:spPr/>
+      <dgm:t>
+        <a:bodyPr/>
+        <a:lstStyle/>
+        <a:p>
+          <a:endParaRPr lang="en-US"/>
+        </a:p>
+      </dgm:t>
+    </dgm:pt>
+    <dgm:pt modelId="{CC88708B-5E42-4ACF-97D8-FA05E672E144}" type="pres">
+      <dgm:prSet presAssocID="{F380DE40-B004-44A1-A5F0-E6BBD7F0EFC8}" presName="diagram" presStyleCnt="0">
+        <dgm:presLayoutVars>
+          <dgm:dir/>
+          <dgm:resizeHandles val="exact"/>
+        </dgm:presLayoutVars>
+      </dgm:prSet>
+      <dgm:spPr/>
+    </dgm:pt>
+    <dgm:pt modelId="{8640B9EB-789B-4444-B9DC-7790290D2C07}" type="pres">
+      <dgm:prSet presAssocID="{FB2E585C-A3AA-406F-9EC3-66E0BD70582D}" presName="node" presStyleLbl="node1" presStyleIdx="0" presStyleCnt="4">
+        <dgm:presLayoutVars>
+          <dgm:bulletEnabled val="1"/>
+        </dgm:presLayoutVars>
+      </dgm:prSet>
+      <dgm:spPr/>
+    </dgm:pt>
+    <dgm:pt modelId="{05F293C1-EF1F-4428-A151-A39ADF7C9FC3}" type="pres">
+      <dgm:prSet presAssocID="{BAD14C3A-FAEA-4A40-A398-9DE0CD762DCC}" presName="sibTrans" presStyleCnt="0"/>
+      <dgm:spPr/>
+    </dgm:pt>
+    <dgm:pt modelId="{52280505-D8A4-41F4-B6B6-F1E29295784C}" type="pres">
+      <dgm:prSet presAssocID="{83D5AF02-802D-4C40-B52D-F416E92B55EC}" presName="node" presStyleLbl="node1" presStyleIdx="1" presStyleCnt="4">
+        <dgm:presLayoutVars>
+          <dgm:bulletEnabled val="1"/>
+        </dgm:presLayoutVars>
+      </dgm:prSet>
+      <dgm:spPr/>
+    </dgm:pt>
+    <dgm:pt modelId="{50579382-4A25-4F89-A74C-44CC2D6E4F90}" type="pres">
+      <dgm:prSet presAssocID="{852CBFA3-937E-4F01-A1E5-46793ECA39A1}" presName="sibTrans" presStyleCnt="0"/>
+      <dgm:spPr/>
+    </dgm:pt>
+    <dgm:pt modelId="{AC807673-F359-448D-B341-9B9E243109FE}" type="pres">
+      <dgm:prSet presAssocID="{5B5872FC-66BA-456D-A6C3-1915186C774A}" presName="node" presStyleLbl="node1" presStyleIdx="2" presStyleCnt="4">
+        <dgm:presLayoutVars>
+          <dgm:bulletEnabled val="1"/>
+        </dgm:presLayoutVars>
+      </dgm:prSet>
+      <dgm:spPr/>
+    </dgm:pt>
+    <dgm:pt modelId="{4B90F0BA-45ED-437F-8A43-66FF8C0AE6D9}" type="pres">
+      <dgm:prSet presAssocID="{F535EF59-3D32-4480-AB04-451BE2BA6DFC}" presName="sibTrans" presStyleCnt="0"/>
+      <dgm:spPr/>
+    </dgm:pt>
+    <dgm:pt modelId="{EB9CC506-1F7F-4944-8CB4-67BA271FF82E}" type="pres">
+      <dgm:prSet presAssocID="{8E936134-201D-476E-B86A-8E4D59612B94}" presName="node" presStyleLbl="node1" presStyleIdx="3" presStyleCnt="4">
+        <dgm:presLayoutVars>
+          <dgm:bulletEnabled val="1"/>
+        </dgm:presLayoutVars>
+      </dgm:prSet>
+      <dgm:spPr/>
+    </dgm:pt>
+  </dgm:ptLst>
+  <dgm:cxnLst>
+    <dgm:cxn modelId="{EAD49904-EF65-4129-A7E9-1EFCB007FCB4}" srcId="{83D5AF02-802D-4C40-B52D-F416E92B55EC}" destId="{AA80B9C1-2179-4A62-ACC4-9F5EA694B70B}" srcOrd="2" destOrd="0" parTransId="{D7BB243A-5775-4CF6-9053-822C5E5441DB}" sibTransId="{0439C7DD-2EE9-4F6E-965F-E205D7F7AD5E}"/>
+    <dgm:cxn modelId="{697CC10D-AA9E-4BF8-BD8F-E6D31C8E8F75}" srcId="{5B5872FC-66BA-456D-A6C3-1915186C774A}" destId="{6C0F5E92-0368-4229-A8DD-BBE98CD27283}" srcOrd="1" destOrd="0" parTransId="{A300B6AD-64D3-4F99-8464-63EBCC1645B0}" sibTransId="{B0D8A55B-F586-4199-B733-B682B852EEEA}"/>
+    <dgm:cxn modelId="{604BEA1C-9F8D-48BE-B315-D095C1171A77}" type="presOf" srcId="{F5B1A2F4-CDBF-4D24-8E4B-355AA33D4AF5}" destId="{8640B9EB-789B-4444-B9DC-7790290D2C07}" srcOrd="0" destOrd="2" presId="urn:microsoft.com/office/officeart/2005/8/layout/default"/>
+    <dgm:cxn modelId="{DABC3028-409C-4FBC-8961-9B54A8EFACB7}" type="presOf" srcId="{0ED2EF8A-A277-4AE6-94F5-0C0C230E79A1}" destId="{AC807673-F359-448D-B341-9B9E243109FE}" srcOrd="0" destOrd="5" presId="urn:microsoft.com/office/officeart/2005/8/layout/default"/>
+    <dgm:cxn modelId="{67802629-C318-4333-ABD6-8FBC4384B5C6}" type="presOf" srcId="{CEE8FF8B-D357-4DEB-80BC-B94B691DAB5E}" destId="{52280505-D8A4-41F4-B6B6-F1E29295784C}" srcOrd="0" destOrd="2" presId="urn:microsoft.com/office/officeart/2005/8/layout/default"/>
+    <dgm:cxn modelId="{93D15D2A-247C-48B9-A327-EA64D508F066}" type="presOf" srcId="{243D106C-3D27-4BF0-932E-8D4BFCB18E07}" destId="{8640B9EB-789B-4444-B9DC-7790290D2C07}" srcOrd="0" destOrd="7" presId="urn:microsoft.com/office/officeart/2005/8/layout/default"/>
+    <dgm:cxn modelId="{00E1A92F-EEDD-4645-A686-09BA9B4EF52F}" srcId="{83D5AF02-802D-4C40-B52D-F416E92B55EC}" destId="{D511AE60-EC9B-4D13-A15F-A48CD7F0FFCF}" srcOrd="3" destOrd="0" parTransId="{BBFF67C1-9C26-4215-A2AB-F4853EBCA7BF}" sibTransId="{4760492D-3F05-4899-9936-DC3BAA44E767}"/>
+    <dgm:cxn modelId="{DB3FD232-4AC9-49FF-A675-ED15B1EE8C12}" srcId="{254E1A88-57B1-4E74-8EBE-15ABF9D88055}" destId="{F3EBB9B1-9F15-41E0-B8B6-D25F43C02F21}" srcOrd="1" destOrd="0" parTransId="{DA13E1D8-7B9F-4966-BCF8-B6B5DC547ECF}" sibTransId="{AA4D0C8E-61D2-49EA-834D-3A0E49189B8A}"/>
+    <dgm:cxn modelId="{3F059A33-497D-49C5-9DF3-99A11CCAE43A}" srcId="{C3DAB90A-0E6D-470F-BD4A-95F88E847D18}" destId="{142219EC-7604-4374-A9DB-6DD05AA3EB05}" srcOrd="0" destOrd="0" parTransId="{757430C6-03CB-4627-9C95-15B6558D61BB}" sibTransId="{89B37988-6E6A-49E0-A405-707F5D64C605}"/>
+    <dgm:cxn modelId="{0DDBC836-2286-4BDD-AAD6-C21D8729AE94}" srcId="{5B5872FC-66BA-456D-A6C3-1915186C774A}" destId="{0ED2EF8A-A277-4AE6-94F5-0C0C230E79A1}" srcOrd="3" destOrd="0" parTransId="{38433351-17B7-4CFD-8A31-12CEC9137D7C}" sibTransId="{F23E8E32-C1C5-41BA-8811-93BAD7AFE94C}"/>
+    <dgm:cxn modelId="{0EDE2D37-C14C-428A-A056-2489AD96F13B}" type="presOf" srcId="{AA80B9C1-2179-4A62-ACC4-9F5EA694B70B}" destId="{52280505-D8A4-41F4-B6B6-F1E29295784C}" srcOrd="0" destOrd="5" presId="urn:microsoft.com/office/officeart/2005/8/layout/default"/>
+    <dgm:cxn modelId="{E4212F37-431E-4488-A111-DE3E4FB60D53}" srcId="{712B5DF3-7010-428A-82F5-53CEFCE2638E}" destId="{F5B1A2F4-CDBF-4D24-8E4B-355AA33D4AF5}" srcOrd="0" destOrd="0" parTransId="{AD8271E6-71BF-4C62-B6AD-34FF94D48F98}" sibTransId="{876DE428-4762-43BA-A757-7C648CC16C3C}"/>
+    <dgm:cxn modelId="{B5398837-FA8B-48A2-BA6B-D2038D48A869}" srcId="{712B5DF3-7010-428A-82F5-53CEFCE2638E}" destId="{AA628E68-9562-44D9-AC50-7077675A5CB5}" srcOrd="2" destOrd="0" parTransId="{5743469F-4AAC-41FC-9E9B-CD68922CC1E7}" sibTransId="{D8784947-5354-4249-B697-0BC4D6ACFACE}"/>
+    <dgm:cxn modelId="{6914655C-6F88-4F44-A604-30DED5FB61C6}" srcId="{CEE8FF8B-D357-4DEB-80BC-B94B691DAB5E}" destId="{4220455F-CF1C-4436-A9B6-D518B15DEF85}" srcOrd="0" destOrd="0" parTransId="{55A61E59-3711-4470-BE75-90F3E1DE062A}" sibTransId="{55F3672B-8797-4CE5-8735-0280F532931F}"/>
+    <dgm:cxn modelId="{E31B0B62-8466-4497-8FFD-E6456341ABA0}" type="presOf" srcId="{D0B7C232-4EE8-45BD-9762-748ACDBB1286}" destId="{AC807673-F359-448D-B341-9B9E243109FE}" srcOrd="0" destOrd="4" presId="urn:microsoft.com/office/officeart/2005/8/layout/default"/>
+    <dgm:cxn modelId="{6B358F42-65A0-41E7-91A4-EF085D137253}" type="presOf" srcId="{5B5872FC-66BA-456D-A6C3-1915186C774A}" destId="{AC807673-F359-448D-B341-9B9E243109FE}" srcOrd="0" destOrd="0" presId="urn:microsoft.com/office/officeart/2005/8/layout/default"/>
+    <dgm:cxn modelId="{E3D96744-304D-4A40-AE94-69370A3C1712}" type="presOf" srcId="{712B5DF3-7010-428A-82F5-53CEFCE2638E}" destId="{8640B9EB-789B-4444-B9DC-7790290D2C07}" srcOrd="0" destOrd="1" presId="urn:microsoft.com/office/officeart/2005/8/layout/default"/>
+    <dgm:cxn modelId="{57340465-7BCE-43EB-B6DB-435170C23804}" srcId="{254E1A88-57B1-4E74-8EBE-15ABF9D88055}" destId="{AD65C654-A63F-4FF4-AAF3-5B7FB128007C}" srcOrd="0" destOrd="0" parTransId="{F549335F-EA69-4D54-970F-12442CE63682}" sibTransId="{CC493BA9-FDB1-4B9B-B583-34336848F701}"/>
+    <dgm:cxn modelId="{A4DFCB68-5B04-4294-937F-A0D556F6047F}" type="presOf" srcId="{C3DAB90A-0E6D-470F-BD4A-95F88E847D18}" destId="{EB9CC506-1F7F-4944-8CB4-67BA271FF82E}" srcOrd="0" destOrd="7" presId="urn:microsoft.com/office/officeart/2005/8/layout/default"/>
+    <dgm:cxn modelId="{5E801F4B-3E70-492E-A1E3-EA1B7873E2AA}" type="presOf" srcId="{A4FA2BA0-D1CC-4610-A4DE-075BB7101994}" destId="{8640B9EB-789B-4444-B9DC-7790290D2C07}" srcOrd="0" destOrd="3" presId="urn:microsoft.com/office/officeart/2005/8/layout/default"/>
+    <dgm:cxn modelId="{82DCCE6B-5D26-4561-B64F-1E1CABE5B293}" type="presOf" srcId="{EABA2467-003C-444A-BCFD-6518F779D93A}" destId="{52280505-D8A4-41F4-B6B6-F1E29295784C}" srcOrd="0" destOrd="1" presId="urn:microsoft.com/office/officeart/2005/8/layout/default"/>
+    <dgm:cxn modelId="{193BBE74-11E8-4508-BBCD-3BD588714996}" type="presOf" srcId="{0D17077E-036C-422D-84FB-8AA137184298}" destId="{AC807673-F359-448D-B341-9B9E243109FE}" srcOrd="0" destOrd="2" presId="urn:microsoft.com/office/officeart/2005/8/layout/default"/>
+    <dgm:cxn modelId="{1F2A4655-A1EE-4302-BA16-5BA8B7A697AB}" srcId="{2BB8BC78-CA02-4157-A9EC-98E98863C0E3}" destId="{0D17077E-036C-422D-84FB-8AA137184298}" srcOrd="0" destOrd="0" parTransId="{0A58FAAB-4856-4073-A104-0F412D002172}" sibTransId="{4C44C628-C58E-442A-B738-309474E86D7E}"/>
+    <dgm:cxn modelId="{98FCB557-BD10-45DE-B084-88D3A145EF50}" srcId="{0ED2EF8A-A277-4AE6-94F5-0C0C230E79A1}" destId="{346F2D11-56FC-4369-A63F-6DA072EF34CB}" srcOrd="0" destOrd="0" parTransId="{1F1CB762-8195-4B94-93AA-34DE024B56F8}" sibTransId="{AD23991F-AB2D-4D8C-AA01-97FA859B94A4}"/>
+    <dgm:cxn modelId="{7E4CE980-5D48-4DB4-B95A-CB17B9C3BBD2}" type="presOf" srcId="{254E1A88-57B1-4E74-8EBE-15ABF9D88055}" destId="{EB9CC506-1F7F-4944-8CB4-67BA271FF82E}" srcOrd="0" destOrd="3" presId="urn:microsoft.com/office/officeart/2005/8/layout/default"/>
+    <dgm:cxn modelId="{F2962882-40A9-4866-9B90-4C676644DA71}" srcId="{712B5DF3-7010-428A-82F5-53CEFCE2638E}" destId="{A4FA2BA0-D1CC-4610-A4DE-075BB7101994}" srcOrd="1" destOrd="0" parTransId="{BC0C71D7-687B-43F1-B5AD-F52B08973FBC}" sibTransId="{5266977A-69FD-4254-8911-A7782812431A}"/>
+    <dgm:cxn modelId="{0C366E83-FFEC-4ACE-AC7D-EC979CFD4948}" type="presOf" srcId="{0BD3F884-BEAE-4A60-802E-1ACA0912B203}" destId="{8640B9EB-789B-4444-B9DC-7790290D2C07}" srcOrd="0" destOrd="8" presId="urn:microsoft.com/office/officeart/2005/8/layout/default"/>
+    <dgm:cxn modelId="{B0E6AC86-728B-4984-9299-92ED2040777D}" srcId="{AA80B9C1-2179-4A62-ACC4-9F5EA694B70B}" destId="{11BD6291-F9A3-4DDE-8967-C13F0D15AA80}" srcOrd="0" destOrd="0" parTransId="{557303EC-EE34-4466-B2BD-77132CA674DD}" sibTransId="{2FE499EE-DB38-4917-A3F8-5090062AC442}"/>
+    <dgm:cxn modelId="{2AD1EB89-4737-4B70-AF2F-02A0CE7F1F77}" type="presOf" srcId="{6C0F5E92-0368-4229-A8DD-BBE98CD27283}" destId="{AC807673-F359-448D-B341-9B9E243109FE}" srcOrd="0" destOrd="3" presId="urn:microsoft.com/office/officeart/2005/8/layout/default"/>
+    <dgm:cxn modelId="{5C79888B-051A-44F9-BEE1-47C7B1D0BEF0}" srcId="{FB2E585C-A3AA-406F-9EC3-66E0BD70582D}" destId="{712B5DF3-7010-428A-82F5-53CEFCE2638E}" srcOrd="0" destOrd="0" parTransId="{2E2B2FA8-3928-4910-8CB6-C61D1A92F511}" sibTransId="{EBCD1B03-513D-4C6C-90E7-D3284A12F609}"/>
+    <dgm:cxn modelId="{9B29388E-5603-4B17-980A-1D362DA23758}" type="presOf" srcId="{8E936134-201D-476E-B86A-8E4D59612B94}" destId="{EB9CC506-1F7F-4944-8CB4-67BA271FF82E}" srcOrd="0" destOrd="0" presId="urn:microsoft.com/office/officeart/2005/8/layout/default"/>
+    <dgm:cxn modelId="{95BA8F90-4A11-4499-8F41-6C4CAFFE5FF5}" type="presOf" srcId="{2592CA12-BBA7-45D6-920C-A7EF7F09CB5C}" destId="{EB9CC506-1F7F-4944-8CB4-67BA271FF82E}" srcOrd="0" destOrd="6" presId="urn:microsoft.com/office/officeart/2005/8/layout/default"/>
+    <dgm:cxn modelId="{87F3E890-7C9D-49C1-BDF2-32CFB18122B4}" srcId="{DC0F8EDF-9F15-4F75-A641-0FF7125CFFEF}" destId="{243D106C-3D27-4BF0-932E-8D4BFCB18E07}" srcOrd="0" destOrd="0" parTransId="{4101219A-B063-458D-864E-A387B5E14D91}" sibTransId="{2311BB31-481A-4768-8425-7D9500496BD2}"/>
+    <dgm:cxn modelId="{D5052891-0C6D-4804-B693-2E13A46D9CF2}" type="presOf" srcId="{A8F1CCC8-3C0D-45FB-B6F8-5A1C2ECD9D78}" destId="{EB9CC506-1F7F-4944-8CB4-67BA271FF82E}" srcOrd="0" destOrd="2" presId="urn:microsoft.com/office/officeart/2005/8/layout/default"/>
+    <dgm:cxn modelId="{9E8A9792-7449-4867-AA62-6249D7E0C72C}" srcId="{0ED2EF8A-A277-4AE6-94F5-0C0C230E79A1}" destId="{DB0C31D2-F4C6-44F4-8684-DAC848DA8DE0}" srcOrd="1" destOrd="0" parTransId="{1625169A-B956-4B7F-ADBF-EFD1326B030B}" sibTransId="{FFD105D5-C086-40C3-AF04-A0137816AEE2}"/>
+    <dgm:cxn modelId="{4BE49B95-BC1F-46B8-A6EA-38E3E2FFB8F3}" srcId="{5B5872FC-66BA-456D-A6C3-1915186C774A}" destId="{2BB8BC78-CA02-4157-A9EC-98E98863C0E3}" srcOrd="0" destOrd="0" parTransId="{12FCE6E5-CACF-428F-A698-6951B0972874}" sibTransId="{499FB6C9-6607-453F-BCFC-0E8E350F6AD2}"/>
+    <dgm:cxn modelId="{F0A5A296-B294-4175-8A62-75C1F8DDA055}" type="presOf" srcId="{69CE8C10-1F58-4AEC-8FB6-335B4529C0ED}" destId="{8640B9EB-789B-4444-B9DC-7790290D2C07}" srcOrd="0" destOrd="5" presId="urn:microsoft.com/office/officeart/2005/8/layout/default"/>
+    <dgm:cxn modelId="{16D1B797-DCF6-4581-8117-2656DD736E63}" type="presOf" srcId="{AD65C654-A63F-4FF4-AAF3-5B7FB128007C}" destId="{EB9CC506-1F7F-4944-8CB4-67BA271FF82E}" srcOrd="0" destOrd="4" presId="urn:microsoft.com/office/officeart/2005/8/layout/default"/>
+    <dgm:cxn modelId="{B93CF49E-B06B-44FF-A0D7-F93C277BB8CC}" type="presOf" srcId="{83D5AF02-802D-4C40-B52D-F416E92B55EC}" destId="{52280505-D8A4-41F4-B6B6-F1E29295784C}" srcOrd="0" destOrd="0" presId="urn:microsoft.com/office/officeart/2005/8/layout/default"/>
+    <dgm:cxn modelId="{62CE009F-BADF-46C5-87DD-11F58B01AEB3}" srcId="{5B5872FC-66BA-456D-A6C3-1915186C774A}" destId="{8B697CEB-662E-4162-8E32-A62ED7E6377C}" srcOrd="5" destOrd="0" parTransId="{3BA2D548-982F-47AC-A37E-62610B818192}" sibTransId="{04DD075C-87CC-41B2-AE9E-ED6D442C8E6B}"/>
+    <dgm:cxn modelId="{621C66A2-81D2-4367-951B-2937E7F0C9C7}" type="presOf" srcId="{4220455F-CF1C-4436-A9B6-D518B15DEF85}" destId="{52280505-D8A4-41F4-B6B6-F1E29295784C}" srcOrd="0" destOrd="3" presId="urn:microsoft.com/office/officeart/2005/8/layout/default"/>
+    <dgm:cxn modelId="{48832CAC-8AF8-4E9A-8F8F-0F7A43C3837D}" srcId="{FB2E585C-A3AA-406F-9EC3-66E0BD70582D}" destId="{69CE8C10-1F58-4AEC-8FB6-335B4529C0ED}" srcOrd="1" destOrd="0" parTransId="{E596C08D-061B-487F-A8C2-554D85DB7D58}" sibTransId="{BD80F714-345C-4754-806F-A4C741E74A63}"/>
+    <dgm:cxn modelId="{D8F963AC-D038-4E3A-A9BE-355DBC3504E4}" type="presOf" srcId="{346F2D11-56FC-4369-A63F-6DA072EF34CB}" destId="{AC807673-F359-448D-B341-9B9E243109FE}" srcOrd="0" destOrd="6" presId="urn:microsoft.com/office/officeart/2005/8/layout/default"/>
+    <dgm:cxn modelId="{5C2FDBAE-8936-4741-B1C7-738E0B5B95E5}" srcId="{0ED2EF8A-A277-4AE6-94F5-0C0C230E79A1}" destId="{CA3DBC75-DCBA-42AD-8220-F30D3572EF4A}" srcOrd="2" destOrd="0" parTransId="{F6798128-B205-43FB-B817-863C4B72C942}" sibTransId="{BDB13328-8345-4DBB-9B76-3E408408A378}"/>
+    <dgm:cxn modelId="{4A9F14AF-BF3F-49F1-A459-C6A4651E2CFC}" srcId="{FB2E585C-A3AA-406F-9EC3-66E0BD70582D}" destId="{DC0F8EDF-9F15-4F75-A641-0FF7125CFFEF}" srcOrd="2" destOrd="0" parTransId="{F0DD10F4-E874-4DA6-9FF3-8EB742BF846D}" sibTransId="{8FBE2570-9E1D-4D2B-8FB3-4769645992D8}"/>
+    <dgm:cxn modelId="{15578EB2-ECE1-4D28-9148-793716ED3830}" type="presOf" srcId="{11BD6291-F9A3-4DDE-8967-C13F0D15AA80}" destId="{52280505-D8A4-41F4-B6B6-F1E29295784C}" srcOrd="0" destOrd="6" presId="urn:microsoft.com/office/officeart/2005/8/layout/default"/>
+    <dgm:cxn modelId="{B827CBB4-87B9-45CE-AD27-88E2CF0C8BA0}" srcId="{5B5872FC-66BA-456D-A6C3-1915186C774A}" destId="{6F9CF669-A0D9-4362-A9C0-37FCA234657A}" srcOrd="4" destOrd="0" parTransId="{492945AE-46C1-4DBF-949D-DE07408EB780}" sibTransId="{F19B8798-F375-44A2-B8E1-A0B44EA326D1}"/>
+    <dgm:cxn modelId="{C04531B5-5573-4A52-A674-5F737CFE4C83}" srcId="{8E936134-201D-476E-B86A-8E4D59612B94}" destId="{A8F1CCC8-3C0D-45FB-B6F8-5A1C2ECD9D78}" srcOrd="1" destOrd="0" parTransId="{F19D1AE3-B801-428C-8EA3-95E9D6F684B2}" sibTransId="{6267DF06-8F65-426C-A342-F0594D7334AC}"/>
+    <dgm:cxn modelId="{7922C6B5-E136-4462-BF73-D6A7F3FAB098}" type="presOf" srcId="{CA3DBC75-DCBA-42AD-8220-F30D3572EF4A}" destId="{AC807673-F359-448D-B341-9B9E243109FE}" srcOrd="0" destOrd="8" presId="urn:microsoft.com/office/officeart/2005/8/layout/default"/>
+    <dgm:cxn modelId="{C7C308B6-1180-4634-B007-21B0AA6F6F7A}" type="presOf" srcId="{AA628E68-9562-44D9-AC50-7077675A5CB5}" destId="{8640B9EB-789B-4444-B9DC-7790290D2C07}" srcOrd="0" destOrd="4" presId="urn:microsoft.com/office/officeart/2005/8/layout/default"/>
+    <dgm:cxn modelId="{6790E2BB-D51A-4DE1-882E-69C0C0DA63FF}" srcId="{CEE8FF8B-D357-4DEB-80BC-B94B691DAB5E}" destId="{FEEF5CE5-3347-471D-91D1-01A9768C7114}" srcOrd="1" destOrd="0" parTransId="{7C42BD95-9B4E-4F14-B0A5-3A546ACDEBCF}" sibTransId="{29B5D41D-0D3E-4AC0-96D6-35B8E1AE42C5}"/>
+    <dgm:cxn modelId="{CF5AD5BD-BFDD-4F52-ACC6-D37EFC5FB32A}" srcId="{5B5872FC-66BA-456D-A6C3-1915186C774A}" destId="{D0B7C232-4EE8-45BD-9762-748ACDBB1286}" srcOrd="2" destOrd="0" parTransId="{A62BC256-C77D-4D1E-9F14-AD7517EE3DD1}" sibTransId="{FF33D16E-F3F8-4F71-8D07-8911A8028C08}"/>
+    <dgm:cxn modelId="{D7E97EBF-D8A5-46CB-B290-1FF1BE6A31D2}" srcId="{83D5AF02-802D-4C40-B52D-F416E92B55EC}" destId="{CEE8FF8B-D357-4DEB-80BC-B94B691DAB5E}" srcOrd="1" destOrd="0" parTransId="{7970E5C9-246A-46E3-B429-209777172924}" sibTransId="{9D43CB03-CA37-43EA-8AFA-580877FABC06}"/>
+    <dgm:cxn modelId="{19CD79C0-5969-43D5-8D2A-A58ECA4DAB5B}" srcId="{D511AE60-EC9B-4D13-A15F-A48CD7F0FFCF}" destId="{B296EA44-76A4-4C01-B27D-F6437D60CD34}" srcOrd="0" destOrd="0" parTransId="{F40A0CB5-634B-4E26-B196-AC32BBF8E9C3}" sibTransId="{848BA754-CF0B-4006-A70D-8D22CA7F190E}"/>
+    <dgm:cxn modelId="{B0DE3FC2-F418-410F-B2E2-9462E76858F6}" srcId="{F380DE40-B004-44A1-A5F0-E6BBD7F0EFC8}" destId="{5B5872FC-66BA-456D-A6C3-1915186C774A}" srcOrd="2" destOrd="0" parTransId="{25B4FE7A-A9C4-4A5E-B22A-D5D61593B665}" sibTransId="{F535EF59-3D32-4480-AB04-451BE2BA6DFC}"/>
+    <dgm:cxn modelId="{BB82D8C2-9981-436C-A594-E3AB6302D76F}" type="presOf" srcId="{8B697CEB-662E-4162-8E32-A62ED7E6377C}" destId="{AC807673-F359-448D-B341-9B9E243109FE}" srcOrd="0" destOrd="10" presId="urn:microsoft.com/office/officeart/2005/8/layout/default"/>
+    <dgm:cxn modelId="{F1E882C3-8C89-4214-9754-290AB67360C5}" srcId="{F380DE40-B004-44A1-A5F0-E6BBD7F0EFC8}" destId="{83D5AF02-802D-4C40-B52D-F416E92B55EC}" srcOrd="1" destOrd="0" parTransId="{71F2349B-828F-4A16-8C52-27CDA4329109}" sibTransId="{852CBFA3-937E-4F01-A1E5-46793ECA39A1}"/>
+    <dgm:cxn modelId="{03276CC4-E9E5-44BD-A373-119C889AA5D5}" type="presOf" srcId="{6F9CF669-A0D9-4362-A9C0-37FCA234657A}" destId="{AC807673-F359-448D-B341-9B9E243109FE}" srcOrd="0" destOrd="9" presId="urn:microsoft.com/office/officeart/2005/8/layout/default"/>
+    <dgm:cxn modelId="{4BC1E0C8-30DE-49E1-A162-523EB1B2043A}" srcId="{DC0F8EDF-9F15-4F75-A641-0FF7125CFFEF}" destId="{0BD3F884-BEAE-4A60-802E-1ACA0912B203}" srcOrd="1" destOrd="0" parTransId="{34C46368-AF97-4F3A-86DE-BFF4F469D49F}" sibTransId="{8EE198A8-0CBB-4B67-8840-71EB72E513A6}"/>
+    <dgm:cxn modelId="{462604C9-B92E-4D1A-8783-3F23831B63D4}" srcId="{8E936134-201D-476E-B86A-8E4D59612B94}" destId="{2592CA12-BBA7-45D6-920C-A7EF7F09CB5C}" srcOrd="3" destOrd="0" parTransId="{0CBCBABA-7F5A-436B-8E4D-949341975C9A}" sibTransId="{2F24B2D2-31E9-4819-BECE-6E9D5925E044}"/>
+    <dgm:cxn modelId="{3214C7CB-F3CB-4354-9C7E-3494167682A1}" type="presOf" srcId="{B3D3CC84-56C4-4D17-B838-431658CC3ACC}" destId="{EB9CC506-1F7F-4944-8CB4-67BA271FF82E}" srcOrd="0" destOrd="1" presId="urn:microsoft.com/office/officeart/2005/8/layout/default"/>
+    <dgm:cxn modelId="{754262CE-E820-41FD-9082-F93843EE52D8}" srcId="{8E936134-201D-476E-B86A-8E4D59612B94}" destId="{B3D3CC84-56C4-4D17-B838-431658CC3ACC}" srcOrd="0" destOrd="0" parTransId="{E809BAAC-9C57-42CD-8DA6-13E0244A5755}" sibTransId="{D7162FAC-ED2A-4713-A257-CDC9ABEC840E}"/>
+    <dgm:cxn modelId="{5CA89FCF-876E-4EE3-A2C3-AC0103F65852}" type="presOf" srcId="{B296EA44-76A4-4C01-B27D-F6437D60CD34}" destId="{52280505-D8A4-41F4-B6B6-F1E29295784C}" srcOrd="0" destOrd="8" presId="urn:microsoft.com/office/officeart/2005/8/layout/default"/>
+    <dgm:cxn modelId="{9BBF46D0-E7F7-4880-93B6-73431E0B09B6}" type="presOf" srcId="{F380DE40-B004-44A1-A5F0-E6BBD7F0EFC8}" destId="{CC88708B-5E42-4ACF-97D8-FA05E672E144}" srcOrd="0" destOrd="0" presId="urn:microsoft.com/office/officeart/2005/8/layout/default"/>
+    <dgm:cxn modelId="{A18EC1D1-8A90-4871-A81D-A100F4220FDC}" type="presOf" srcId="{DB0C31D2-F4C6-44F4-8684-DAC848DA8DE0}" destId="{AC807673-F359-448D-B341-9B9E243109FE}" srcOrd="0" destOrd="7" presId="urn:microsoft.com/office/officeart/2005/8/layout/default"/>
+    <dgm:cxn modelId="{B371BCD6-434B-4EB8-A417-DC00AC6A2C0F}" type="presOf" srcId="{FB2E585C-A3AA-406F-9EC3-66E0BD70582D}" destId="{8640B9EB-789B-4444-B9DC-7790290D2C07}" srcOrd="0" destOrd="0" presId="urn:microsoft.com/office/officeart/2005/8/layout/default"/>
+    <dgm:cxn modelId="{8CBE10DE-FE8D-46C7-917C-F7C5663F56D4}" type="presOf" srcId="{F3EBB9B1-9F15-41E0-B8B6-D25F43C02F21}" destId="{EB9CC506-1F7F-4944-8CB4-67BA271FF82E}" srcOrd="0" destOrd="5" presId="urn:microsoft.com/office/officeart/2005/8/layout/default"/>
+    <dgm:cxn modelId="{85B25EE0-DF32-4941-8995-8E76C7E465D9}" type="presOf" srcId="{FEEF5CE5-3347-471D-91D1-01A9768C7114}" destId="{52280505-D8A4-41F4-B6B6-F1E29295784C}" srcOrd="0" destOrd="4" presId="urn:microsoft.com/office/officeart/2005/8/layout/default"/>
+    <dgm:cxn modelId="{8AB293E2-D550-45A1-97D4-6C77F1C570E6}" srcId="{83D5AF02-802D-4C40-B52D-F416E92B55EC}" destId="{EABA2467-003C-444A-BCFD-6518F779D93A}" srcOrd="0" destOrd="0" parTransId="{1D9340F1-5880-4F88-B96F-B2B3E90E513C}" sibTransId="{7B175822-9B72-4CCF-9934-2636D69D88D3}"/>
+    <dgm:cxn modelId="{38BDA5E2-737E-4DEC-8B41-528DDFA26AD7}" type="presOf" srcId="{142219EC-7604-4374-A9DB-6DD05AA3EB05}" destId="{EB9CC506-1F7F-4944-8CB4-67BA271FF82E}" srcOrd="0" destOrd="8" presId="urn:microsoft.com/office/officeart/2005/8/layout/default"/>
+    <dgm:cxn modelId="{25B7CFE3-62B6-4494-B6D3-772274BB08CB}" type="presOf" srcId="{DC0F8EDF-9F15-4F75-A641-0FF7125CFFEF}" destId="{8640B9EB-789B-4444-B9DC-7790290D2C07}" srcOrd="0" destOrd="6" presId="urn:microsoft.com/office/officeart/2005/8/layout/default"/>
+    <dgm:cxn modelId="{B90B58E6-2D7B-45B5-8B00-BB658F2D8D51}" srcId="{F380DE40-B004-44A1-A5F0-E6BBD7F0EFC8}" destId="{FB2E585C-A3AA-406F-9EC3-66E0BD70582D}" srcOrd="0" destOrd="0" parTransId="{E36C1B7A-E804-4427-AFA3-B148B0A34A5E}" sibTransId="{BAD14C3A-FAEA-4A40-A398-9DE0CD762DCC}"/>
+    <dgm:cxn modelId="{1DB6B1EB-064B-480C-B1FB-1FDD4284FA71}" srcId="{8E936134-201D-476E-B86A-8E4D59612B94}" destId="{C3DAB90A-0E6D-470F-BD4A-95F88E847D18}" srcOrd="4" destOrd="0" parTransId="{E912C795-F4F4-4779-8E92-46C866BB2267}" sibTransId="{39D821A3-7086-4973-9D7B-CF1A87E5EC53}"/>
+    <dgm:cxn modelId="{56554AF0-E6DD-46B4-B95F-EC29F454D32C}" type="presOf" srcId="{D511AE60-EC9B-4D13-A15F-A48CD7F0FFCF}" destId="{52280505-D8A4-41F4-B6B6-F1E29295784C}" srcOrd="0" destOrd="7" presId="urn:microsoft.com/office/officeart/2005/8/layout/default"/>
+    <dgm:cxn modelId="{08A003F7-73E8-4E75-9520-701842EE5022}" type="presOf" srcId="{2BB8BC78-CA02-4157-A9EC-98E98863C0E3}" destId="{AC807673-F359-448D-B341-9B9E243109FE}" srcOrd="0" destOrd="1" presId="urn:microsoft.com/office/officeart/2005/8/layout/default"/>
+    <dgm:cxn modelId="{62C47CFC-ABDA-4F70-BB5A-451816E2F7FB}" srcId="{8E936134-201D-476E-B86A-8E4D59612B94}" destId="{254E1A88-57B1-4E74-8EBE-15ABF9D88055}" srcOrd="2" destOrd="0" parTransId="{D0DCB45D-5079-48EC-8514-387E8BD00F48}" sibTransId="{D04BFCAD-2967-41E6-88A9-3966F5E84E1D}"/>
+    <dgm:cxn modelId="{9F04AEFC-D642-47C2-BE5A-F260D96E4AB4}" srcId="{F380DE40-B004-44A1-A5F0-E6BBD7F0EFC8}" destId="{8E936134-201D-476E-B86A-8E4D59612B94}" srcOrd="3" destOrd="0" parTransId="{C8E203FE-C48B-42B2-B0FA-8D3BBFE03A78}" sibTransId="{04912C30-D5BB-4F5F-9D7F-6FE6F038623F}"/>
+    <dgm:cxn modelId="{C8E64037-5712-402D-B700-4F8C1EA0C005}" type="presParOf" srcId="{CC88708B-5E42-4ACF-97D8-FA05E672E144}" destId="{8640B9EB-789B-4444-B9DC-7790290D2C07}" srcOrd="0" destOrd="0" presId="urn:microsoft.com/office/officeart/2005/8/layout/default"/>
+    <dgm:cxn modelId="{07384BE6-682D-4D9B-9AE3-159A1DF01E99}" type="presParOf" srcId="{CC88708B-5E42-4ACF-97D8-FA05E672E144}" destId="{05F293C1-EF1F-4428-A151-A39ADF7C9FC3}" srcOrd="1" destOrd="0" presId="urn:microsoft.com/office/officeart/2005/8/layout/default"/>
+    <dgm:cxn modelId="{CCF6E78B-20EB-44A3-9641-563185AA8F5D}" type="presParOf" srcId="{CC88708B-5E42-4ACF-97D8-FA05E672E144}" destId="{52280505-D8A4-41F4-B6B6-F1E29295784C}" srcOrd="2" destOrd="0" presId="urn:microsoft.com/office/officeart/2005/8/layout/default"/>
+    <dgm:cxn modelId="{40155DBB-6DAD-4AF9-AD83-FF0F829FBF9D}" type="presParOf" srcId="{CC88708B-5E42-4ACF-97D8-FA05E672E144}" destId="{50579382-4A25-4F89-A74C-44CC2D6E4F90}" srcOrd="3" destOrd="0" presId="urn:microsoft.com/office/officeart/2005/8/layout/default"/>
+    <dgm:cxn modelId="{C58E9433-2630-4B5F-9624-ABBEC9381727}" type="presParOf" srcId="{CC88708B-5E42-4ACF-97D8-FA05E672E144}" destId="{AC807673-F359-448D-B341-9B9E243109FE}" srcOrd="4" destOrd="0" presId="urn:microsoft.com/office/officeart/2005/8/layout/default"/>
+    <dgm:cxn modelId="{76F83042-E0F1-483B-BF28-4A684C5C1ED2}" type="presParOf" srcId="{CC88708B-5E42-4ACF-97D8-FA05E672E144}" destId="{4B90F0BA-45ED-437F-8A43-66FF8C0AE6D9}" srcOrd="5" destOrd="0" presId="urn:microsoft.com/office/officeart/2005/8/layout/default"/>
+    <dgm:cxn modelId="{853FE610-8320-46D1-8BF0-A958BD5DE3E5}" type="presParOf" srcId="{CC88708B-5E42-4ACF-97D8-FA05E672E144}" destId="{EB9CC506-1F7F-4944-8CB4-67BA271FF82E}" srcOrd="6" destOrd="0" presId="urn:microsoft.com/office/officeart/2005/8/layout/default"/>
+  </dgm:cxnLst>
+  <dgm:bg/>
+  <dgm:whole/>
+  <dgm:extLst>
+    <a:ext uri="http://schemas.microsoft.com/office/drawing/2008/diagram">
+      <dsp:dataModelExt xmlns:dsp="http://schemas.microsoft.com/office/drawing/2008/diagram" relId="rId6" minVer="http://schemas.openxmlformats.org/drawingml/2006/diagram"/>
+    </a:ext>
+  </dgm:extLst>
+</dgm:dataModel>
+</file>
+
+<file path=ppt/diagrams/drawing1.xml><?xml version="1.0" encoding="utf-8"?>
+<dsp:drawing xmlns:dgm="http://schemas.openxmlformats.org/drawingml/2006/diagram" xmlns:dsp="http://schemas.microsoft.com/office/drawing/2008/diagram" xmlns:a="http://schemas.openxmlformats.org/drawingml/2006/main">
+  <dsp:spTree>
+    <dsp:nvGrpSpPr>
+      <dsp:cNvPr id="0" name=""/>
+      <dsp:cNvGrpSpPr/>
+    </dsp:nvGrpSpPr>
+    <dsp:grpSpPr/>
+    <dsp:sp modelId="{8640B9EB-789B-4444-B9DC-7790290D2C07}">
+      <dsp:nvSpPr>
+        <dsp:cNvPr id="0" name=""/>
+        <dsp:cNvSpPr/>
+      </dsp:nvSpPr>
+      <dsp:spPr>
+        <a:xfrm>
+          <a:off x="910605" y="372"/>
+          <a:ext cx="3487043" cy="2092226"/>
+        </a:xfrm>
+        <a:prstGeom prst="rect">
+          <a:avLst/>
+        </a:prstGeom>
+        <a:solidFill>
+          <a:schemeClr val="accent2">
+            <a:hueOff val="0"/>
+            <a:satOff val="0"/>
+            <a:lumOff val="0"/>
+            <a:alphaOff val="0"/>
+          </a:schemeClr>
+        </a:solidFill>
+        <a:ln w="25400" cap="flat" cmpd="sng" algn="ctr">
+          <a:solidFill>
+            <a:schemeClr val="lt1">
+              <a:hueOff val="0"/>
+              <a:satOff val="0"/>
+              <a:lumOff val="0"/>
+              <a:alphaOff val="0"/>
+            </a:schemeClr>
+          </a:solidFill>
+          <a:prstDash val="solid"/>
+        </a:ln>
+        <a:effectLst/>
+      </dsp:spPr>
+      <dsp:style>
+        <a:lnRef idx="2">
+          <a:scrgbClr r="0" g="0" b="0"/>
+        </a:lnRef>
+        <a:fillRef idx="1">
+          <a:scrgbClr r="0" g="0" b="0"/>
+        </a:fillRef>
+        <a:effectRef idx="0">
+          <a:scrgbClr r="0" g="0" b="0"/>
+        </a:effectRef>
+        <a:fontRef idx="minor">
+          <a:schemeClr val="lt1"/>
+        </a:fontRef>
+      </dsp:style>
+      <dsp:txBody>
+        <a:bodyPr spcFirstLastPara="0" vert="horz" wrap="square" lIns="49530" tIns="49530" rIns="49530" bIns="49530" numCol="1" spcCol="1270" anchor="t" anchorCtr="0">
+          <a:noAutofit/>
+        </a:bodyPr>
+        <a:lstStyle/>
+        <a:p>
+          <a:pPr marL="0" lvl="0" indent="0" algn="ctr" defTabSz="577850">
+            <a:lnSpc>
+              <a:spcPct val="90000"/>
+            </a:lnSpc>
+            <a:spcBef>
+              <a:spcPct val="0"/>
+            </a:spcBef>
+            <a:spcAft>
+              <a:spcPct val="35000"/>
+            </a:spcAft>
+            <a:buNone/>
+          </a:pPr>
+          <a:r>
+            <a:rPr lang="en-US" sz="1300" kern="1200" dirty="0"/>
+            <a:t>Data Platform</a:t>
+          </a:r>
+        </a:p>
+        <a:p>
+          <a:pPr marL="57150" lvl="1" indent="-57150" algn="l" defTabSz="444500">
+            <a:lnSpc>
+              <a:spcPct val="90000"/>
+            </a:lnSpc>
+            <a:spcBef>
+              <a:spcPct val="0"/>
+            </a:spcBef>
+            <a:spcAft>
+              <a:spcPct val="15000"/>
+            </a:spcAft>
+            <a:buChar char="•"/>
+          </a:pPr>
+          <a:r>
+            <a:rPr lang="en-US" sz="1000" kern="1200" dirty="0"/>
+            <a:t>Explore data storage solutions</a:t>
+          </a:r>
+        </a:p>
+        <a:p>
+          <a:pPr marL="114300" lvl="2" indent="-57150" algn="l" defTabSz="444500">
+            <a:lnSpc>
+              <a:spcPct val="90000"/>
+            </a:lnSpc>
+            <a:spcBef>
+              <a:spcPct val="0"/>
+            </a:spcBef>
+            <a:spcAft>
+              <a:spcPct val="15000"/>
+            </a:spcAft>
+            <a:buChar char="•"/>
+          </a:pPr>
+          <a:r>
+            <a:rPr lang="en-US" sz="1000" kern="1200" dirty="0"/>
+            <a:t>Azure Storage</a:t>
+          </a:r>
+        </a:p>
+        <a:p>
+          <a:pPr marL="114300" lvl="2" indent="-57150" algn="l" defTabSz="444500">
+            <a:lnSpc>
+              <a:spcPct val="90000"/>
+            </a:lnSpc>
+            <a:spcBef>
+              <a:spcPct val="0"/>
+            </a:spcBef>
+            <a:spcAft>
+              <a:spcPct val="15000"/>
+            </a:spcAft>
+            <a:buChar char="•"/>
+          </a:pPr>
+          <a:r>
+            <a:rPr lang="en-US" sz="1000" kern="1200" dirty="0"/>
+            <a:t>Azure SQL Databases</a:t>
+          </a:r>
+        </a:p>
+        <a:p>
+          <a:pPr marL="114300" lvl="2" indent="-57150" algn="l" defTabSz="444500">
+            <a:lnSpc>
+              <a:spcPct val="90000"/>
+            </a:lnSpc>
+            <a:spcBef>
+              <a:spcPct val="0"/>
+            </a:spcBef>
+            <a:spcAft>
+              <a:spcPct val="15000"/>
+            </a:spcAft>
+            <a:buChar char="•"/>
+          </a:pPr>
+          <a:r>
+            <a:rPr lang="en-US" sz="1000" kern="1200" dirty="0"/>
+            <a:t>Data Warehouses (Azure Synapse)</a:t>
+          </a:r>
+        </a:p>
+        <a:p>
+          <a:pPr marL="57150" lvl="1" indent="-57150" algn="l" defTabSz="444500">
+            <a:lnSpc>
+              <a:spcPct val="90000"/>
+            </a:lnSpc>
+            <a:spcBef>
+              <a:spcPct val="0"/>
+            </a:spcBef>
+            <a:spcAft>
+              <a:spcPct val="15000"/>
+            </a:spcAft>
+            <a:buChar char="•"/>
+          </a:pPr>
+          <a:r>
+            <a:rPr lang="en-US" sz="1000" kern="1200" dirty="0"/>
+            <a:t>Understand data lake-centric design and medallion architecture</a:t>
+          </a:r>
+        </a:p>
+        <a:p>
+          <a:pPr marL="57150" lvl="1" indent="-57150" algn="l" defTabSz="444500">
+            <a:lnSpc>
+              <a:spcPct val="90000"/>
+            </a:lnSpc>
+            <a:spcBef>
+              <a:spcPct val="0"/>
+            </a:spcBef>
+            <a:spcAft>
+              <a:spcPct val="15000"/>
+            </a:spcAft>
+            <a:buChar char="•"/>
+          </a:pPr>
+          <a:r>
+            <a:rPr lang="en-US" sz="1000" kern="1200" dirty="0"/>
+            <a:t>Create data pipelines to get data into the cloud</a:t>
+          </a:r>
+        </a:p>
+        <a:p>
+          <a:pPr marL="114300" lvl="2" indent="-57150" algn="l" defTabSz="444500">
+            <a:lnSpc>
+              <a:spcPct val="90000"/>
+            </a:lnSpc>
+            <a:spcBef>
+              <a:spcPct val="0"/>
+            </a:spcBef>
+            <a:spcAft>
+              <a:spcPct val="15000"/>
+            </a:spcAft>
+            <a:buChar char="•"/>
+          </a:pPr>
+          <a:r>
+            <a:rPr lang="en-US" sz="1000" kern="1200" dirty="0"/>
+            <a:t>Azure Data Factory</a:t>
+          </a:r>
+        </a:p>
+        <a:p>
+          <a:pPr marL="114300" lvl="2" indent="-57150" algn="l" defTabSz="444500">
+            <a:lnSpc>
+              <a:spcPct val="90000"/>
+            </a:lnSpc>
+            <a:spcBef>
+              <a:spcPct val="0"/>
+            </a:spcBef>
+            <a:spcAft>
+              <a:spcPct val="15000"/>
+            </a:spcAft>
+            <a:buChar char="•"/>
+          </a:pPr>
+          <a:r>
+            <a:rPr lang="en-US" sz="1000" kern="1200" dirty="0"/>
+            <a:t>Azure Storage SDK</a:t>
+          </a:r>
+        </a:p>
+      </dsp:txBody>
+      <dsp:txXfrm>
+        <a:off x="910605" y="372"/>
+        <a:ext cx="3487043" cy="2092226"/>
+      </dsp:txXfrm>
+    </dsp:sp>
+    <dsp:sp modelId="{52280505-D8A4-41F4-B6B6-F1E29295784C}">
+      <dsp:nvSpPr>
+        <dsp:cNvPr id="0" name=""/>
+        <dsp:cNvSpPr/>
+      </dsp:nvSpPr>
+      <dsp:spPr>
+        <a:xfrm>
+          <a:off x="4746353" y="372"/>
+          <a:ext cx="3487043" cy="2092226"/>
+        </a:xfrm>
+        <a:prstGeom prst="rect">
+          <a:avLst/>
+        </a:prstGeom>
+        <a:solidFill>
+          <a:schemeClr val="accent3">
+            <a:hueOff val="0"/>
+            <a:satOff val="0"/>
+            <a:lumOff val="0"/>
+            <a:alphaOff val="0"/>
+          </a:schemeClr>
+        </a:solidFill>
+        <a:ln w="25400" cap="flat" cmpd="sng" algn="ctr">
+          <a:solidFill>
+            <a:schemeClr val="lt1">
+              <a:hueOff val="0"/>
+              <a:satOff val="0"/>
+              <a:lumOff val="0"/>
+              <a:alphaOff val="0"/>
+            </a:schemeClr>
+          </a:solidFill>
+          <a:prstDash val="solid"/>
+        </a:ln>
+        <a:effectLst/>
+      </dsp:spPr>
+      <dsp:style>
+        <a:lnRef idx="2">
+          <a:scrgbClr r="0" g="0" b="0"/>
+        </a:lnRef>
+        <a:fillRef idx="1">
+          <a:scrgbClr r="0" g="0" b="0"/>
+        </a:fillRef>
+        <a:effectRef idx="0">
+          <a:scrgbClr r="0" g="0" b="0"/>
+        </a:effectRef>
+        <a:fontRef idx="minor">
+          <a:schemeClr val="lt1"/>
+        </a:fontRef>
+      </dsp:style>
+      <dsp:txBody>
+        <a:bodyPr spcFirstLastPara="0" vert="horz" wrap="square" lIns="49530" tIns="49530" rIns="49530" bIns="49530" numCol="1" spcCol="1270" anchor="t" anchorCtr="0">
+          <a:noAutofit/>
+        </a:bodyPr>
+        <a:lstStyle/>
+        <a:p>
+          <a:pPr marL="0" lvl="0" indent="0" algn="ctr" defTabSz="577850">
+            <a:lnSpc>
+              <a:spcPct val="90000"/>
+            </a:lnSpc>
+            <a:spcBef>
+              <a:spcPct val="0"/>
+            </a:spcBef>
+            <a:spcAft>
+              <a:spcPct val="35000"/>
+            </a:spcAft>
+            <a:buNone/>
+          </a:pPr>
+          <a:r>
+            <a:rPr lang="en-US" sz="1300" kern="1200" dirty="0"/>
+            <a:t>Distributed Computing</a:t>
+          </a:r>
+        </a:p>
+        <a:p>
+          <a:pPr marL="57150" lvl="1" indent="-57150" algn="l" defTabSz="444500">
+            <a:lnSpc>
+              <a:spcPct val="90000"/>
+            </a:lnSpc>
+            <a:spcBef>
+              <a:spcPct val="0"/>
+            </a:spcBef>
+            <a:spcAft>
+              <a:spcPct val="15000"/>
+            </a:spcAft>
+            <a:buChar char="•"/>
+          </a:pPr>
+          <a:r>
+            <a:rPr lang="en-US" sz="1000" kern="1200" dirty="0"/>
+            <a:t>Create </a:t>
+          </a:r>
+          <a:r>
+            <a:rPr lang="en-US" sz="1000" kern="1200" dirty="0" err="1"/>
+            <a:t>Dockerfiles</a:t>
+          </a:r>
+          <a:r>
+            <a:rPr lang="en-US" sz="1000" kern="1200" dirty="0"/>
+            <a:t> and build Docker images</a:t>
+          </a:r>
+        </a:p>
+        <a:p>
+          <a:pPr marL="57150" lvl="1" indent="-57150" algn="l" defTabSz="444500">
+            <a:lnSpc>
+              <a:spcPct val="90000"/>
+            </a:lnSpc>
+            <a:spcBef>
+              <a:spcPct val="0"/>
+            </a:spcBef>
+            <a:spcAft>
+              <a:spcPct val="15000"/>
+            </a:spcAft>
+            <a:buChar char="•"/>
+          </a:pPr>
+          <a:r>
+            <a:rPr lang="en-US" sz="1000" kern="1200" dirty="0"/>
+            <a:t>Push and pull from container registries</a:t>
+          </a:r>
+        </a:p>
+        <a:p>
+          <a:pPr marL="114300" lvl="2" indent="-57150" algn="l" defTabSz="444500">
+            <a:lnSpc>
+              <a:spcPct val="90000"/>
+            </a:lnSpc>
+            <a:spcBef>
+              <a:spcPct val="0"/>
+            </a:spcBef>
+            <a:spcAft>
+              <a:spcPct val="15000"/>
+            </a:spcAft>
+            <a:buChar char="•"/>
+          </a:pPr>
+          <a:r>
+            <a:rPr lang="en-US" sz="1000" kern="1200" dirty="0"/>
+            <a:t>Azure Container Registry</a:t>
+          </a:r>
+        </a:p>
+        <a:p>
+          <a:pPr marL="114300" lvl="2" indent="-57150" algn="l" defTabSz="444500">
+            <a:lnSpc>
+              <a:spcPct val="90000"/>
+            </a:lnSpc>
+            <a:spcBef>
+              <a:spcPct val="0"/>
+            </a:spcBef>
+            <a:spcAft>
+              <a:spcPct val="15000"/>
+            </a:spcAft>
+            <a:buChar char="•"/>
+          </a:pPr>
+          <a:r>
+            <a:rPr lang="en-US" sz="1000" kern="1200" dirty="0"/>
+            <a:t>Docker Hub</a:t>
+          </a:r>
+        </a:p>
+        <a:p>
+          <a:pPr marL="57150" lvl="1" indent="-57150" algn="l" defTabSz="444500">
+            <a:lnSpc>
+              <a:spcPct val="90000"/>
+            </a:lnSpc>
+            <a:spcBef>
+              <a:spcPct val="0"/>
+            </a:spcBef>
+            <a:spcAft>
+              <a:spcPct val="15000"/>
+            </a:spcAft>
+            <a:buChar char="•"/>
+          </a:pPr>
+          <a:r>
+            <a:rPr lang="en-US" sz="1000" kern="1200" dirty="0"/>
+            <a:t>Orchestrate containers in Kubernetes</a:t>
+          </a:r>
+        </a:p>
+        <a:p>
+          <a:pPr marL="114300" lvl="2" indent="-57150" algn="l" defTabSz="444500">
+            <a:lnSpc>
+              <a:spcPct val="90000"/>
+            </a:lnSpc>
+            <a:spcBef>
+              <a:spcPct val="0"/>
+            </a:spcBef>
+            <a:spcAft>
+              <a:spcPct val="15000"/>
+            </a:spcAft>
+            <a:buChar char="•"/>
+          </a:pPr>
+          <a:r>
+            <a:rPr lang="en-US" sz="1000" kern="1200" dirty="0"/>
+            <a:t>Azure Kubernetes Service (+ </a:t>
+          </a:r>
+          <a:r>
+            <a:rPr lang="en-US" sz="1000" kern="1200" dirty="0" err="1"/>
+            <a:t>kubectl</a:t>
+          </a:r>
+          <a:r>
+            <a:rPr lang="en-US" sz="1000" kern="1200" dirty="0"/>
+            <a:t>)</a:t>
+          </a:r>
+        </a:p>
+        <a:p>
+          <a:pPr marL="57150" lvl="1" indent="-57150" algn="l" defTabSz="444500">
+            <a:lnSpc>
+              <a:spcPct val="90000"/>
+            </a:lnSpc>
+            <a:spcBef>
+              <a:spcPct val="0"/>
+            </a:spcBef>
+            <a:spcAft>
+              <a:spcPct val="15000"/>
+            </a:spcAft>
+            <a:buChar char="•"/>
+          </a:pPr>
+          <a:r>
+            <a:rPr lang="en-US" sz="1000" kern="1200" dirty="0"/>
+            <a:t>Utilize Apache Spark for distributed data preparation and ML</a:t>
+          </a:r>
+        </a:p>
+        <a:p>
+          <a:pPr marL="114300" lvl="2" indent="-57150" algn="l" defTabSz="444500">
+            <a:lnSpc>
+              <a:spcPct val="90000"/>
+            </a:lnSpc>
+            <a:spcBef>
+              <a:spcPct val="0"/>
+            </a:spcBef>
+            <a:spcAft>
+              <a:spcPct val="15000"/>
+            </a:spcAft>
+            <a:buChar char="•"/>
+          </a:pPr>
+          <a:r>
+            <a:rPr lang="en-US" sz="1000" kern="1200" dirty="0"/>
+            <a:t>Databricks (Spark SQL + </a:t>
+          </a:r>
+          <a:r>
+            <a:rPr lang="en-US" sz="1000" kern="1200" dirty="0" err="1"/>
+            <a:t>MLlib</a:t>
+          </a:r>
+          <a:r>
+            <a:rPr lang="en-US" sz="1000" kern="1200" dirty="0"/>
+            <a:t>)</a:t>
+          </a:r>
+        </a:p>
+      </dsp:txBody>
+      <dsp:txXfrm>
+        <a:off x="4746353" y="372"/>
+        <a:ext cx="3487043" cy="2092226"/>
+      </dsp:txXfrm>
+    </dsp:sp>
+    <dsp:sp modelId="{AC807673-F359-448D-B341-9B9E243109FE}">
+      <dsp:nvSpPr>
+        <dsp:cNvPr id="0" name=""/>
+        <dsp:cNvSpPr/>
+      </dsp:nvSpPr>
+      <dsp:spPr>
+        <a:xfrm>
+          <a:off x="910605" y="2441303"/>
+          <a:ext cx="3487043" cy="2092226"/>
+        </a:xfrm>
+        <a:prstGeom prst="rect">
+          <a:avLst/>
+        </a:prstGeom>
+        <a:solidFill>
+          <a:schemeClr val="accent4">
+            <a:hueOff val="0"/>
+            <a:satOff val="0"/>
+            <a:lumOff val="0"/>
+            <a:alphaOff val="0"/>
+          </a:schemeClr>
+        </a:solidFill>
+        <a:ln w="25400" cap="flat" cmpd="sng" algn="ctr">
+          <a:solidFill>
+            <a:schemeClr val="lt1">
+              <a:hueOff val="0"/>
+              <a:satOff val="0"/>
+              <a:lumOff val="0"/>
+              <a:alphaOff val="0"/>
+            </a:schemeClr>
+          </a:solidFill>
+          <a:prstDash val="solid"/>
+        </a:ln>
+        <a:effectLst/>
+      </dsp:spPr>
+      <dsp:style>
+        <a:lnRef idx="2">
+          <a:scrgbClr r="0" g="0" b="0"/>
+        </a:lnRef>
+        <a:fillRef idx="1">
+          <a:scrgbClr r="0" g="0" b="0"/>
+        </a:fillRef>
+        <a:effectRef idx="0">
+          <a:scrgbClr r="0" g="0" b="0"/>
+        </a:effectRef>
+        <a:fontRef idx="minor">
+          <a:schemeClr val="lt1"/>
+        </a:fontRef>
+      </dsp:style>
+      <dsp:txBody>
+        <a:bodyPr spcFirstLastPara="0" vert="horz" wrap="square" lIns="49530" tIns="49530" rIns="49530" bIns="49530" numCol="1" spcCol="1270" anchor="t" anchorCtr="0">
+          <a:noAutofit/>
+        </a:bodyPr>
+        <a:lstStyle/>
+        <a:p>
+          <a:pPr marL="0" lvl="0" indent="0" algn="ctr" defTabSz="577850">
+            <a:lnSpc>
+              <a:spcPct val="90000"/>
+            </a:lnSpc>
+            <a:spcBef>
+              <a:spcPct val="0"/>
+            </a:spcBef>
+            <a:spcAft>
+              <a:spcPct val="35000"/>
+            </a:spcAft>
+            <a:buNone/>
+          </a:pPr>
+          <a:r>
+            <a:rPr lang="en-US" sz="1300" kern="1200" dirty="0"/>
+            <a:t>Machine Learning / AI</a:t>
+          </a:r>
+        </a:p>
+        <a:p>
+          <a:pPr marL="57150" lvl="1" indent="-57150" algn="l" defTabSz="444500">
+            <a:lnSpc>
+              <a:spcPct val="90000"/>
+            </a:lnSpc>
+            <a:spcBef>
+              <a:spcPct val="0"/>
+            </a:spcBef>
+            <a:spcAft>
+              <a:spcPct val="15000"/>
+            </a:spcAft>
+            <a:buChar char="•"/>
+          </a:pPr>
+          <a:r>
+            <a:rPr lang="en-US" sz="1000" kern="1200" dirty="0"/>
+            <a:t>Understand the cloud ML life cycle for model management</a:t>
+          </a:r>
+        </a:p>
+        <a:p>
+          <a:pPr marL="114300" lvl="2" indent="-57150" algn="l" defTabSz="444500">
+            <a:lnSpc>
+              <a:spcPct val="90000"/>
+            </a:lnSpc>
+            <a:spcBef>
+              <a:spcPct val="0"/>
+            </a:spcBef>
+            <a:spcAft>
+              <a:spcPct val="15000"/>
+            </a:spcAft>
+            <a:buChar char="•"/>
+          </a:pPr>
+          <a:r>
+            <a:rPr lang="en-US" sz="1000" kern="1200" dirty="0"/>
+            <a:t>Azure ML Studio (+ SDK)</a:t>
+          </a:r>
+        </a:p>
+        <a:p>
+          <a:pPr marL="57150" lvl="1" indent="-57150" algn="l" defTabSz="444500">
+            <a:lnSpc>
+              <a:spcPct val="90000"/>
+            </a:lnSpc>
+            <a:spcBef>
+              <a:spcPct val="0"/>
+            </a:spcBef>
+            <a:spcAft>
+              <a:spcPct val="15000"/>
+            </a:spcAft>
+            <a:buChar char="•"/>
+          </a:pPr>
+          <a:r>
+            <a:rPr lang="en-US" sz="1000" kern="1200" dirty="0"/>
+            <a:t>Use </a:t>
+          </a:r>
+          <a:r>
+            <a:rPr lang="en-US" sz="1000" kern="1200" dirty="0" err="1"/>
+            <a:t>AutoML</a:t>
+          </a:r>
+          <a:r>
+            <a:rPr lang="en-US" sz="1000" kern="1200" dirty="0"/>
+            <a:t> to train multiple models</a:t>
+          </a:r>
+        </a:p>
+        <a:p>
+          <a:pPr marL="57150" lvl="1" indent="-57150" algn="l" defTabSz="444500">
+            <a:lnSpc>
+              <a:spcPct val="90000"/>
+            </a:lnSpc>
+            <a:spcBef>
+              <a:spcPct val="0"/>
+            </a:spcBef>
+            <a:spcAft>
+              <a:spcPct val="15000"/>
+            </a:spcAft>
+            <a:buChar char="•"/>
+          </a:pPr>
+          <a:r>
+            <a:rPr lang="en-US" sz="1000" kern="1200" dirty="0"/>
+            <a:t>Deploy a model as a real-time API endpoint</a:t>
+          </a:r>
+        </a:p>
+        <a:p>
+          <a:pPr marL="57150" lvl="1" indent="-57150" algn="l" defTabSz="444500">
+            <a:lnSpc>
+              <a:spcPct val="90000"/>
+            </a:lnSpc>
+            <a:spcBef>
+              <a:spcPct val="0"/>
+            </a:spcBef>
+            <a:spcAft>
+              <a:spcPct val="15000"/>
+            </a:spcAft>
+            <a:buChar char="•"/>
+          </a:pPr>
+          <a:r>
+            <a:rPr lang="en-US" sz="1000" kern="1200" dirty="0"/>
+            <a:t>Utilize deployed AI model endpoints</a:t>
+          </a:r>
+        </a:p>
+        <a:p>
+          <a:pPr marL="114300" lvl="2" indent="-57150" algn="l" defTabSz="444500">
+            <a:lnSpc>
+              <a:spcPct val="90000"/>
+            </a:lnSpc>
+            <a:spcBef>
+              <a:spcPct val="0"/>
+            </a:spcBef>
+            <a:spcAft>
+              <a:spcPct val="15000"/>
+            </a:spcAft>
+            <a:buChar char="•"/>
+          </a:pPr>
+          <a:r>
+            <a:rPr lang="en-US" sz="1000" kern="1200" dirty="0"/>
+            <a:t>Azure AI Foundry</a:t>
+          </a:r>
+        </a:p>
+        <a:p>
+          <a:pPr marL="114300" lvl="2" indent="-57150" algn="l" defTabSz="444500">
+            <a:lnSpc>
+              <a:spcPct val="90000"/>
+            </a:lnSpc>
+            <a:spcBef>
+              <a:spcPct val="0"/>
+            </a:spcBef>
+            <a:spcAft>
+              <a:spcPct val="15000"/>
+            </a:spcAft>
+            <a:buChar char="•"/>
+          </a:pPr>
+          <a:r>
+            <a:rPr lang="en-US" sz="1000" kern="1200" dirty="0"/>
+            <a:t>Azure OpenAI</a:t>
+          </a:r>
+        </a:p>
+        <a:p>
+          <a:pPr marL="114300" lvl="2" indent="-57150" algn="l" defTabSz="444500">
+            <a:lnSpc>
+              <a:spcPct val="90000"/>
+            </a:lnSpc>
+            <a:spcBef>
+              <a:spcPct val="0"/>
+            </a:spcBef>
+            <a:spcAft>
+              <a:spcPct val="15000"/>
+            </a:spcAft>
+            <a:buChar char="•"/>
+          </a:pPr>
+          <a:r>
+            <a:rPr lang="en-US" sz="1000" kern="1200" dirty="0"/>
+            <a:t>Hugging Face, </a:t>
+          </a:r>
+          <a:r>
+            <a:rPr lang="en-US" sz="1000" kern="1200" dirty="0" err="1"/>
+            <a:t>Ollama</a:t>
+          </a:r>
+          <a:r>
+            <a:rPr lang="en-US" sz="1000" kern="1200" dirty="0"/>
+            <a:t>, etc.</a:t>
+          </a:r>
+        </a:p>
+        <a:p>
+          <a:pPr marL="57150" lvl="1" indent="-57150" algn="l" defTabSz="444500">
+            <a:lnSpc>
+              <a:spcPct val="90000"/>
+            </a:lnSpc>
+            <a:spcBef>
+              <a:spcPct val="0"/>
+            </a:spcBef>
+            <a:spcAft>
+              <a:spcPct val="15000"/>
+            </a:spcAft>
+            <a:buChar char="•"/>
+          </a:pPr>
+          <a:r>
+            <a:rPr lang="en-US" sz="1000" kern="1200" dirty="0"/>
+            <a:t>Customize agent behavior using system prompts</a:t>
+          </a:r>
+        </a:p>
+        <a:p>
+          <a:pPr marL="57150" lvl="1" indent="-57150" algn="l" defTabSz="444500">
+            <a:lnSpc>
+              <a:spcPct val="90000"/>
+            </a:lnSpc>
+            <a:spcBef>
+              <a:spcPct val="0"/>
+            </a:spcBef>
+            <a:spcAft>
+              <a:spcPct val="15000"/>
+            </a:spcAft>
+            <a:buChar char="•"/>
+          </a:pPr>
+          <a:r>
+            <a:rPr lang="en-US" sz="1000" kern="1200" dirty="0"/>
+            <a:t>Compare AI models (size, performance, architecture, licensing)</a:t>
+          </a:r>
+        </a:p>
+      </dsp:txBody>
+      <dsp:txXfrm>
+        <a:off x="910605" y="2441303"/>
+        <a:ext cx="3487043" cy="2092226"/>
+      </dsp:txXfrm>
+    </dsp:sp>
+    <dsp:sp modelId="{EB9CC506-1F7F-4944-8CB4-67BA271FF82E}">
+      <dsp:nvSpPr>
+        <dsp:cNvPr id="0" name=""/>
+        <dsp:cNvSpPr/>
+      </dsp:nvSpPr>
+      <dsp:spPr>
+        <a:xfrm>
+          <a:off x="4746353" y="2441303"/>
+          <a:ext cx="3487043" cy="2092226"/>
+        </a:xfrm>
+        <a:prstGeom prst="rect">
+          <a:avLst/>
+        </a:prstGeom>
+        <a:solidFill>
+          <a:schemeClr val="accent5">
+            <a:hueOff val="0"/>
+            <a:satOff val="0"/>
+            <a:lumOff val="0"/>
+            <a:alphaOff val="0"/>
+          </a:schemeClr>
+        </a:solidFill>
+        <a:ln w="25400" cap="flat" cmpd="sng" algn="ctr">
+          <a:solidFill>
+            <a:schemeClr val="lt1">
+              <a:hueOff val="0"/>
+              <a:satOff val="0"/>
+              <a:lumOff val="0"/>
+              <a:alphaOff val="0"/>
+            </a:schemeClr>
+          </a:solidFill>
+          <a:prstDash val="solid"/>
+        </a:ln>
+        <a:effectLst/>
+      </dsp:spPr>
+      <dsp:style>
+        <a:lnRef idx="2">
+          <a:scrgbClr r="0" g="0" b="0"/>
+        </a:lnRef>
+        <a:fillRef idx="1">
+          <a:scrgbClr r="0" g="0" b="0"/>
+        </a:fillRef>
+        <a:effectRef idx="0">
+          <a:scrgbClr r="0" g="0" b="0"/>
+        </a:effectRef>
+        <a:fontRef idx="minor">
+          <a:schemeClr val="lt1"/>
+        </a:fontRef>
+      </dsp:style>
+      <dsp:txBody>
+        <a:bodyPr spcFirstLastPara="0" vert="horz" wrap="square" lIns="49530" tIns="49530" rIns="49530" bIns="49530" numCol="1" spcCol="1270" anchor="t" anchorCtr="0">
+          <a:noAutofit/>
+        </a:bodyPr>
+        <a:lstStyle/>
+        <a:p>
+          <a:pPr marL="0" lvl="0" indent="0" algn="ctr" defTabSz="577850">
+            <a:lnSpc>
+              <a:spcPct val="90000"/>
+            </a:lnSpc>
+            <a:spcBef>
+              <a:spcPct val="0"/>
+            </a:spcBef>
+            <a:spcAft>
+              <a:spcPct val="35000"/>
+            </a:spcAft>
+            <a:buNone/>
+          </a:pPr>
+          <a:r>
+            <a:rPr lang="en-US" sz="1300" kern="1200" dirty="0"/>
+            <a:t>DevOps, Security, etc.</a:t>
+          </a:r>
+        </a:p>
+        <a:p>
+          <a:pPr marL="57150" lvl="1" indent="-57150" algn="l" defTabSz="444500">
+            <a:lnSpc>
+              <a:spcPct val="90000"/>
+            </a:lnSpc>
+            <a:spcBef>
+              <a:spcPct val="0"/>
+            </a:spcBef>
+            <a:spcAft>
+              <a:spcPct val="15000"/>
+            </a:spcAft>
+            <a:buChar char="•"/>
+          </a:pPr>
+          <a:r>
+            <a:rPr lang="en-US" sz="1000" kern="1200" dirty="0"/>
+            <a:t>Use Terraform to design and deploy Infrastructure as Code</a:t>
+          </a:r>
+        </a:p>
+        <a:p>
+          <a:pPr marL="57150" lvl="1" indent="-57150" algn="l" defTabSz="444500">
+            <a:lnSpc>
+              <a:spcPct val="90000"/>
+            </a:lnSpc>
+            <a:spcBef>
+              <a:spcPct val="0"/>
+            </a:spcBef>
+            <a:spcAft>
+              <a:spcPct val="15000"/>
+            </a:spcAft>
+            <a:buChar char="•"/>
+          </a:pPr>
+          <a:r>
+            <a:rPr lang="en-US" sz="1000" kern="1200" dirty="0"/>
+            <a:t>Use GitHub Actions to orchestrate architecture deployment</a:t>
+          </a:r>
+        </a:p>
+        <a:p>
+          <a:pPr marL="57150" lvl="1" indent="-57150" algn="l" defTabSz="444500">
+            <a:lnSpc>
+              <a:spcPct val="90000"/>
+            </a:lnSpc>
+            <a:spcBef>
+              <a:spcPct val="0"/>
+            </a:spcBef>
+            <a:spcAft>
+              <a:spcPct val="15000"/>
+            </a:spcAft>
+            <a:buChar char="•"/>
+          </a:pPr>
+          <a:r>
+            <a:rPr lang="en-US" sz="1000" kern="1200" dirty="0"/>
+            <a:t>Understand cloud security and compliance options and tools</a:t>
+          </a:r>
+        </a:p>
+        <a:p>
+          <a:pPr marL="114300" lvl="2" indent="-57150" algn="l" defTabSz="444500">
+            <a:lnSpc>
+              <a:spcPct val="90000"/>
+            </a:lnSpc>
+            <a:spcBef>
+              <a:spcPct val="0"/>
+            </a:spcBef>
+            <a:spcAft>
+              <a:spcPct val="15000"/>
+            </a:spcAft>
+            <a:buChar char="•"/>
+          </a:pPr>
+          <a:r>
+            <a:rPr lang="en-US" sz="1000" kern="1200"/>
+            <a:t>RBAC / ACLs</a:t>
+          </a:r>
+          <a:endParaRPr lang="en-US" sz="1000" kern="1200" dirty="0"/>
+        </a:p>
+        <a:p>
+          <a:pPr marL="114300" lvl="2" indent="-57150" algn="l" defTabSz="444500">
+            <a:lnSpc>
+              <a:spcPct val="90000"/>
+            </a:lnSpc>
+            <a:spcBef>
+              <a:spcPct val="0"/>
+            </a:spcBef>
+            <a:spcAft>
+              <a:spcPct val="15000"/>
+            </a:spcAft>
+            <a:buChar char="•"/>
+          </a:pPr>
+          <a:r>
+            <a:rPr lang="en-US" sz="1000" kern="1200" dirty="0"/>
+            <a:t>Azure Defender + Azure Blueprints</a:t>
+          </a:r>
+        </a:p>
+        <a:p>
+          <a:pPr marL="57150" lvl="1" indent="-57150" algn="l" defTabSz="444500">
+            <a:lnSpc>
+              <a:spcPct val="90000"/>
+            </a:lnSpc>
+            <a:spcBef>
+              <a:spcPct val="0"/>
+            </a:spcBef>
+            <a:spcAft>
+              <a:spcPct val="15000"/>
+            </a:spcAft>
+            <a:buChar char="•"/>
+          </a:pPr>
+          <a:r>
+            <a:rPr lang="en-US" sz="1000" kern="1200" dirty="0"/>
+            <a:t>Create basic architecture diagrams</a:t>
+          </a:r>
+        </a:p>
+        <a:p>
+          <a:pPr marL="57150" lvl="1" indent="-57150" algn="l" defTabSz="444500">
+            <a:lnSpc>
+              <a:spcPct val="90000"/>
+            </a:lnSpc>
+            <a:spcBef>
+              <a:spcPct val="0"/>
+            </a:spcBef>
+            <a:spcAft>
+              <a:spcPct val="15000"/>
+            </a:spcAft>
+            <a:buChar char="•"/>
+          </a:pPr>
+          <a:r>
+            <a:rPr lang="en-US" sz="1000" kern="1200" dirty="0"/>
+            <a:t>Estimate cloud costs for deployed services</a:t>
+          </a:r>
+        </a:p>
+        <a:p>
+          <a:pPr marL="114300" lvl="2" indent="-57150" algn="l" defTabSz="444500">
+            <a:lnSpc>
+              <a:spcPct val="90000"/>
+            </a:lnSpc>
+            <a:spcBef>
+              <a:spcPct val="0"/>
+            </a:spcBef>
+            <a:spcAft>
+              <a:spcPct val="15000"/>
+            </a:spcAft>
+            <a:buChar char="•"/>
+          </a:pPr>
+          <a:r>
+            <a:rPr lang="en-US" sz="1000" kern="1200" dirty="0"/>
+            <a:t>Azure Calculator</a:t>
+          </a:r>
+        </a:p>
+      </dsp:txBody>
+      <dsp:txXfrm>
+        <a:off x="4746353" y="2441303"/>
+        <a:ext cx="3487043" cy="2092226"/>
+      </dsp:txXfrm>
+    </dsp:sp>
+  </dsp:spTree>
+</dsp:drawing>
+</file>
+
+<file path=ppt/diagrams/layout1.xml><?xml version="1.0" encoding="utf-8"?>
+<dgm:layoutDef xmlns:dgm="http://schemas.openxmlformats.org/drawingml/2006/diagram" xmlns:a="http://schemas.openxmlformats.org/drawingml/2006/main" uniqueId="urn:microsoft.com/office/officeart/2005/8/layout/default">
+  <dgm:title val=""/>
+  <dgm:desc val=""/>
+  <dgm:catLst>
+    <dgm:cat type="list" pri="400"/>
+  </dgm:catLst>
+  <dgm:sampData>
+    <dgm:dataModel>
+      <dgm:ptLst>
+        <dgm:pt modelId="0" type="doc"/>
+        <dgm:pt modelId="1">
+          <dgm:prSet phldr="1"/>
+        </dgm:pt>
+        <dgm:pt modelId="2">
+          <dgm:prSet phldr="1"/>
+        </dgm:pt>
+        <dgm:pt modelId="3">
+          <dgm:prSet phldr="1"/>
+        </dgm:pt>
+        <dgm:pt modelId="4">
+          <dgm:prSet phldr="1"/>
+        </dgm:pt>
+        <dgm:pt modelId="5">
+          <dgm:prSet phldr="1"/>
+        </dgm:pt>
+      </dgm:ptLst>
+      <dgm:cxnLst>
+        <dgm:cxn modelId="6" srcId="0" destId="1" srcOrd="0" destOrd="0"/>
+        <dgm:cxn modelId="7" srcId="0" destId="2" srcOrd="1" destOrd="0"/>
+        <dgm:cxn modelId="8" srcId="0" destId="3" srcOrd="2" destOrd="0"/>
+        <dgm:cxn modelId="9" srcId="0" destId="4" srcOrd="3" destOrd="0"/>
+        <dgm:cxn modelId="10" srcId="0" destId="5" srcOrd="4" destOrd="0"/>
+      </dgm:cxnLst>
+      <dgm:bg/>
+      <dgm:whole/>
+    </dgm:dataModel>
+  </dgm:sampData>
+  <dgm:styleData>
+    <dgm:dataModel>
+      <dgm:ptLst>
+        <dgm:pt modelId="0" type="doc"/>
+        <dgm:pt modelId="1"/>
+        <dgm:pt modelId="2"/>
+      </dgm:ptLst>
+      <dgm:cxnLst>
+        <dgm:cxn modelId="3" srcId="0" destId="1" srcOrd="0" destOrd="0"/>
+        <dgm:cxn modelId="4" srcId="0" destId="2" srcOrd="1" destOrd="0"/>
+      </dgm:cxnLst>
+      <dgm:bg/>
+      <dgm:whole/>
+    </dgm:dataModel>
+  </dgm:styleData>
+  <dgm:clrData>
+    <dgm:dataModel>
+      <dgm:ptLst>
+        <dgm:pt modelId="0" type="doc"/>
+        <dgm:pt modelId="1"/>
+        <dgm:pt modelId="2"/>
+        <dgm:pt modelId="3"/>
+        <dgm:pt modelId="4"/>
+        <dgm:pt modelId="5"/>
+        <dgm:pt modelId="6"/>
+      </dgm:ptLst>
+      <dgm:cxnLst>
+        <dgm:cxn modelId="7" srcId="0" destId="1" srcOrd="0" destOrd="0"/>
+        <dgm:cxn modelId="8" srcId="0" destId="2" srcOrd="1" destOrd="0"/>
+        <dgm:cxn modelId="9" srcId="0" destId="3" srcOrd="2" destOrd="0"/>
+        <dgm:cxn modelId="10" srcId="0" destId="4" srcOrd="3" destOrd="0"/>
+        <dgm:cxn modelId="11" srcId="0" destId="5" srcOrd="4" destOrd="0"/>
+        <dgm:cxn modelId="12" srcId="0" destId="6" srcOrd="5" destOrd="0"/>
+      </dgm:cxnLst>
+      <dgm:bg/>
+      <dgm:whole/>
+    </dgm:dataModel>
+  </dgm:clrData>
+  <dgm:layoutNode name="diagram">
+    <dgm:varLst>
+      <dgm:dir/>
+      <dgm:resizeHandles val="exact"/>
+    </dgm:varLst>
+    <dgm:choose name="Name0">
+      <dgm:if name="Name1" func="var" arg="dir" op="equ" val="norm">
+        <dgm:alg type="snake">
+          <dgm:param type="grDir" val="tL"/>
+          <dgm:param type="flowDir" val="row"/>
+          <dgm:param type="contDir" val="sameDir"/>
+          <dgm:param type="off" val="ctr"/>
+        </dgm:alg>
+      </dgm:if>
+      <dgm:else name="Name2">
+        <dgm:alg type="snake">
+          <dgm:param type="grDir" val="tR"/>
+          <dgm:param type="flowDir" val="row"/>
+          <dgm:param type="contDir" val="sameDir"/>
+          <dgm:param type="off" val="ctr"/>
+        </dgm:alg>
+      </dgm:else>
+    </dgm:choose>
+    <dgm:shape xmlns:r="http://schemas.openxmlformats.org/officeDocument/2006/relationships" r:blip="">
+      <dgm:adjLst/>
+    </dgm:shape>
+    <dgm:presOf/>
+    <dgm:constrLst>
+      <dgm:constr type="w" for="ch" forName="node" refType="w"/>
+      <dgm:constr type="h" for="ch" forName="node" refType="w" refFor="ch" refForName="node" fact="0.6"/>
+      <dgm:constr type="w" for="ch" forName="sibTrans" refType="w" refFor="ch" refForName="node" fact="0.1"/>
+      <dgm:constr type="sp" refType="w" refFor="ch" refForName="sibTrans"/>
+      <dgm:constr type="primFontSz" for="ch" forName="node" op="equ" val="65"/>
+    </dgm:constrLst>
+    <dgm:ruleLst/>
+    <dgm:forEach name="Name3" axis="ch" ptType="node">
+      <dgm:layoutNode name="node">
+        <dgm:varLst>
+          <dgm:bulletEnabled val="1"/>
+        </dgm:varLst>
+        <dgm:alg type="tx"/>
+        <dgm:shape xmlns:r="http://schemas.openxmlformats.org/officeDocument/2006/relationships" type="rect" r:blip="">
+          <dgm:adjLst/>
+        </dgm:shape>
+        <dgm:presOf axis="desOrSelf" ptType="node"/>
+        <dgm:constrLst>
+          <dgm:constr type="lMarg" refType="primFontSz" fact="0.3"/>
+          <dgm:constr type="rMarg" refType="primFontSz" fact="0.3"/>
+          <dgm:constr type="tMarg" refType="primFontSz" fact="0.3"/>
+          <dgm:constr type="bMarg" refType="primFontSz" fact="0.3"/>
+        </dgm:constrLst>
+        <dgm:ruleLst>
+          <dgm:rule type="primFontSz" val="5" fact="NaN" max="NaN"/>
+        </dgm:ruleLst>
+      </dgm:layoutNode>
+      <dgm:forEach name="Name4" axis="followSib" ptType="sibTrans" cnt="1">
+        <dgm:layoutNode name="sibTrans">
+          <dgm:alg type="sp"/>
+          <dgm:shape xmlns:r="http://schemas.openxmlformats.org/officeDocument/2006/relationships" r:blip="">
+            <dgm:adjLst/>
+          </dgm:shape>
+          <dgm:presOf/>
+          <dgm:constrLst/>
+          <dgm:ruleLst/>
+        </dgm:layoutNode>
+      </dgm:forEach>
+    </dgm:forEach>
+  </dgm:layoutNode>
+</dgm:layoutDef>
+</file>
+
+<file path=ppt/diagrams/quickStyle1.xml><?xml version="1.0" encoding="utf-8"?>
+<dgm:styleDef xmlns:dgm="http://schemas.openxmlformats.org/drawingml/2006/diagram" xmlns:a="http://schemas.openxmlformats.org/drawingml/2006/main" uniqueId="urn:microsoft.com/office/officeart/2005/8/quickstyle/simple1">
+  <dgm:title val=""/>
+  <dgm:desc val=""/>
+  <dgm:catLst>
+    <dgm:cat type="simple" pri="10100"/>
+  </dgm:catLst>
+  <dgm:scene3d>
+    <a:camera prst="orthographicFront"/>
+    <a:lightRig rig="threePt" dir="t"/>
+  </dgm:scene3d>
+  <dgm:styleLbl name="node0">
+    <dgm:scene3d>
+      <a:camera prst="orthographicFront"/>
+      <a:lightRig rig="threePt" dir="t"/>
+    </dgm:scene3d>
+    <dgm:sp3d/>
+    <dgm:txPr/>
+    <dgm:style>
+      <a:lnRef idx="2">
+        <a:scrgbClr r="0" g="0" b="0"/>
+      </a:lnRef>
+      <a:fillRef idx="1">
+        <a:scrgbClr r="0" g="0" b="0"/>
+      </a:fillRef>
+      <a:effectRef idx="0">
+        <a:scrgbClr r="0" g="0" b="0"/>
+      </a:effectRef>
+      <a:fontRef idx="minor">
+        <a:schemeClr val="lt1"/>
+      </a:fontRef>
+    </dgm:style>
+  </dgm:styleLbl>
+  <dgm:styleLbl name="lnNode1">
+    <dgm:scene3d>
+      <a:camera prst="orthographicFront"/>
+      <a:lightRig rig="threePt" dir="t"/>
+    </dgm:scene3d>
+    <dgm:sp3d/>
+    <dgm:txPr/>
+    <dgm:style>
+      <a:lnRef idx="2">
+        <a:scrgbClr r="0" g="0" b="0"/>
+      </a:lnRef>
+      <a:fillRef idx="1">
+        <a:scrgbClr r="0" g="0" b="0"/>
+      </a:fillRef>
+      <a:effectRef idx="0">
+        <a:scrgbClr r="0" g="0" b="0"/>
+      </a:effectRef>
+      <a:fontRef idx="minor">
+        <a:schemeClr val="lt1"/>
+      </a:fontRef>
+    </dgm:style>
+  </dgm:styleLbl>
+  <dgm:styleLbl name="vennNode1">
+    <dgm:scene3d>
+      <a:camera prst="orthographicFront"/>
+      <a:lightRig rig="threePt" dir="t"/>
+    </dgm:scene3d>
+    <dgm:sp3d/>
+    <dgm:txPr/>
+    <dgm:style>
+      <a:lnRef idx="2">
+        <a:scrgbClr r="0" g="0" b="0"/>
+      </a:lnRef>
+      <a:fillRef idx="1">
+        <a:scrgbClr r="0" g="0" b="0"/>
+      </a:fillRef>
+      <a:effectRef idx="0">
+        <a:scrgbClr r="0" g="0" b="0"/>
+      </a:effectRef>
+      <a:fontRef idx="minor">
+        <a:schemeClr val="tx1"/>
+      </a:fontRef>
+    </dgm:style>
+  </dgm:styleLbl>
+  <dgm:styleLbl name="alignNode1">
+    <dgm:scene3d>
+      <a:camera prst="orthographicFront"/>
+      <a:lightRig rig="threePt" dir="t"/>
+    </dgm:scene3d>
+    <dgm:sp3d/>
+    <dgm:txPr/>
+    <dgm:style>
+      <a:lnRef idx="2">
+        <a:scrgbClr r="0" g="0" b="0"/>
+      </a:lnRef>
+      <a:fillRef idx="1">
+        <a:scrgbClr r="0" g="0" b="0"/>
+      </a:fillRef>
+      <a:effectRef idx="0">
+        <a:scrgbClr r="0" g="0" b="0"/>
+      </a:effectRef>
+      <a:fontRef idx="minor">
+        <a:schemeClr val="lt1"/>
+      </a:fontRef>
+    </dgm:style>
+  </dgm:styleLbl>
+  <dgm:styleLbl name="node1">
+    <dgm:scene3d>
+      <a:camera prst="orthographicFront"/>
+      <a:lightRig rig="threePt" dir="t"/>
+    </dgm:scene3d>
+    <dgm:sp3d/>
+    <dgm:txPr/>
+    <dgm:style>
+      <a:lnRef idx="2">
+        <a:scrgbClr r="0" g="0" b="0"/>
+      </a:lnRef>
+      <a:fillRef idx="1">
+        <a:scrgbClr r="0" g="0" b="0"/>
+      </a:fillRef>
+      <a:effectRef idx="0">
+        <a:scrgbClr r="0" g="0" b="0"/>
+      </a:effectRef>
+      <a:fontRef idx="minor">
+        <a:schemeClr val="lt1"/>
+      </a:fontRef>
+    </dgm:style>
+  </dgm:styleLbl>
+  <dgm:styleLbl name="node2">
+    <dgm:scene3d>
+      <a:camera prst="orthographicFront"/>
+      <a:lightRig rig="threePt" dir="t"/>
+    </dgm:scene3d>
+    <dgm:sp3d/>
+    <dgm:txPr/>
+    <dgm:style>
+      <a:lnRef idx="2">
+        <a:scrgbClr r="0" g="0" b="0"/>
+      </a:lnRef>
+      <a:fillRef idx="1">
+        <a:scrgbClr r="0" g="0" b="0"/>
+      </a:fillRef>
+      <a:effectRef idx="0">
+        <a:scrgbClr r="0" g="0" b="0"/>
+      </a:effectRef>
+      <a:fontRef idx="minor">
+        <a:schemeClr val="lt1"/>
+      </a:fontRef>
+    </dgm:style>
+  </dgm:styleLbl>
+  <dgm:styleLbl name="node3">
+    <dgm:scene3d>
+      <a:camera prst="orthographicFront"/>
+      <a:lightRig rig="threePt" dir="t"/>
+    </dgm:scene3d>
+    <dgm:sp3d/>
+    <dgm:txPr/>
+    <dgm:style>
+      <a:lnRef idx="2">
+        <a:scrgbClr r="0" g="0" b="0"/>
+      </a:lnRef>
+      <a:fillRef idx="1">
+        <a:scrgbClr r="0" g="0" b="0"/>
+      </a:fillRef>
+      <a:effectRef idx="0">
+        <a:scrgbClr r="0" g="0" b="0"/>
+      </a:effectRef>
+      <a:fontRef idx="minor">
+        <a:schemeClr val="lt1"/>
+      </a:fontRef>
+    </dgm:style>
+  </dgm:styleLbl>
+  <dgm:styleLbl name="node4">
+    <dgm:scene3d>
+      <a:camera prst="orthographicFront"/>
+      <a:lightRig rig="threePt" dir="t"/>
+    </dgm:scene3d>
+    <dgm:sp3d/>
+    <dgm:txPr/>
+    <dgm:style>
+      <a:lnRef idx="2">
+        <a:scrgbClr r="0" g="0" b="0"/>
+      </a:lnRef>
+      <a:fillRef idx="1">
+        <a:scrgbClr r="0" g="0" b="0"/>
+      </a:fillRef>
+      <a:effectRef idx="0">
+        <a:scrgbClr r="0" g="0" b="0"/>
+      </a:effectRef>
+      <a:fontRef idx="minor">
+        <a:schemeClr val="lt1"/>
+      </a:fontRef>
+    </dgm:style>
+  </dgm:styleLbl>
+  <dgm:styleLbl name="fgImgPlace1">
+    <dgm:scene3d>
+      <a:camera prst="orthographicFront"/>
+      <a:lightRig rig="threePt" dir="t"/>
+    </dgm:scene3d>
+    <dgm:sp3d/>
+    <dgm:txPr/>
+    <dgm:style>
+      <a:lnRef idx="2">
+        <a:scrgbClr r="0" g="0" b="0"/>
+      </a:lnRef>
+      <a:fillRef idx="1">
+        <a:scrgbClr r="0" g="0" b="0"/>
+      </a:fillRef>
+      <a:effectRef idx="0">
+        <a:scrgbClr r="0" g="0" b="0"/>
+      </a:effectRef>
+      <a:fontRef idx="minor"/>
+    </dgm:style>
+  </dgm:styleLbl>
+  <dgm:styleLbl name="alignImgPlace1">
+    <dgm:scene3d>
+      <a:camera prst="orthographicFront"/>
+      <a:lightRig rig="threePt" dir="t"/>
+    </dgm:scene3d>
+    <dgm:sp3d/>
+    <dgm:txPr/>
+    <dgm:style>
+      <a:lnRef idx="2">
+        <a:scrgbClr r="0" g="0" b="0"/>
+      </a:lnRef>
+      <a:fillRef idx="1">
+        <a:scrgbClr r="0" g="0" b="0"/>
+      </a:fillRef>
+      <a:effectRef idx="0">
+        <a:scrgbClr r="0" g="0" b="0"/>
+      </a:effectRef>
+      <a:fontRef idx="minor"/>
+    </dgm:style>
+  </dgm:styleLbl>
+  <dgm:styleLbl name="bgImgPlace1">
+    <dgm:scene3d>
+      <a:camera prst="orthographicFront"/>
+      <a:lightRig rig="threePt" dir="t"/>
+    </dgm:scene3d>
+    <dgm:sp3d/>
+    <dgm:txPr/>
+    <dgm:style>
+      <a:lnRef idx="2">
+        <a:scrgbClr r="0" g="0" b="0"/>
+      </a:lnRef>
+      <a:fillRef idx="1">
+        <a:scrgbClr r="0" g="0" b="0"/>
+      </a:fillRef>
+      <a:effectRef idx="0">
+        <a:scrgbClr r="0" g="0" b="0"/>
+      </a:effectRef>
+      <a:fontRef idx="minor"/>
+    </dgm:style>
+  </dgm:styleLbl>
+  <dgm:styleLbl name="sibTrans2D1">
+    <dgm:scene3d>
+      <a:camera prst="orthographicFront"/>
+      <a:lightRig rig="threePt" dir="t"/>
+    </dgm:scene3d>
+    <dgm:sp3d/>
+    <dgm:txPr/>
+    <dgm:style>
+      <a:lnRef idx="0">
+        <a:scrgbClr r="0" g="0" b="0"/>
+      </a:lnRef>
+      <a:fillRef idx="1">
+        <a:scrgbClr r="0" g="0" b="0"/>
+      </a:fillRef>
+      <a:effectRef idx="0">
+        <a:scrgbClr r="0" g="0" b="0"/>
+      </a:effectRef>
+      <a:fontRef idx="minor">
+        <a:schemeClr val="lt1"/>
+      </a:fontRef>
+    </dgm:style>
+  </dgm:styleLbl>
+  <dgm:styleLbl name="fgSibTrans2D1">
+    <dgm:scene3d>
+      <a:camera prst="orthographicFront"/>
+      <a:lightRig rig="threePt" dir="t"/>
+    </dgm:scene3d>
+    <dgm:sp3d/>
+    <dgm:txPr/>
+    <dgm:style>
+      <a:lnRef idx="0">
+        <a:scrgbClr r="0" g="0" b="0"/>
+      </a:lnRef>
+      <a:fillRef idx="1">
+        <a:scrgbClr r="0" g="0" b="0"/>
+      </a:fillRef>
+      <a:effectRef idx="0">
+        <a:scrgbClr r="0" g="0" b="0"/>
+      </a:effectRef>
+      <a:fontRef idx="minor">
+        <a:schemeClr val="lt1"/>
+      </a:fontRef>
+    </dgm:style>
+  </dgm:styleLbl>
+  <dgm:styleLbl name="bgSibTrans2D1">
+    <dgm:scene3d>
+      <a:camera prst="orthographicFront"/>
+      <a:lightRig rig="threePt" dir="t"/>
+    </dgm:scene3d>
+    <dgm:sp3d/>
+    <dgm:txPr/>
+    <dgm:style>
+      <a:lnRef idx="0">
+        <a:scrgbClr r="0" g="0" b="0"/>
+      </a:lnRef>
+      <a:fillRef idx="1">
+        <a:scrgbClr r="0" g="0" b="0"/>
+      </a:fillRef>
+      <a:effectRef idx="0">
+        <a:scrgbClr r="0" g="0" b="0"/>
+      </a:effectRef>
+      <a:fontRef idx="minor">
+        <a:schemeClr val="lt1"/>
+      </a:fontRef>
+    </dgm:style>
+  </dgm:styleLbl>
+  <dgm:styleLbl name="sibTrans1D1">
+    <dgm:scene3d>
+      <a:camera prst="orthographicFront"/>
+      <a:lightRig rig="threePt" dir="t"/>
+    </dgm:scene3d>
+    <dgm:sp3d/>
+    <dgm:txPr/>
+    <dgm:style>
+      <a:lnRef idx="1">
+        <a:scrgbClr r="0" g="0" b="0"/>
+      </a:lnRef>
+      <a:fillRef idx="0">
+        <a:scrgbClr r="0" g="0" b="0"/>
+      </a:fillRef>
+      <a:effectRef idx="0">
+        <a:scrgbClr r="0" g="0" b="0"/>
+      </a:effectRef>
+      <a:fontRef idx="minor"/>
+    </dgm:style>
+  </dgm:styleLbl>
+  <dgm:styleLbl name="callout">
+    <dgm:scene3d>
+      <a:camera prst="orthographicFront"/>
+      <a:lightRig rig="threePt" dir="t"/>
+    </dgm:scene3d>
+    <dgm:sp3d/>
+    <dgm:txPr/>
+    <dgm:style>
+      <a:lnRef idx="2">
+        <a:scrgbClr r="0" g="0" b="0"/>
+      </a:lnRef>
+      <a:fillRef idx="1">
+        <a:scrgbClr r="0" g="0" b="0"/>
+      </a:fillRef>
+      <a:effectRef idx="0">
+        <a:scrgbClr r="0" g="0" b="0"/>
+      </a:effectRef>
+      <a:fontRef idx="minor"/>
+    </dgm:style>
+  </dgm:styleLbl>
+  <dgm:styleLbl name="asst0">
+    <dgm:scene3d>
+      <a:camera prst="orthographicFront"/>
+      <a:lightRig rig="threePt" dir="t"/>
+    </dgm:scene3d>
+    <dgm:sp3d/>
+    <dgm:txPr/>
+    <dgm:style>
+      <a:lnRef idx="2">
+        <a:scrgbClr r="0" g="0" b="0"/>
+      </a:lnRef>
+      <a:fillRef idx="1">
+        <a:scrgbClr r="0" g="0" b="0"/>
+      </a:fillRef>
+      <a:effectRef idx="0">
+        <a:scrgbClr r="0" g="0" b="0"/>
+      </a:effectRef>
+      <a:fontRef idx="minor">
+        <a:schemeClr val="lt1"/>
+      </a:fontRef>
+    </dgm:style>
+  </dgm:styleLbl>
+  <dgm:styleLbl name="asst1">
+    <dgm:scene3d>
+      <a:camera prst="orthographicFront"/>
+      <a:lightRig rig="threePt" dir="t"/>
+    </dgm:scene3d>
+    <dgm:sp3d/>
+    <dgm:txPr/>
+    <dgm:style>
+      <a:lnRef idx="2">
+        <a:scrgbClr r="0" g="0" b="0"/>
+      </a:lnRef>
+      <a:fillRef idx="1">
+        <a:scrgbClr r="0" g="0" b="0"/>
+      </a:fillRef>
+      <a:effectRef idx="0">
+        <a:scrgbClr r="0" g="0" b="0"/>
+      </a:effectRef>
+      <a:fontRef idx="minor">
+        <a:schemeClr val="lt1"/>
+      </a:fontRef>
+    </dgm:style>
+  </dgm:styleLbl>
+  <dgm:styleLbl name="asst2">
+    <dgm:scene3d>
+      <a:camera prst="orthographicFront"/>
+      <a:lightRig rig="threePt" dir="t"/>
+    </dgm:scene3d>
+    <dgm:sp3d/>
+    <dgm:txPr/>
+    <dgm:style>
+      <a:lnRef idx="2">
+        <a:scrgbClr r="0" g="0" b="0"/>
+      </a:lnRef>
+      <a:fillRef idx="1">
+        <a:scrgbClr r="0" g="0" b="0"/>
+      </a:fillRef>
+      <a:effectRef idx="0">
+        <a:scrgbClr r="0" g="0" b="0"/>
+      </a:effectRef>
+      <a:fontRef idx="minor">
+        <a:schemeClr val="lt1"/>
+      </a:fontRef>
+    </dgm:style>
+  </dgm:styleLbl>
+  <dgm:styleLbl name="asst3">
+    <dgm:scene3d>
+      <a:camera prst="orthographicFront"/>
+      <a:lightRig rig="threePt" dir="t"/>
+    </dgm:scene3d>
+    <dgm:sp3d/>
+    <dgm:txPr/>
+    <dgm:style>
+      <a:lnRef idx="2">
+        <a:scrgbClr r="0" g="0" b="0"/>
+      </a:lnRef>
+      <a:fillRef idx="1">
+        <a:scrgbClr r="0" g="0" b="0"/>
+      </a:fillRef>
+      <a:effectRef idx="0">
+        <a:scrgbClr r="0" g="0" b="0"/>
+      </a:effectRef>
+      <a:fontRef idx="minor">
+        <a:schemeClr val="lt1"/>
+      </a:fontRef>
+    </dgm:style>
+  </dgm:styleLbl>
+  <dgm:styleLbl name="asst4">
+    <dgm:scene3d>
+      <a:camera prst="orthographicFront"/>
+      <a:lightRig rig="threePt" dir="t"/>
+    </dgm:scene3d>
+    <dgm:sp3d/>
+    <dgm:txPr/>
+    <dgm:style>
+      <a:lnRef idx="2">
+        <a:scrgbClr r="0" g="0" b="0"/>
+      </a:lnRef>
+      <a:fillRef idx="1">
+        <a:scrgbClr r="0" g="0" b="0"/>
+      </a:fillRef>
+      <a:effectRef idx="0">
+        <a:scrgbClr r="0" g="0" b="0"/>
+      </a:effectRef>
+      <a:fontRef idx="minor">
+        <a:schemeClr val="lt1"/>
+      </a:fontRef>
+    </dgm:style>
+  </dgm:styleLbl>
+  <dgm:styleLbl name="parChTrans2D1">
+    <dgm:scene3d>
+      <a:camera prst="orthographicFront"/>
+      <a:lightRig rig="threePt" dir="t"/>
+    </dgm:scene3d>
+    <dgm:sp3d/>
+    <dgm:txPr/>
+    <dgm:style>
+      <a:lnRef idx="2">
+        <a:scrgbClr r="0" g="0" b="0"/>
+      </a:lnRef>
+      <a:fillRef idx="1">
+        <a:scrgbClr r="0" g="0" b="0"/>
+      </a:fillRef>
+      <a:effectRef idx="0">
+        <a:scrgbClr r="0" g="0" b="0"/>
+      </a:effectRef>
+      <a:fontRef idx="minor">
+        <a:schemeClr val="lt1"/>
+      </a:fontRef>
+    </dgm:style>
+  </dgm:styleLbl>
+  <dgm:styleLbl name="parChTrans2D2">
+    <dgm:scene3d>
+      <a:camera prst="orthographicFront"/>
+      <a:lightRig rig="threePt" dir="t"/>
+    </dgm:scene3d>
+    <dgm:sp3d/>
+    <dgm:txPr/>
+    <dgm:style>
+      <a:lnRef idx="2">
+        <a:scrgbClr r="0" g="0" b="0"/>
+      </a:lnRef>
+      <a:fillRef idx="1">
+        <a:scrgbClr r="0" g="0" b="0"/>
+      </a:fillRef>
+      <a:effectRef idx="0">
+        <a:scrgbClr r="0" g="0" b="0"/>
+      </a:effectRef>
+      <a:fontRef idx="minor">
+        <a:schemeClr val="lt1"/>
+      </a:fontRef>
+    </dgm:style>
+  </dgm:styleLbl>
+  <dgm:styleLbl name="parChTrans2D3">
+    <dgm:scene3d>
+      <a:camera prst="orthographicFront"/>
+      <a:lightRig rig="threePt" dir="t"/>
+    </dgm:scene3d>
+    <dgm:sp3d/>
+    <dgm:txPr/>
+    <dgm:style>
+      <a:lnRef idx="2">
+        <a:scrgbClr r="0" g="0" b="0"/>
+      </a:lnRef>
+      <a:fillRef idx="1">
+        <a:scrgbClr r="0" g="0" b="0"/>
+      </a:fillRef>
+      <a:effectRef idx="0">
+        <a:scrgbClr r="0" g="0" b="0"/>
+      </a:effectRef>
+      <a:fontRef idx="minor">
+        <a:schemeClr val="lt1"/>
+      </a:fontRef>
+    </dgm:style>
+  </dgm:styleLbl>
+  <dgm:styleLbl name="parChTrans2D4">
+    <dgm:scene3d>
+      <a:camera prst="orthographicFront"/>
+      <a:lightRig rig="threePt" dir="t"/>
+    </dgm:scene3d>
+    <dgm:sp3d/>
+    <dgm:txPr/>
+    <dgm:style>
+      <a:lnRef idx="2">
+        <a:scrgbClr r="0" g="0" b="0"/>
+      </a:lnRef>
+      <a:fillRef idx="1">
+        <a:scrgbClr r="0" g="0" b="0"/>
+      </a:fillRef>
+      <a:effectRef idx="0">
+        <a:scrgbClr r="0" g="0" b="0"/>
+      </a:effectRef>
+      <a:fontRef idx="minor">
+        <a:schemeClr val="lt1"/>
+      </a:fontRef>
+    </dgm:style>
+  </dgm:styleLbl>
+  <dgm:styleLbl name="parChTrans1D1">
+    <dgm:scene3d>
+      <a:camera prst="orthographicFront"/>
+      <a:lightRig rig="threePt" dir="t"/>
+    </dgm:scene3d>
+    <dgm:sp3d/>
+    <dgm:txPr/>
+    <dgm:style>
+      <a:lnRef idx="2">
+        <a:scrgbClr r="0" g="0" b="0"/>
+      </a:lnRef>
+      <a:fillRef idx="0">
+        <a:scrgbClr r="0" g="0" b="0"/>
+      </a:fillRef>
+      <a:effectRef idx="0">
+        <a:scrgbClr r="0" g="0" b="0"/>
+      </a:effectRef>
+      <a:fontRef idx="minor"/>
+    </dgm:style>
+  </dgm:styleLbl>
+  <dgm:styleLbl name="parChTrans1D2">
+    <dgm:scene3d>
+      <a:camera prst="orthographicFront"/>
+      <a:lightRig rig="threePt" dir="t"/>
+    </dgm:scene3d>
+    <dgm:sp3d/>
+    <dgm:txPr/>
+    <dgm:style>
+      <a:lnRef idx="2">
+        <a:scrgbClr r="0" g="0" b="0"/>
+      </a:lnRef>
+      <a:fillRef idx="0">
+        <a:scrgbClr r="0" g="0" b="0"/>
+      </a:fillRef>
+      <a:effectRef idx="0">
+        <a:scrgbClr r="0" g="0" b="0"/>
+      </a:effectRef>
+      <a:fontRef idx="minor"/>
+    </dgm:style>
+  </dgm:styleLbl>
+  <dgm:styleLbl name="parChTrans1D3">
+    <dgm:scene3d>
+      <a:camera prst="orthographicFront"/>
+      <a:lightRig rig="threePt" dir="t"/>
+    </dgm:scene3d>
+    <dgm:sp3d/>
+    <dgm:txPr/>
+    <dgm:style>
+      <a:lnRef idx="2">
+        <a:scrgbClr r="0" g="0" b="0"/>
+      </a:lnRef>
+      <a:fillRef idx="0">
+        <a:scrgbClr r="0" g="0" b="0"/>
+      </a:fillRef>
+      <a:effectRef idx="0">
+        <a:scrgbClr r="0" g="0" b="0"/>
+      </a:effectRef>
+      <a:fontRef idx="minor"/>
+    </dgm:style>
+  </dgm:styleLbl>
+  <dgm:styleLbl name="parChTrans1D4">
+    <dgm:scene3d>
+      <a:camera prst="orthographicFront"/>
+      <a:lightRig rig="threePt" dir="t"/>
+    </dgm:scene3d>
+    <dgm:sp3d/>
+    <dgm:txPr/>
+    <dgm:style>
+      <a:lnRef idx="2">
+        <a:scrgbClr r="0" g="0" b="0"/>
+      </a:lnRef>
+      <a:fillRef idx="0">
+        <a:scrgbClr r="0" g="0" b="0"/>
+      </a:fillRef>
+      <a:effectRef idx="0">
+        <a:scrgbClr r="0" g="0" b="0"/>
+      </a:effectRef>
+      <a:fontRef idx="minor"/>
+    </dgm:style>
+  </dgm:styleLbl>
+  <dgm:styleLbl name="fgAcc1">
+    <dgm:scene3d>
+      <a:camera prst="orthographicFront"/>
+      <a:lightRig rig="threePt" dir="t"/>
+    </dgm:scene3d>
+    <dgm:sp3d/>
+    <dgm:txPr/>
+    <dgm:style>
+      <a:lnRef idx="2">
+        <a:scrgbClr r="0" g="0" b="0"/>
+      </a:lnRef>
+      <a:fillRef idx="1">
+        <a:scrgbClr r="0" g="0" b="0"/>
+      </a:fillRef>
+      <a:effectRef idx="0">
+        <a:scrgbClr r="0" g="0" b="0"/>
+      </a:effectRef>
+      <a:fontRef idx="minor"/>
+    </dgm:style>
+  </dgm:styleLbl>
+  <dgm:styleLbl name="conFgAcc1">
+    <dgm:scene3d>
+      <a:camera prst="orthographicFront"/>
+      <a:lightRig rig="threePt" dir="t"/>
+    </dgm:scene3d>
+    <dgm:sp3d/>
+    <dgm:txPr/>
+    <dgm:style>
+      <a:lnRef idx="2">
+        <a:scrgbClr r="0" g="0" b="0"/>
+      </a:lnRef>
+      <a:fillRef idx="1">
+        <a:scrgbClr r="0" g="0" b="0"/>
+      </a:fillRef>
+      <a:effectRef idx="0">
+        <a:scrgbClr r="0" g="0" b="0"/>
+      </a:effectRef>
+      <a:fontRef idx="minor"/>
+    </dgm:style>
+  </dgm:styleLbl>
+  <dgm:styleLbl name="alignAcc1">
+    <dgm:scene3d>
+      <a:camera prst="orthographicFront"/>
+      <a:lightRig rig="threePt" dir="t"/>
+    </dgm:scene3d>
+    <dgm:sp3d/>
+    <dgm:txPr/>
+    <dgm:style>
+      <a:lnRef idx="2">
+        <a:scrgbClr r="0" g="0" b="0"/>
+      </a:lnRef>
+      <a:fillRef idx="1">
+        <a:scrgbClr r="0" g="0" b="0"/>
+      </a:fillRef>
+      <a:effectRef idx="0">
+        <a:scrgbClr r="0" g="0" b="0"/>
+      </a:effectRef>
+      <a:fontRef idx="minor"/>
+    </dgm:style>
+  </dgm:styleLbl>
+  <dgm:styleLbl name="trAlignAcc1">
+    <dgm:scene3d>
+      <a:camera prst="orthographicFront"/>
+      <a:lightRig rig="threePt" dir="t"/>
+    </dgm:scene3d>
+    <dgm:sp3d/>
+    <dgm:txPr/>
+    <dgm:style>
+      <a:lnRef idx="1">
+        <a:scrgbClr r="0" g="0" b="0"/>
+      </a:lnRef>
+      <a:fillRef idx="1">
+        <a:scrgbClr r="0" g="0" b="0"/>
+      </a:fillRef>
+      <a:effectRef idx="0">
+        <a:scrgbClr r="0" g="0" b="0"/>
+      </a:effectRef>
+      <a:fontRef idx="minor"/>
+    </dgm:style>
+  </dgm:styleLbl>
+  <dgm:styleLbl name="bgAcc1">
+    <dgm:scene3d>
+      <a:camera prst="orthographicFront"/>
+      <a:lightRig rig="threePt" dir="t"/>
+    </dgm:scene3d>
+    <dgm:sp3d/>
+    <dgm:txPr/>
+    <dgm:style>
+      <a:lnRef idx="2">
+        <a:scrgbClr r="0" g="0" b="0"/>
+      </a:lnRef>
+      <a:fillRef idx="1">
+        <a:scrgbClr r="0" g="0" b="0"/>
+      </a:fillRef>
+      <a:effectRef idx="0">
+        <a:scrgbClr r="0" g="0" b="0"/>
+      </a:effectRef>
+      <a:fontRef idx="minor"/>
+    </dgm:style>
+  </dgm:styleLbl>
+  <dgm:styleLbl name="solidFgAcc1">
+    <dgm:scene3d>
+      <a:camera prst="orthographicFront"/>
+      <a:lightRig rig="threePt" dir="t"/>
+    </dgm:scene3d>
+    <dgm:sp3d/>
+    <dgm:txPr/>
+    <dgm:style>
+      <a:lnRef idx="2">
+        <a:scrgbClr r="0" g="0" b="0"/>
+      </a:lnRef>
+      <a:fillRef idx="1">
+        <a:scrgbClr r="0" g="0" b="0"/>
+      </a:fillRef>
+      <a:effectRef idx="0">
+        <a:scrgbClr r="0" g="0" b="0"/>
+      </a:effectRef>
+      <a:fontRef idx="minor"/>
+    </dgm:style>
+  </dgm:styleLbl>
+  <dgm:styleLbl name="solidAlignAcc1">
+    <dgm:scene3d>
+      <a:camera prst="orthographicFront"/>
+      <a:lightRig rig="threePt" dir="t"/>
+    </dgm:scene3d>
+    <dgm:sp3d/>
+    <dgm:txPr/>
+    <dgm:style>
+      <a:lnRef idx="2">
+        <a:scrgbClr r="0" g="0" b="0"/>
+      </a:lnRef>
+      <a:fillRef idx="1">
+        <a:scrgbClr r="0" g="0" b="0"/>
+      </a:fillRef>
+      <a:effectRef idx="0">
+        <a:scrgbClr r="0" g="0" b="0"/>
+      </a:effectRef>
+      <a:fontRef idx="minor"/>
+    </dgm:style>
+  </dgm:styleLbl>
+  <dgm:styleLbl name="solidBgAcc1">
+    <dgm:scene3d>
+      <a:camera prst="orthographicFront"/>
+      <a:lightRig rig="threePt" dir="t"/>
+    </dgm:scene3d>
+    <dgm:sp3d/>
+    <dgm:txPr/>
+    <dgm:style>
+      <a:lnRef idx="2">
+        <a:scrgbClr r="0" g="0" b="0"/>
+      </a:lnRef>
+      <a:fillRef idx="1">
+        <a:scrgbClr r="0" g="0" b="0"/>
+      </a:fillRef>
+      <a:effectRef idx="0">
+        <a:scrgbClr r="0" g="0" b="0"/>
+      </a:effectRef>
+      <a:fontRef idx="minor"/>
+    </dgm:style>
+  </dgm:styleLbl>
+  <dgm:styleLbl name="fgAccFollowNode1">
+    <dgm:scene3d>
+      <a:camera prst="orthographicFront"/>
+      <a:lightRig rig="threePt" dir="t"/>
+    </dgm:scene3d>
+    <dgm:sp3d/>
+    <dgm:txPr/>
+    <dgm:style>
+      <a:lnRef idx="2">
+        <a:scrgbClr r="0" g="0" b="0"/>
+      </a:lnRef>
+      <a:fillRef idx="1">
+        <a:scrgbClr r="0" g="0" b="0"/>
+      </a:fillRef>
+      <a:effectRef idx="0">
+        <a:scrgbClr r="0" g="0" b="0"/>
+      </a:effectRef>
+      <a:fontRef idx="minor"/>
+    </dgm:style>
+  </dgm:styleLbl>
+  <dgm:styleLbl name="alignAccFollowNode1">
+    <dgm:scene3d>
+      <a:camera prst="orthographicFront"/>
+      <a:lightRig rig="threePt" dir="t"/>
+    </dgm:scene3d>
+    <dgm:sp3d/>
+    <dgm:txPr/>
+    <dgm:style>
+      <a:lnRef idx="2">
+        <a:scrgbClr r="0" g="0" b="0"/>
+      </a:lnRef>
+      <a:fillRef idx="1">
+        <a:scrgbClr r="0" g="0" b="0"/>
+      </a:fillRef>
+      <a:effectRef idx="0">
+        <a:scrgbClr r="0" g="0" b="0"/>
+      </a:effectRef>
+      <a:fontRef idx="minor"/>
+    </dgm:style>
+  </dgm:styleLbl>
+  <dgm:styleLbl name="bgAccFollowNode1">
+    <dgm:scene3d>
+      <a:camera prst="orthographicFront"/>
+      <a:lightRig rig="threePt" dir="t"/>
+    </dgm:scene3d>
+    <dgm:sp3d/>
+    <dgm:txPr/>
+    <dgm:style>
+      <a:lnRef idx="2">
+        <a:scrgbClr r="0" g="0" b="0"/>
+      </a:lnRef>
+      <a:fillRef idx="1">
+        <a:scrgbClr r="0" g="0" b="0"/>
+      </a:fillRef>
+      <a:effectRef idx="0">
+        <a:scrgbClr r="0" g="0" b="0"/>
+      </a:effectRef>
+      <a:fontRef idx="minor"/>
+    </dgm:style>
+  </dgm:styleLbl>
+  <dgm:styleLbl name="fgAcc0">
+    <dgm:scene3d>
+      <a:camera prst="orthographicFront"/>
+      <a:lightRig rig="threePt" dir="t"/>
+    </dgm:scene3d>
+    <dgm:sp3d/>
+    <dgm:txPr/>
+    <dgm:style>
+      <a:lnRef idx="2">
+        <a:scrgbClr r="0" g="0" b="0"/>
+      </a:lnRef>
+      <a:fillRef idx="1">
+        <a:scrgbClr r="0" g="0" b="0"/>
+      </a:fillRef>
+      <a:effectRef idx="0">
+        <a:scrgbClr r="0" g="0" b="0"/>
+      </a:effectRef>
+      <a:fontRef idx="minor"/>
+    </dgm:style>
+  </dgm:styleLbl>
+  <dgm:styleLbl name="fgAcc2">
+    <dgm:scene3d>
+      <a:camera prst="orthographicFront"/>
+      <a:lightRig rig="threePt" dir="t"/>
+    </dgm:scene3d>
+    <dgm:sp3d/>
+    <dgm:txPr/>
+    <dgm:style>
+      <a:lnRef idx="2">
+        <a:scrgbClr r="0" g="0" b="0"/>
+      </a:lnRef>
+      <a:fillRef idx="1">
+        <a:scrgbClr r="0" g="0" b="0"/>
+      </a:fillRef>
+      <a:effectRef idx="0">
+        <a:scrgbClr r="0" g="0" b="0"/>
+      </a:effectRef>
+      <a:fontRef idx="minor"/>
+    </dgm:style>
+  </dgm:styleLbl>
+  <dgm:styleLbl name="fgAcc3">
+    <dgm:scene3d>
+      <a:camera prst="orthographicFront"/>
+      <a:lightRig rig="threePt" dir="t"/>
+    </dgm:scene3d>
+    <dgm:sp3d/>
+    <dgm:txPr/>
+    <dgm:style>
+      <a:lnRef idx="2">
+        <a:scrgbClr r="0" g="0" b="0"/>
+      </a:lnRef>
+      <a:fillRef idx="1">
+        <a:scrgbClr r="0" g="0" b="0"/>
+      </a:fillRef>
+      <a:effectRef idx="0">
+        <a:scrgbClr r="0" g="0" b="0"/>
+      </a:effectRef>
+      <a:fontRef idx="minor"/>
+    </dgm:style>
+  </dgm:styleLbl>
+  <dgm:styleLbl name="fgAcc4">
+    <dgm:scene3d>
+      <a:camera prst="orthographicFront"/>
+      <a:lightRig rig="threePt" dir="t"/>
+    </dgm:scene3d>
+    <dgm:sp3d/>
+    <dgm:txPr/>
+    <dgm:style>
+      <a:lnRef idx="2">
+        <a:scrgbClr r="0" g="0" b="0"/>
+      </a:lnRef>
+      <a:fillRef idx="1">
+        <a:scrgbClr r="0" g="0" b="0"/>
+      </a:fillRef>
+      <a:effectRef idx="0">
+        <a:scrgbClr r="0" g="0" b="0"/>
+      </a:effectRef>
+      <a:fontRef idx="minor"/>
+    </dgm:style>
+  </dgm:styleLbl>
+  <dgm:styleLbl name="bgShp">
+    <dgm:scene3d>
+      <a:camera prst="orthographicFront"/>
+      <a:lightRig rig="threePt" dir="t"/>
+    </dgm:scene3d>
+    <dgm:sp3d/>
+    <dgm:txPr/>
+    <dgm:style>
+      <a:lnRef idx="0">
+        <a:scrgbClr r="0" g="0" b="0"/>
+      </a:lnRef>
+      <a:fillRef idx="1">
+        <a:scrgbClr r="0" g="0" b="0"/>
+      </a:fillRef>
+      <a:effectRef idx="0">
+        <a:scrgbClr r="0" g="0" b="0"/>
+      </a:effectRef>
+      <a:fontRef idx="minor"/>
+    </dgm:style>
+  </dgm:styleLbl>
+  <dgm:styleLbl name="dkBgShp">
+    <dgm:scene3d>
+      <a:camera prst="orthographicFront"/>
+      <a:lightRig rig="threePt" dir="t"/>
+    </dgm:scene3d>
+    <dgm:sp3d/>
+    <dgm:txPr/>
+    <dgm:style>
+      <a:lnRef idx="0">
+        <a:scrgbClr r="0" g="0" b="0"/>
+      </a:lnRef>
+      <a:fillRef idx="1">
+        <a:scrgbClr r="0" g="0" b="0"/>
+      </a:fillRef>
+      <a:effectRef idx="0">
+        <a:scrgbClr r="0" g="0" b="0"/>
+      </a:effectRef>
+      <a:fontRef idx="minor"/>
+    </dgm:style>
+  </dgm:styleLbl>
+  <dgm:styleLbl name="trBgShp">
+    <dgm:scene3d>
+      <a:camera prst="orthographicFront"/>
+      <a:lightRig rig="threePt" dir="t"/>
+    </dgm:scene3d>
+    <dgm:sp3d/>
+    <dgm:txPr/>
+    <dgm:style>
+      <a:lnRef idx="0">
+        <a:scrgbClr r="0" g="0" b="0"/>
+      </a:lnRef>
+      <a:fillRef idx="1">
+        <a:scrgbClr r="0" g="0" b="0"/>
+      </a:fillRef>
+      <a:effectRef idx="0">
+        <a:scrgbClr r="0" g="0" b="0"/>
+      </a:effectRef>
+      <a:fontRef idx="minor"/>
+    </dgm:style>
+  </dgm:styleLbl>
+  <dgm:styleLbl name="fgShp">
+    <dgm:scene3d>
+      <a:camera prst="orthographicFront"/>
+      <a:lightRig rig="threePt" dir="t"/>
+    </dgm:scene3d>
+    <dgm:sp3d/>
+    <dgm:txPr/>
+    <dgm:style>
+      <a:lnRef idx="2">
+        <a:scrgbClr r="0" g="0" b="0"/>
+      </a:lnRef>
+      <a:fillRef idx="1">
+        <a:scrgbClr r="0" g="0" b="0"/>
+      </a:fillRef>
+      <a:effectRef idx="0">
+        <a:scrgbClr r="0" g="0" b="0"/>
+      </a:effectRef>
+      <a:fontRef idx="minor"/>
+    </dgm:style>
+  </dgm:styleLbl>
+  <dgm:styleLbl name="revTx">
+    <dgm:scene3d>
+      <a:camera prst="orthographicFront"/>
+      <a:lightRig rig="threePt" dir="t"/>
+    </dgm:scene3d>
+    <dgm:sp3d/>
+    <dgm:txPr/>
+    <dgm:style>
+      <a:lnRef idx="0">
+        <a:scrgbClr r="0" g="0" b="0"/>
+      </a:lnRef>
+      <a:fillRef idx="0">
+        <a:scrgbClr r="0" g="0" b="0"/>
+      </a:fillRef>
+      <a:effectRef idx="0">
+        <a:scrgbClr r="0" g="0" b="0"/>
+      </a:effectRef>
+      <a:fontRef idx="minor"/>
+    </dgm:style>
+  </dgm:styleLbl>
+</dgm:styleDef>
 </file>
 
 <file path=ppt/notesMasters/notesMaster1.xml><?xml version="1.0" encoding="utf-8"?>
@@ -3478,6 +8163,13 @@
             </a:pPr>
             <a:r>
               <a:rPr lang="en-US" b="0" dirty="0"/>
+              <a:t>Final Exam</a:t>
+            </a:r>
+            <a:br>
+              <a:rPr lang="en-US" b="0" dirty="0"/>
+            </a:br>
+            <a:r>
+              <a:rPr lang="en-US" b="0" dirty="0"/>
               <a:t>Review</a:t>
             </a:r>
             <a:endParaRPr dirty="0"/>
@@ -3528,34 +8220,49 @@
       </p:sp>
       <p:pic>
         <p:nvPicPr>
-          <p:cNvPr id="3" name="Picture 2" descr="A close up of a sign&#10;&#10;Description automatically generated">
+          <p:cNvPr id="1026" name="Picture 2">
             <a:extLst>
               <a:ext uri="{FF2B5EF4-FFF2-40B4-BE49-F238E27FC236}">
-                <a16:creationId xmlns:a16="http://schemas.microsoft.com/office/drawing/2014/main" id="{DBB79DA9-E528-4E11-A659-9FECE294BE36}"/>
+                <a16:creationId xmlns:a16="http://schemas.microsoft.com/office/drawing/2014/main" id="{DD7E1DA5-C703-4A00-B16C-8AE3341B8218}"/>
               </a:ext>
             </a:extLst>
           </p:cNvPr>
           <p:cNvPicPr>
-            <a:picLocks noChangeAspect="1"/>
+            <a:picLocks noChangeAspect="1" noChangeArrowheads="1"/>
           </p:cNvPicPr>
           <p:nvPr/>
         </p:nvPicPr>
         <p:blipFill>
           <a:blip r:embed="rId3">
-            <a:biLevel thresh="25000"/>
+            <a:extLst>
+              <a:ext uri="{28A0092B-C50C-407E-A947-70E740481C1C}">
+                <a14:useLocalDpi xmlns:a14="http://schemas.microsoft.com/office/drawing/2010/main" val="0"/>
+              </a:ext>
+            </a:extLst>
           </a:blip>
+          <a:srcRect/>
           <a:stretch>
             <a:fillRect/>
           </a:stretch>
         </p:blipFill>
-        <p:spPr>
+        <p:spPr bwMode="auto">
           <a:xfrm>
-            <a:off x="422233" y="3151559"/>
-            <a:ext cx="1728167" cy="1328591"/>
+            <a:off x="549728" y="3702160"/>
+            <a:ext cx="2846615" cy="657291"/>
           </a:xfrm>
           <a:prstGeom prst="rect">
             <a:avLst/>
           </a:prstGeom>
+          <a:noFill/>
+          <a:extLst>
+            <a:ext uri="{909E8E84-426E-40DD-AFC4-6F175D3DCCD1}">
+              <a14:hiddenFill xmlns:a14="http://schemas.microsoft.com/office/drawing/2010/main">
+                <a:solidFill>
+                  <a:srgbClr val="FFFFFF"/>
+                </a:solidFill>
+              </a14:hiddenFill>
+            </a:ext>
+          </a:extLst>
         </p:spPr>
       </p:pic>
     </p:spTree>
@@ -3567,6 +8274,102 @@
 </file>
 
 <file path=ppt/slides/slide2.xml><?xml version="1.0" encoding="utf-8"?>
+<p:sld xmlns:a="http://schemas.openxmlformats.org/drawingml/2006/main" xmlns:r="http://schemas.openxmlformats.org/officeDocument/2006/relationships" xmlns:p="http://schemas.openxmlformats.org/presentationml/2006/main">
+  <p:cSld>
+    <p:spTree>
+      <p:nvGrpSpPr>
+        <p:cNvPr id="1" name=""/>
+        <p:cNvGrpSpPr/>
+        <p:nvPr/>
+      </p:nvGrpSpPr>
+      <p:grpSpPr>
+        <a:xfrm>
+          <a:off x="0" y="0"/>
+          <a:ext cx="0" cy="0"/>
+          <a:chOff x="0" y="0"/>
+          <a:chExt cx="0" cy="0"/>
+        </a:xfrm>
+      </p:grpSpPr>
+      <p:sp>
+        <p:nvSpPr>
+          <p:cNvPr id="2" name="Title 1">
+            <a:extLst>
+              <a:ext uri="{FF2B5EF4-FFF2-40B4-BE49-F238E27FC236}">
+                <a16:creationId xmlns:a16="http://schemas.microsoft.com/office/drawing/2014/main" id="{1B26099C-4F7A-FCE5-1438-63FFB6AC61C3}"/>
+              </a:ext>
+            </a:extLst>
+          </p:cNvPr>
+          <p:cNvSpPr>
+            <a:spLocks noGrp="1"/>
+          </p:cNvSpPr>
+          <p:nvPr>
+            <p:ph type="title"/>
+          </p:nvPr>
+        </p:nvSpPr>
+        <p:spPr>
+          <a:xfrm>
+            <a:off x="2041071" y="43542"/>
+            <a:ext cx="5061858" cy="522515"/>
+          </a:xfrm>
+        </p:spPr>
+        <p:txBody>
+          <a:bodyPr/>
+          <a:lstStyle/>
+          <a:p>
+            <a:pPr algn="ctr"/>
+            <a:r>
+              <a:rPr lang="en-US" dirty="0">
+                <a:solidFill>
+                  <a:schemeClr val="tx1"/>
+                </a:solidFill>
+              </a:rPr>
+              <a:t>Course Competencies</a:t>
+            </a:r>
+          </a:p>
+        </p:txBody>
+      </p:sp>
+      <p:graphicFrame>
+        <p:nvGraphicFramePr>
+          <p:cNvPr id="5" name="Diagram 4">
+            <a:extLst>
+              <a:ext uri="{FF2B5EF4-FFF2-40B4-BE49-F238E27FC236}">
+                <a16:creationId xmlns:a16="http://schemas.microsoft.com/office/drawing/2014/main" id="{FD225EFD-FD4D-1259-8D9A-8C78D412C1DA}"/>
+              </a:ext>
+            </a:extLst>
+          </p:cNvPr>
+          <p:cNvGraphicFramePr/>
+          <p:nvPr>
+            <p:extLst>
+              <p:ext uri="{D42A27DB-BD31-4B8C-83A1-F6EECF244321}">
+                <p14:modId xmlns:p14="http://schemas.microsoft.com/office/powerpoint/2010/main" val="2193046991"/>
+              </p:ext>
+            </p:extLst>
+          </p:nvPr>
+        </p:nvGraphicFramePr>
+        <p:xfrm>
+          <a:off x="-1" y="566056"/>
+          <a:ext cx="9144002" cy="4533902"/>
+        </p:xfrm>
+        <a:graphic>
+          <a:graphicData uri="http://schemas.openxmlformats.org/drawingml/2006/diagram">
+            <dgm:relIds xmlns:dgm="http://schemas.openxmlformats.org/drawingml/2006/diagram" xmlns:r="http://schemas.openxmlformats.org/officeDocument/2006/relationships" r:dm="rId2" r:lo="rId3" r:qs="rId4" r:cs="rId5"/>
+          </a:graphicData>
+        </a:graphic>
+      </p:graphicFrame>
+    </p:spTree>
+    <p:extLst>
+      <p:ext uri="{BB962C8B-B14F-4D97-AF65-F5344CB8AC3E}">
+        <p14:creationId xmlns:p14="http://schemas.microsoft.com/office/powerpoint/2010/main" val="543952737"/>
+      </p:ext>
+    </p:extLst>
+  </p:cSld>
+  <p:clrMapOvr>
+    <a:masterClrMapping/>
+  </p:clrMapOvr>
+</p:sld>
+</file>
+
+<file path=ppt/slides/slide3.xml><?xml version="1.0" encoding="utf-8"?>
 <p:sld xmlns:a="http://schemas.openxmlformats.org/drawingml/2006/main" xmlns:r="http://schemas.openxmlformats.org/officeDocument/2006/relationships" xmlns:p="http://schemas.openxmlformats.org/presentationml/2006/main">
   <p:cSld>
     <p:spTree>
@@ -3645,7 +8448,7 @@
             </a:pPr>
             <a:r>
               <a:rPr lang="en-US" dirty="0"/>
-              <a:t>Wednesday, 5/11/22</a:t>
+              <a:t>Wednesday, 5/10</a:t>
             </a:r>
           </a:p>
           <a:p>
@@ -3667,7 +8470,7 @@
             </a:pPr>
             <a:r>
               <a:rPr lang="en-US" dirty="0"/>
-              <a:t>Center City</a:t>
+              <a:t>Center City 1101</a:t>
             </a:r>
           </a:p>
           <a:p>

--- a/7 - Final Exam/Review.pptx
+++ b/7 - Final Exam/Review.pptx
@@ -8459,7 +8459,7 @@
             </a:pPr>
             <a:r>
               <a:rPr lang="en-US" dirty="0"/>
-              <a:t>5:30pm – 8:15pm</a:t>
+              <a:t>5:30pm – 8:00pm</a:t>
             </a:r>
           </a:p>
           <a:p>

--- a/7 - Final Exam/Review.pptx
+++ b/7 - Final Exam/Review.pptx
@@ -23,7 +23,7 @@
       <p:boldItalic r:id="rId9"/>
     </p:embeddedFont>
     <p:embeddedFont>
-      <p:font typeface="Raleway" pitchFamily="2" charset="0"/>
+      <p:font typeface="Raleway" pitchFamily="2" charset="77"/>
       <p:regular r:id="rId10"/>
       <p:bold r:id="rId11"/>
       <p:italic r:id="rId12"/>
@@ -2722,17 +2722,17 @@
     <dgm:cxn modelId="{0EDE2D37-C14C-428A-A056-2489AD96F13B}" type="presOf" srcId="{AA80B9C1-2179-4A62-ACC4-9F5EA694B70B}" destId="{52280505-D8A4-41F4-B6B6-F1E29295784C}" srcOrd="0" destOrd="5" presId="urn:microsoft.com/office/officeart/2005/8/layout/default"/>
     <dgm:cxn modelId="{E4212F37-431E-4488-A111-DE3E4FB60D53}" srcId="{712B5DF3-7010-428A-82F5-53CEFCE2638E}" destId="{F5B1A2F4-CDBF-4D24-8E4B-355AA33D4AF5}" srcOrd="0" destOrd="0" parTransId="{AD8271E6-71BF-4C62-B6AD-34FF94D48F98}" sibTransId="{876DE428-4762-43BA-A757-7C648CC16C3C}"/>
     <dgm:cxn modelId="{B5398837-FA8B-48A2-BA6B-D2038D48A869}" srcId="{712B5DF3-7010-428A-82F5-53CEFCE2638E}" destId="{AA628E68-9562-44D9-AC50-7077675A5CB5}" srcOrd="2" destOrd="0" parTransId="{5743469F-4AAC-41FC-9E9B-CD68922CC1E7}" sibTransId="{D8784947-5354-4249-B697-0BC4D6ACFACE}"/>
+    <dgm:cxn modelId="{6B358F42-65A0-41E7-91A4-EF085D137253}" type="presOf" srcId="{5B5872FC-66BA-456D-A6C3-1915186C774A}" destId="{AC807673-F359-448D-B341-9B9E243109FE}" srcOrd="0" destOrd="0" presId="urn:microsoft.com/office/officeart/2005/8/layout/default"/>
+    <dgm:cxn modelId="{E3D96744-304D-4A40-AE94-69370A3C1712}" type="presOf" srcId="{712B5DF3-7010-428A-82F5-53CEFCE2638E}" destId="{8640B9EB-789B-4444-B9DC-7790290D2C07}" srcOrd="0" destOrd="1" presId="urn:microsoft.com/office/officeart/2005/8/layout/default"/>
+    <dgm:cxn modelId="{5E801F4B-3E70-492E-A1E3-EA1B7873E2AA}" type="presOf" srcId="{A4FA2BA0-D1CC-4610-A4DE-075BB7101994}" destId="{8640B9EB-789B-4444-B9DC-7790290D2C07}" srcOrd="0" destOrd="3" presId="urn:microsoft.com/office/officeart/2005/8/layout/default"/>
+    <dgm:cxn modelId="{1F2A4655-A1EE-4302-BA16-5BA8B7A697AB}" srcId="{2BB8BC78-CA02-4157-A9EC-98E98863C0E3}" destId="{0D17077E-036C-422D-84FB-8AA137184298}" srcOrd="0" destOrd="0" parTransId="{0A58FAAB-4856-4073-A104-0F412D002172}" sibTransId="{4C44C628-C58E-442A-B738-309474E86D7E}"/>
+    <dgm:cxn modelId="{98FCB557-BD10-45DE-B084-88D3A145EF50}" srcId="{0ED2EF8A-A277-4AE6-94F5-0C0C230E79A1}" destId="{346F2D11-56FC-4369-A63F-6DA072EF34CB}" srcOrd="0" destOrd="0" parTransId="{1F1CB762-8195-4B94-93AA-34DE024B56F8}" sibTransId="{AD23991F-AB2D-4D8C-AA01-97FA859B94A4}"/>
     <dgm:cxn modelId="{6914655C-6F88-4F44-A604-30DED5FB61C6}" srcId="{CEE8FF8B-D357-4DEB-80BC-B94B691DAB5E}" destId="{4220455F-CF1C-4436-A9B6-D518B15DEF85}" srcOrd="0" destOrd="0" parTransId="{55A61E59-3711-4470-BE75-90F3E1DE062A}" sibTransId="{55F3672B-8797-4CE5-8735-0280F532931F}"/>
     <dgm:cxn modelId="{E31B0B62-8466-4497-8FFD-E6456341ABA0}" type="presOf" srcId="{D0B7C232-4EE8-45BD-9762-748ACDBB1286}" destId="{AC807673-F359-448D-B341-9B9E243109FE}" srcOrd="0" destOrd="4" presId="urn:microsoft.com/office/officeart/2005/8/layout/default"/>
-    <dgm:cxn modelId="{6B358F42-65A0-41E7-91A4-EF085D137253}" type="presOf" srcId="{5B5872FC-66BA-456D-A6C3-1915186C774A}" destId="{AC807673-F359-448D-B341-9B9E243109FE}" srcOrd="0" destOrd="0" presId="urn:microsoft.com/office/officeart/2005/8/layout/default"/>
-    <dgm:cxn modelId="{E3D96744-304D-4A40-AE94-69370A3C1712}" type="presOf" srcId="{712B5DF3-7010-428A-82F5-53CEFCE2638E}" destId="{8640B9EB-789B-4444-B9DC-7790290D2C07}" srcOrd="0" destOrd="1" presId="urn:microsoft.com/office/officeart/2005/8/layout/default"/>
     <dgm:cxn modelId="{57340465-7BCE-43EB-B6DB-435170C23804}" srcId="{254E1A88-57B1-4E74-8EBE-15ABF9D88055}" destId="{AD65C654-A63F-4FF4-AAF3-5B7FB128007C}" srcOrd="0" destOrd="0" parTransId="{F549335F-EA69-4D54-970F-12442CE63682}" sibTransId="{CC493BA9-FDB1-4B9B-B583-34336848F701}"/>
     <dgm:cxn modelId="{A4DFCB68-5B04-4294-937F-A0D556F6047F}" type="presOf" srcId="{C3DAB90A-0E6D-470F-BD4A-95F88E847D18}" destId="{EB9CC506-1F7F-4944-8CB4-67BA271FF82E}" srcOrd="0" destOrd="7" presId="urn:microsoft.com/office/officeart/2005/8/layout/default"/>
-    <dgm:cxn modelId="{5E801F4B-3E70-492E-A1E3-EA1B7873E2AA}" type="presOf" srcId="{A4FA2BA0-D1CC-4610-A4DE-075BB7101994}" destId="{8640B9EB-789B-4444-B9DC-7790290D2C07}" srcOrd="0" destOrd="3" presId="urn:microsoft.com/office/officeart/2005/8/layout/default"/>
     <dgm:cxn modelId="{82DCCE6B-5D26-4561-B64F-1E1CABE5B293}" type="presOf" srcId="{EABA2467-003C-444A-BCFD-6518F779D93A}" destId="{52280505-D8A4-41F4-B6B6-F1E29295784C}" srcOrd="0" destOrd="1" presId="urn:microsoft.com/office/officeart/2005/8/layout/default"/>
     <dgm:cxn modelId="{193BBE74-11E8-4508-BBCD-3BD588714996}" type="presOf" srcId="{0D17077E-036C-422D-84FB-8AA137184298}" destId="{AC807673-F359-448D-B341-9B9E243109FE}" srcOrd="0" destOrd="2" presId="urn:microsoft.com/office/officeart/2005/8/layout/default"/>
-    <dgm:cxn modelId="{1F2A4655-A1EE-4302-BA16-5BA8B7A697AB}" srcId="{2BB8BC78-CA02-4157-A9EC-98E98863C0E3}" destId="{0D17077E-036C-422D-84FB-8AA137184298}" srcOrd="0" destOrd="0" parTransId="{0A58FAAB-4856-4073-A104-0F412D002172}" sibTransId="{4C44C628-C58E-442A-B738-309474E86D7E}"/>
-    <dgm:cxn modelId="{98FCB557-BD10-45DE-B084-88D3A145EF50}" srcId="{0ED2EF8A-A277-4AE6-94F5-0C0C230E79A1}" destId="{346F2D11-56FC-4369-A63F-6DA072EF34CB}" srcOrd="0" destOrd="0" parTransId="{1F1CB762-8195-4B94-93AA-34DE024B56F8}" sibTransId="{AD23991F-AB2D-4D8C-AA01-97FA859B94A4}"/>
     <dgm:cxn modelId="{7E4CE980-5D48-4DB4-B95A-CB17B9C3BBD2}" type="presOf" srcId="{254E1A88-57B1-4E74-8EBE-15ABF9D88055}" destId="{EB9CC506-1F7F-4944-8CB4-67BA271FF82E}" srcOrd="0" destOrd="3" presId="urn:microsoft.com/office/officeart/2005/8/layout/default"/>
     <dgm:cxn modelId="{F2962882-40A9-4866-9B90-4C676644DA71}" srcId="{712B5DF3-7010-428A-82F5-53CEFCE2638E}" destId="{A4FA2BA0-D1CC-4610-A4DE-075BB7101994}" srcOrd="1" destOrd="0" parTransId="{BC0C71D7-687B-43F1-B5AD-F52B08973FBC}" sibTransId="{5266977A-69FD-4254-8911-A7782812431A}"/>
     <dgm:cxn modelId="{0C366E83-FFEC-4ACE-AC7D-EC979CFD4948}" type="presOf" srcId="{0BD3F884-BEAE-4A60-802E-1ACA0912B203}" destId="{8640B9EB-789B-4444-B9DC-7790290D2C07}" srcOrd="0" destOrd="8" presId="urn:microsoft.com/office/officeart/2005/8/layout/default"/>
@@ -8448,8 +8448,13 @@
             </a:pPr>
             <a:r>
               <a:rPr lang="en-US" dirty="0"/>
-              <a:t>Wednesday, 5/10</a:t>
+              <a:t>Wednesday</a:t>
             </a:r>
+            <a:r>
+              <a:rPr lang="en-US"/>
+              <a:t>, 12/10</a:t>
+            </a:r>
+            <a:endParaRPr lang="en-US" dirty="0"/>
           </a:p>
           <a:p>
             <a:pPr lvl="1">
